--- a/Final Project IMK/ppt tugas lapor empirik IMK.pptx
+++ b/Final Project IMK/ppt tugas lapor empirik IMK.pptx
@@ -6,20 +6,21 @@
   </p:sldMasterIdLst>
   <p:sldIdLst>
     <p:sldId id="257" r:id="rId5"/>
-    <p:sldId id="259" r:id="rId6"/>
-    <p:sldId id="262" r:id="rId7"/>
-    <p:sldId id="264" r:id="rId8"/>
-    <p:sldId id="265" r:id="rId9"/>
-    <p:sldId id="263" r:id="rId10"/>
-    <p:sldId id="261" r:id="rId11"/>
-    <p:sldId id="260" r:id="rId12"/>
-    <p:sldId id="266" r:id="rId13"/>
-    <p:sldId id="268" r:id="rId14"/>
-    <p:sldId id="269" r:id="rId15"/>
-    <p:sldId id="267" r:id="rId16"/>
-    <p:sldId id="270" r:id="rId17"/>
-    <p:sldId id="258" r:id="rId18"/>
-    <p:sldId id="271" r:id="rId19"/>
+    <p:sldId id="272" r:id="rId6"/>
+    <p:sldId id="259" r:id="rId7"/>
+    <p:sldId id="262" r:id="rId8"/>
+    <p:sldId id="264" r:id="rId9"/>
+    <p:sldId id="265" r:id="rId10"/>
+    <p:sldId id="263" r:id="rId11"/>
+    <p:sldId id="261" r:id="rId12"/>
+    <p:sldId id="260" r:id="rId13"/>
+    <p:sldId id="266" r:id="rId14"/>
+    <p:sldId id="268" r:id="rId15"/>
+    <p:sldId id="269" r:id="rId16"/>
+    <p:sldId id="267" r:id="rId17"/>
+    <p:sldId id="270" r:id="rId18"/>
+    <p:sldId id="258" r:id="rId19"/>
+    <p:sldId id="271" r:id="rId20"/>
   </p:sldIdLst>
   <p:sldSz cx="12192000" cy="6858000"/>
   <p:notesSz cx="6858000" cy="9144000"/>
@@ -4279,7 +4280,7 @@
           <p:cNvPr id="2" name="Title 1">
             <a:extLst>
               <a:ext uri="{FF2B5EF4-FFF2-40B4-BE49-F238E27FC236}">
-                <a16:creationId xmlns:a16="http://schemas.microsoft.com/office/drawing/2014/main" id="{09F91042-2C31-97B7-3E51-E2A9C003A3FC}"/>
+                <a16:creationId xmlns:a16="http://schemas.microsoft.com/office/drawing/2014/main" id="{BDA8BBBF-9D0F-C9A0-5DF7-7E76A778E67A}"/>
               </a:ext>
             </a:extLst>
           </p:cNvPr>
@@ -4290,14 +4291,27 @@
             <p:ph type="title"/>
           </p:nvPr>
         </p:nvSpPr>
-        <p:spPr/>
+        <p:spPr>
+          <a:xfrm>
+            <a:off x="767856" y="933450"/>
+            <a:ext cx="3388507" cy="1722419"/>
+          </a:xfrm>
+        </p:spPr>
         <p:txBody>
           <a:bodyPr/>
           <a:lstStyle/>
           <a:p>
             <a:r>
               <a:rPr lang="en-US" dirty="0"/>
-              <a:t>ANOVA</a:t>
+              <a:t>Hasil </a:t>
+            </a:r>
+            <a:r>
+              <a:rPr lang="en-US" dirty="0" err="1"/>
+              <a:t>perhitungan</a:t>
+            </a:r>
+            <a:r>
+              <a:rPr lang="en-US" dirty="0"/>
+              <a:t> </a:t>
             </a:r>
             <a:endParaRPr lang="en-ID" dirty="0"/>
           </a:p>
@@ -4305,10 +4319,10 @@
       </p:sp>
       <p:sp>
         <p:nvSpPr>
-          <p:cNvPr id="5" name="Content Placeholder 4">
+          <p:cNvPr id="3" name="Content Placeholder 2">
             <a:extLst>
               <a:ext uri="{FF2B5EF4-FFF2-40B4-BE49-F238E27FC236}">
-                <a16:creationId xmlns:a16="http://schemas.microsoft.com/office/drawing/2014/main" id="{B64FE81C-08EF-0AE8-A2D7-2D5CFD4DDAEE}"/>
+                <a16:creationId xmlns:a16="http://schemas.microsoft.com/office/drawing/2014/main" id="{2C150F28-56AB-7F19-8632-597910CD1710}"/>
               </a:ext>
             </a:extLst>
           </p:cNvPr>
@@ -4319,746 +4333,121 @@
             <p:ph idx="1"/>
           </p:nvPr>
         </p:nvSpPr>
-        <p:spPr>
-          <a:xfrm>
-            <a:off x="678174" y="2417335"/>
-            <a:ext cx="9047717" cy="2549790"/>
-          </a:xfrm>
-        </p:spPr>
+        <p:spPr/>
+        <p:txBody>
+          <a:bodyPr/>
+          <a:lstStyle/>
+          <a:p>
+            <a:endParaRPr lang="en-ID" dirty="0"/>
+          </a:p>
+        </p:txBody>
+      </p:sp>
+      <p:sp>
+        <p:nvSpPr>
+          <p:cNvPr id="4" name="Text Placeholder 3">
+            <a:extLst>
+              <a:ext uri="{FF2B5EF4-FFF2-40B4-BE49-F238E27FC236}">
+                <a16:creationId xmlns:a16="http://schemas.microsoft.com/office/drawing/2014/main" id="{CE4D8452-F392-DD44-B0CF-6FBAE6CB2D97}"/>
+              </a:ext>
+            </a:extLst>
+          </p:cNvPr>
+          <p:cNvSpPr>
+            <a:spLocks noGrp="1"/>
+          </p:cNvSpPr>
+          <p:nvPr>
+            <p:ph type="body" sz="half" idx="2"/>
+          </p:nvPr>
+        </p:nvSpPr>
+        <p:spPr/>
         <p:txBody>
           <a:bodyPr>
             <a:normAutofit/>
           </a:bodyPr>
           <a:lstStyle/>
           <a:p>
-            <a:pPr marL="0" lvl="0" indent="0" algn="just">
-              <a:lnSpc>
-                <a:spcPct val="130000"/>
-              </a:lnSpc>
-              <a:buNone/>
-            </a:pPr>
-            <a:r>
-              <a:rPr lang="en-US" sz="1800" dirty="0" err="1">
-                <a:effectLst/>
-                <a:latin typeface="Raleway" pitchFamily="2" charset="0"/>
-                <a:ea typeface="Times New Roman" panose="02020603050405020304" pitchFamily="18" charset="0"/>
-                <a:cs typeface="Times New Roman" panose="02020603050405020304" pitchFamily="18" charset="0"/>
-              </a:rPr>
-              <a:t>Tingakat</a:t>
-            </a:r>
-            <a:r>
-              <a:rPr lang="en-US" sz="1800" dirty="0">
-                <a:effectLst/>
-                <a:latin typeface="Raleway" pitchFamily="2" charset="0"/>
-                <a:ea typeface="Times New Roman" panose="02020603050405020304" pitchFamily="18" charset="0"/>
-                <a:cs typeface="Times New Roman" panose="02020603050405020304" pitchFamily="18" charset="0"/>
-              </a:rPr>
-              <a:t> </a:t>
-            </a:r>
-            <a:r>
-              <a:rPr lang="en-US" sz="1800" dirty="0" err="1">
-                <a:latin typeface="Raleway" pitchFamily="2" charset="0"/>
-                <a:ea typeface="Times New Roman" panose="02020603050405020304" pitchFamily="18" charset="0"/>
-                <a:cs typeface="Times New Roman" panose="02020603050405020304" pitchFamily="18" charset="0"/>
-              </a:rPr>
-              <a:t>signifikan</a:t>
-            </a:r>
-            <a:r>
-              <a:rPr lang="en-US" sz="1800" dirty="0">
-                <a:latin typeface="Raleway" pitchFamily="2" charset="0"/>
-                <a:ea typeface="Times New Roman" panose="02020603050405020304" pitchFamily="18" charset="0"/>
-                <a:cs typeface="Times New Roman" panose="02020603050405020304" pitchFamily="18" charset="0"/>
-              </a:rPr>
-              <a:t> </a:t>
-            </a:r>
-            <a:r>
-              <a:rPr lang="en-US" sz="1800" dirty="0">
-                <a:effectLst/>
-                <a:latin typeface="Raleway" pitchFamily="2" charset="0"/>
-                <a:ea typeface="Times New Roman" panose="02020603050405020304" pitchFamily="18" charset="0"/>
-                <a:cs typeface="Times New Roman" panose="02020603050405020304" pitchFamily="18" charset="0"/>
-              </a:rPr>
-              <a:t>a = 0,05 </a:t>
-            </a:r>
-            <a:r>
-              <a:rPr lang="en-US" sz="1800" dirty="0" err="1">
-                <a:effectLst/>
-                <a:latin typeface="Raleway" pitchFamily="2" charset="0"/>
-                <a:ea typeface="Times New Roman" panose="02020603050405020304" pitchFamily="18" charset="0"/>
-                <a:cs typeface="Times New Roman" panose="02020603050405020304" pitchFamily="18" charset="0"/>
-              </a:rPr>
-              <a:t>atau</a:t>
-            </a:r>
-            <a:r>
-              <a:rPr lang="en-US" sz="1800" dirty="0">
-                <a:effectLst/>
-                <a:latin typeface="Raleway" pitchFamily="2" charset="0"/>
-                <a:ea typeface="Times New Roman" panose="02020603050405020304" pitchFamily="18" charset="0"/>
-                <a:cs typeface="Times New Roman" panose="02020603050405020304" pitchFamily="18" charset="0"/>
-              </a:rPr>
-              <a:t> 5%.</a:t>
-            </a:r>
-          </a:p>
-          <a:p>
-            <a:pPr marL="0" lvl="0" indent="0" algn="just">
-              <a:lnSpc>
-                <a:spcPct val="130000"/>
-              </a:lnSpc>
-              <a:buNone/>
-            </a:pPr>
-            <a:r>
-              <a:rPr lang="en-US" sz="1800" dirty="0" err="1">
-                <a:effectLst/>
-                <a:latin typeface="Raleway" pitchFamily="2" charset="0"/>
-                <a:ea typeface="Times New Roman" panose="02020603050405020304" pitchFamily="18" charset="0"/>
-                <a:cs typeface="Times New Roman" panose="02020603050405020304" pitchFamily="18" charset="0"/>
-              </a:rPr>
-              <a:t>Kemudian</a:t>
-            </a:r>
-            <a:r>
-              <a:rPr lang="en-US" sz="1800" dirty="0">
-                <a:effectLst/>
-                <a:latin typeface="Raleway" pitchFamily="2" charset="0"/>
-                <a:ea typeface="Times New Roman" panose="02020603050405020304" pitchFamily="18" charset="0"/>
-                <a:cs typeface="Times New Roman" panose="02020603050405020304" pitchFamily="18" charset="0"/>
-              </a:rPr>
-              <a:t> </a:t>
-            </a:r>
-            <a:r>
-              <a:rPr lang="en-US" sz="1800" dirty="0" err="1">
-                <a:effectLst/>
-                <a:latin typeface="Raleway" pitchFamily="2" charset="0"/>
-                <a:ea typeface="Times New Roman" panose="02020603050405020304" pitchFamily="18" charset="0"/>
-                <a:cs typeface="Times New Roman" panose="02020603050405020304" pitchFamily="18" charset="0"/>
-              </a:rPr>
-              <a:t>dilakukan</a:t>
-            </a:r>
-            <a:r>
-              <a:rPr lang="en-US" sz="1800" dirty="0">
-                <a:effectLst/>
-                <a:latin typeface="Raleway" pitchFamily="2" charset="0"/>
-                <a:ea typeface="Times New Roman" panose="02020603050405020304" pitchFamily="18" charset="0"/>
-                <a:cs typeface="Times New Roman" panose="02020603050405020304" pitchFamily="18" charset="0"/>
-              </a:rPr>
-              <a:t> </a:t>
-            </a:r>
-            <a:r>
-              <a:rPr lang="en-US" sz="1800" dirty="0" err="1">
-                <a:effectLst/>
-                <a:latin typeface="Raleway" pitchFamily="2" charset="0"/>
-                <a:ea typeface="Times New Roman" panose="02020603050405020304" pitchFamily="18" charset="0"/>
-                <a:cs typeface="Times New Roman" panose="02020603050405020304" pitchFamily="18" charset="0"/>
-              </a:rPr>
-              <a:t>perhitungan</a:t>
-            </a:r>
-            <a:r>
-              <a:rPr lang="en-US" sz="1800" dirty="0">
-                <a:effectLst/>
-                <a:latin typeface="Raleway" pitchFamily="2" charset="0"/>
-                <a:ea typeface="Times New Roman" panose="02020603050405020304" pitchFamily="18" charset="0"/>
-                <a:cs typeface="Times New Roman" panose="02020603050405020304" pitchFamily="18" charset="0"/>
-              </a:rPr>
-              <a:t> </a:t>
-            </a:r>
-            <a:r>
-              <a:rPr lang="en-US" sz="1800" dirty="0" err="1">
-                <a:effectLst/>
-                <a:latin typeface="Raleway" pitchFamily="2" charset="0"/>
-                <a:ea typeface="Times New Roman" panose="02020603050405020304" pitchFamily="18" charset="0"/>
-                <a:cs typeface="Times New Roman" panose="02020603050405020304" pitchFamily="18" charset="0"/>
-              </a:rPr>
-              <a:t>varians</a:t>
-            </a:r>
-            <a:r>
-              <a:rPr lang="en-US" sz="1800" dirty="0">
-                <a:effectLst/>
-                <a:latin typeface="Raleway" pitchFamily="2" charset="0"/>
-                <a:ea typeface="Times New Roman" panose="02020603050405020304" pitchFamily="18" charset="0"/>
-                <a:cs typeface="Times New Roman" panose="02020603050405020304" pitchFamily="18" charset="0"/>
-              </a:rPr>
-              <a:t> </a:t>
-            </a:r>
-            <a:r>
-              <a:rPr lang="en-US" sz="1800" dirty="0" err="1">
-                <a:effectLst/>
-                <a:latin typeface="Raleway" pitchFamily="2" charset="0"/>
-                <a:ea typeface="Times New Roman" panose="02020603050405020304" pitchFamily="18" charset="0"/>
-                <a:cs typeface="Times New Roman" panose="02020603050405020304" pitchFamily="18" charset="0"/>
-              </a:rPr>
-              <a:t>dalam</a:t>
-            </a:r>
-            <a:r>
-              <a:rPr lang="en-US" sz="1800" dirty="0">
-                <a:effectLst/>
-                <a:latin typeface="Raleway" pitchFamily="2" charset="0"/>
-                <a:ea typeface="Times New Roman" panose="02020603050405020304" pitchFamily="18" charset="0"/>
-                <a:cs typeface="Times New Roman" panose="02020603050405020304" pitchFamily="18" charset="0"/>
-              </a:rPr>
-              <a:t> </a:t>
-            </a:r>
-            <a:r>
-              <a:rPr lang="en-US" sz="1800" dirty="0" err="1">
-                <a:effectLst/>
-                <a:latin typeface="Raleway" pitchFamily="2" charset="0"/>
-                <a:ea typeface="Times New Roman" panose="02020603050405020304" pitchFamily="18" charset="0"/>
-                <a:cs typeface="Times New Roman" panose="02020603050405020304" pitchFamily="18" charset="0"/>
-              </a:rPr>
-              <a:t>setiap</a:t>
-            </a:r>
-            <a:r>
-              <a:rPr lang="en-US" sz="1800" dirty="0">
-                <a:effectLst/>
-                <a:latin typeface="Raleway" pitchFamily="2" charset="0"/>
-                <a:ea typeface="Times New Roman" panose="02020603050405020304" pitchFamily="18" charset="0"/>
-                <a:cs typeface="Times New Roman" panose="02020603050405020304" pitchFamily="18" charset="0"/>
-              </a:rPr>
-              <a:t> </a:t>
-            </a:r>
-            <a:r>
-              <a:rPr lang="en-US" sz="1800" dirty="0" err="1">
-                <a:effectLst/>
-                <a:latin typeface="Raleway" pitchFamily="2" charset="0"/>
-                <a:ea typeface="Times New Roman" panose="02020603050405020304" pitchFamily="18" charset="0"/>
-                <a:cs typeface="Times New Roman" panose="02020603050405020304" pitchFamily="18" charset="0"/>
-              </a:rPr>
-              <a:t>kelompok</a:t>
-            </a:r>
-            <a:r>
-              <a:rPr lang="en-US" sz="1800" dirty="0">
-                <a:effectLst/>
-                <a:latin typeface="Raleway" pitchFamily="2" charset="0"/>
-                <a:ea typeface="Times New Roman" panose="02020603050405020304" pitchFamily="18" charset="0"/>
-                <a:cs typeface="Times New Roman" panose="02020603050405020304" pitchFamily="18" charset="0"/>
-              </a:rPr>
-              <a:t> dan </a:t>
-            </a:r>
-            <a:r>
-              <a:rPr lang="en-US" sz="1800" dirty="0" err="1">
-                <a:effectLst/>
-                <a:latin typeface="Raleway" pitchFamily="2" charset="0"/>
-                <a:ea typeface="Times New Roman" panose="02020603050405020304" pitchFamily="18" charset="0"/>
-                <a:cs typeface="Times New Roman" panose="02020603050405020304" pitchFamily="18" charset="0"/>
-              </a:rPr>
-              <a:t>varians</a:t>
-            </a:r>
-            <a:r>
-              <a:rPr lang="en-US" sz="1800" dirty="0">
-                <a:effectLst/>
-                <a:latin typeface="Raleway" pitchFamily="2" charset="0"/>
-                <a:ea typeface="Times New Roman" panose="02020603050405020304" pitchFamily="18" charset="0"/>
-                <a:cs typeface="Times New Roman" panose="02020603050405020304" pitchFamily="18" charset="0"/>
-              </a:rPr>
-              <a:t> di </a:t>
-            </a:r>
-            <a:r>
-              <a:rPr lang="en-US" sz="1800" dirty="0" err="1">
-                <a:effectLst/>
-                <a:latin typeface="Raleway" pitchFamily="2" charset="0"/>
-                <a:ea typeface="Times New Roman" panose="02020603050405020304" pitchFamily="18" charset="0"/>
-                <a:cs typeface="Times New Roman" panose="02020603050405020304" pitchFamily="18" charset="0"/>
-              </a:rPr>
-              <a:t>antara</a:t>
-            </a:r>
-            <a:r>
-              <a:rPr lang="en-US" sz="1800" dirty="0">
-                <a:effectLst/>
-                <a:latin typeface="Raleway" pitchFamily="2" charset="0"/>
-                <a:ea typeface="Times New Roman" panose="02020603050405020304" pitchFamily="18" charset="0"/>
-                <a:cs typeface="Times New Roman" panose="02020603050405020304" pitchFamily="18" charset="0"/>
-              </a:rPr>
-              <a:t> </a:t>
-            </a:r>
-            <a:r>
-              <a:rPr lang="en-US" sz="1800" dirty="0" err="1">
-                <a:effectLst/>
-                <a:latin typeface="Raleway" pitchFamily="2" charset="0"/>
-                <a:ea typeface="Times New Roman" panose="02020603050405020304" pitchFamily="18" charset="0"/>
-                <a:cs typeface="Times New Roman" panose="02020603050405020304" pitchFamily="18" charset="0"/>
-              </a:rPr>
-              <a:t>kedua</a:t>
-            </a:r>
-            <a:r>
-              <a:rPr lang="en-US" sz="1800" dirty="0">
-                <a:effectLst/>
-                <a:latin typeface="Raleway" pitchFamily="2" charset="0"/>
-                <a:ea typeface="Times New Roman" panose="02020603050405020304" pitchFamily="18" charset="0"/>
-                <a:cs typeface="Times New Roman" panose="02020603050405020304" pitchFamily="18" charset="0"/>
-              </a:rPr>
-              <a:t> </a:t>
-            </a:r>
-            <a:r>
-              <a:rPr lang="en-US" sz="1800" dirty="0" err="1">
-                <a:effectLst/>
-                <a:latin typeface="Raleway" pitchFamily="2" charset="0"/>
-                <a:ea typeface="Times New Roman" panose="02020603050405020304" pitchFamily="18" charset="0"/>
-                <a:cs typeface="Times New Roman" panose="02020603050405020304" pitchFamily="18" charset="0"/>
-              </a:rPr>
-              <a:t>kelompok</a:t>
-            </a:r>
-            <a:r>
-              <a:rPr lang="en-US" sz="1800" dirty="0">
-                <a:effectLst/>
-                <a:latin typeface="Raleway" pitchFamily="2" charset="0"/>
-                <a:ea typeface="Times New Roman" panose="02020603050405020304" pitchFamily="18" charset="0"/>
-                <a:cs typeface="Times New Roman" panose="02020603050405020304" pitchFamily="18" charset="0"/>
-              </a:rPr>
-              <a:t>, dan </a:t>
-            </a:r>
-            <a:r>
-              <a:rPr lang="en-US" sz="1800" dirty="0" err="1">
-                <a:effectLst/>
-                <a:latin typeface="Raleway" pitchFamily="2" charset="0"/>
-                <a:ea typeface="Times New Roman" panose="02020603050405020304" pitchFamily="18" charset="0"/>
-                <a:cs typeface="Times New Roman" panose="02020603050405020304" pitchFamily="18" charset="0"/>
-              </a:rPr>
-              <a:t>kemudian</a:t>
-            </a:r>
-            <a:r>
-              <a:rPr lang="en-US" sz="1800" dirty="0">
-                <a:effectLst/>
-                <a:latin typeface="Raleway" pitchFamily="2" charset="0"/>
-                <a:ea typeface="Times New Roman" panose="02020603050405020304" pitchFamily="18" charset="0"/>
-                <a:cs typeface="Times New Roman" panose="02020603050405020304" pitchFamily="18" charset="0"/>
-              </a:rPr>
-              <a:t> </a:t>
-            </a:r>
-            <a:r>
-              <a:rPr lang="en-US" sz="1800" dirty="0" err="1">
-                <a:effectLst/>
-                <a:latin typeface="Raleway" pitchFamily="2" charset="0"/>
-                <a:ea typeface="Times New Roman" panose="02020603050405020304" pitchFamily="18" charset="0"/>
-                <a:cs typeface="Times New Roman" panose="02020603050405020304" pitchFamily="18" charset="0"/>
-              </a:rPr>
-              <a:t>dilakukan</a:t>
-            </a:r>
-            <a:r>
-              <a:rPr lang="en-US" sz="1800" dirty="0">
-                <a:effectLst/>
-                <a:latin typeface="Raleway" pitchFamily="2" charset="0"/>
-                <a:ea typeface="Times New Roman" panose="02020603050405020304" pitchFamily="18" charset="0"/>
-                <a:cs typeface="Times New Roman" panose="02020603050405020304" pitchFamily="18" charset="0"/>
-              </a:rPr>
-              <a:t> </a:t>
-            </a:r>
-            <a:r>
-              <a:rPr lang="en-US" sz="1800" dirty="0" err="1">
-                <a:effectLst/>
-                <a:latin typeface="Raleway" pitchFamily="2" charset="0"/>
-                <a:ea typeface="Times New Roman" panose="02020603050405020304" pitchFamily="18" charset="0"/>
-                <a:cs typeface="Times New Roman" panose="02020603050405020304" pitchFamily="18" charset="0"/>
-              </a:rPr>
-              <a:t>perhitungan</a:t>
-            </a:r>
-            <a:r>
-              <a:rPr lang="en-US" sz="1800" dirty="0">
-                <a:effectLst/>
-                <a:latin typeface="Raleway" pitchFamily="2" charset="0"/>
-                <a:ea typeface="Times New Roman" panose="02020603050405020304" pitchFamily="18" charset="0"/>
-                <a:cs typeface="Times New Roman" panose="02020603050405020304" pitchFamily="18" charset="0"/>
-              </a:rPr>
-              <a:t> </a:t>
-            </a:r>
-            <a:r>
-              <a:rPr lang="en-US" sz="1800" dirty="0" err="1">
-                <a:effectLst/>
-                <a:latin typeface="Raleway" pitchFamily="2" charset="0"/>
-                <a:ea typeface="Times New Roman" panose="02020603050405020304" pitchFamily="18" charset="0"/>
-                <a:cs typeface="Times New Roman" panose="02020603050405020304" pitchFamily="18" charset="0"/>
-              </a:rPr>
-              <a:t>statistik</a:t>
-            </a:r>
-            <a:r>
-              <a:rPr lang="en-US" sz="1800" dirty="0">
-                <a:effectLst/>
-                <a:latin typeface="Raleway" pitchFamily="2" charset="0"/>
-                <a:ea typeface="Times New Roman" panose="02020603050405020304" pitchFamily="18" charset="0"/>
-                <a:cs typeface="Times New Roman" panose="02020603050405020304" pitchFamily="18" charset="0"/>
-              </a:rPr>
-              <a:t> uji F.</a:t>
-            </a:r>
-          </a:p>
-          <a:p>
-            <a:pPr marL="0" lvl="0" indent="0" algn="just">
-              <a:lnSpc>
-                <a:spcPct val="130000"/>
-              </a:lnSpc>
-              <a:buNone/>
-            </a:pPr>
-            <a:r>
-              <a:rPr lang="en-US" sz="1800" dirty="0" err="1">
-                <a:effectLst/>
-                <a:latin typeface="Raleway" pitchFamily="2" charset="0"/>
-                <a:ea typeface="Times New Roman" panose="02020603050405020304" pitchFamily="18" charset="0"/>
-                <a:cs typeface="Times New Roman" panose="02020603050405020304" pitchFamily="18" charset="0"/>
-              </a:rPr>
-              <a:t>Pengujian</a:t>
-            </a:r>
-            <a:r>
-              <a:rPr lang="en-US" sz="1800" dirty="0">
-                <a:effectLst/>
-                <a:latin typeface="Raleway" pitchFamily="2" charset="0"/>
-                <a:ea typeface="Times New Roman" panose="02020603050405020304" pitchFamily="18" charset="0"/>
-                <a:cs typeface="Times New Roman" panose="02020603050405020304" pitchFamily="18" charset="0"/>
-              </a:rPr>
-              <a:t> </a:t>
-            </a:r>
-            <a:r>
-              <a:rPr lang="en-US" sz="1800" dirty="0" err="1">
-                <a:effectLst/>
-                <a:latin typeface="Raleway" pitchFamily="2" charset="0"/>
-                <a:ea typeface="Times New Roman" panose="02020603050405020304" pitchFamily="18" charset="0"/>
-                <a:cs typeface="Times New Roman" panose="02020603050405020304" pitchFamily="18" charset="0"/>
-              </a:rPr>
-              <a:t>ini</a:t>
-            </a:r>
-            <a:r>
-              <a:rPr lang="en-US" sz="1800" dirty="0">
-                <a:effectLst/>
-                <a:latin typeface="Raleway" pitchFamily="2" charset="0"/>
-                <a:ea typeface="Times New Roman" panose="02020603050405020304" pitchFamily="18" charset="0"/>
-                <a:cs typeface="Times New Roman" panose="02020603050405020304" pitchFamily="18" charset="0"/>
-              </a:rPr>
-              <a:t> </a:t>
-            </a:r>
-            <a:r>
-              <a:rPr lang="en-US" sz="1800" dirty="0" err="1">
-                <a:effectLst/>
-                <a:latin typeface="Raleway" pitchFamily="2" charset="0"/>
-                <a:ea typeface="Times New Roman" panose="02020603050405020304" pitchFamily="18" charset="0"/>
-                <a:cs typeface="Times New Roman" panose="02020603050405020304" pitchFamily="18" charset="0"/>
-              </a:rPr>
-              <a:t>dilakukan</a:t>
-            </a:r>
-            <a:r>
-              <a:rPr lang="en-US" sz="1800" dirty="0">
-                <a:effectLst/>
-                <a:latin typeface="Raleway" pitchFamily="2" charset="0"/>
-                <a:ea typeface="Times New Roman" panose="02020603050405020304" pitchFamily="18" charset="0"/>
-                <a:cs typeface="Times New Roman" panose="02020603050405020304" pitchFamily="18" charset="0"/>
-              </a:rPr>
-              <a:t> </a:t>
-            </a:r>
-            <a:r>
-              <a:rPr lang="en-US" sz="1800" dirty="0" err="1">
-                <a:effectLst/>
-                <a:latin typeface="Raleway" pitchFamily="2" charset="0"/>
-                <a:ea typeface="Times New Roman" panose="02020603050405020304" pitchFamily="18" charset="0"/>
-                <a:cs typeface="Times New Roman" panose="02020603050405020304" pitchFamily="18" charset="0"/>
-              </a:rPr>
-              <a:t>dengan</a:t>
-            </a:r>
-            <a:r>
-              <a:rPr lang="en-US" sz="1800" dirty="0">
-                <a:effectLst/>
-                <a:latin typeface="Raleway" pitchFamily="2" charset="0"/>
-                <a:ea typeface="Times New Roman" panose="02020603050405020304" pitchFamily="18" charset="0"/>
-                <a:cs typeface="Times New Roman" panose="02020603050405020304" pitchFamily="18" charset="0"/>
-              </a:rPr>
-              <a:t> </a:t>
-            </a:r>
-            <a:r>
-              <a:rPr lang="en-US" sz="1800" dirty="0" err="1">
-                <a:effectLst/>
-                <a:latin typeface="Raleway" pitchFamily="2" charset="0"/>
-                <a:ea typeface="Times New Roman" panose="02020603050405020304" pitchFamily="18" charset="0"/>
-                <a:cs typeface="Times New Roman" panose="02020603050405020304" pitchFamily="18" charset="0"/>
-              </a:rPr>
-              <a:t>melihat</a:t>
-            </a:r>
-            <a:r>
-              <a:rPr lang="en-US" sz="1800" dirty="0">
-                <a:effectLst/>
-                <a:latin typeface="Raleway" pitchFamily="2" charset="0"/>
-                <a:ea typeface="Times New Roman" panose="02020603050405020304" pitchFamily="18" charset="0"/>
-                <a:cs typeface="Times New Roman" panose="02020603050405020304" pitchFamily="18" charset="0"/>
-              </a:rPr>
-              <a:t> </a:t>
-            </a:r>
-            <a:r>
-              <a:rPr lang="en-US" sz="1800" dirty="0" err="1">
-                <a:effectLst/>
-                <a:latin typeface="Raleway" pitchFamily="2" charset="0"/>
-                <a:ea typeface="Times New Roman" panose="02020603050405020304" pitchFamily="18" charset="0"/>
-                <a:cs typeface="Times New Roman" panose="02020603050405020304" pitchFamily="18" charset="0"/>
-              </a:rPr>
-              <a:t>nilai</a:t>
-            </a:r>
-            <a:r>
-              <a:rPr lang="en-US" sz="1800" dirty="0">
-                <a:effectLst/>
-                <a:latin typeface="Raleway" pitchFamily="2" charset="0"/>
-                <a:ea typeface="Times New Roman" panose="02020603050405020304" pitchFamily="18" charset="0"/>
-                <a:cs typeface="Times New Roman" panose="02020603050405020304" pitchFamily="18" charset="0"/>
-              </a:rPr>
-              <a:t> </a:t>
-            </a:r>
-            <a:r>
-              <a:rPr lang="en-US" sz="1800" dirty="0" err="1">
-                <a:effectLst/>
-                <a:latin typeface="Raleway" pitchFamily="2" charset="0"/>
-                <a:ea typeface="Times New Roman" panose="02020603050405020304" pitchFamily="18" charset="0"/>
-                <a:cs typeface="Times New Roman" panose="02020603050405020304" pitchFamily="18" charset="0"/>
-              </a:rPr>
-              <a:t>probabilitas</a:t>
-            </a:r>
-            <a:r>
-              <a:rPr lang="en-US" sz="1800" dirty="0">
-                <a:effectLst/>
-                <a:latin typeface="Raleway" pitchFamily="2" charset="0"/>
-                <a:ea typeface="Times New Roman" panose="02020603050405020304" pitchFamily="18" charset="0"/>
-                <a:cs typeface="Times New Roman" panose="02020603050405020304" pitchFamily="18" charset="0"/>
-              </a:rPr>
-              <a:t> yang </a:t>
-            </a:r>
-            <a:r>
-              <a:rPr lang="en-US" sz="1800" dirty="0" err="1">
-                <a:effectLst/>
-                <a:latin typeface="Raleway" pitchFamily="2" charset="0"/>
-                <a:ea typeface="Times New Roman" panose="02020603050405020304" pitchFamily="18" charset="0"/>
-                <a:cs typeface="Times New Roman" panose="02020603050405020304" pitchFamily="18" charset="0"/>
-              </a:rPr>
-              <a:t>terdapat</a:t>
-            </a:r>
-            <a:r>
-              <a:rPr lang="en-US" sz="1800" dirty="0">
-                <a:effectLst/>
-                <a:latin typeface="Raleway" pitchFamily="2" charset="0"/>
-                <a:ea typeface="Times New Roman" panose="02020603050405020304" pitchFamily="18" charset="0"/>
-                <a:cs typeface="Times New Roman" panose="02020603050405020304" pitchFamily="18" charset="0"/>
-              </a:rPr>
-              <a:t> pada </a:t>
-            </a:r>
-            <a:r>
-              <a:rPr lang="en-US" sz="1800" dirty="0" err="1">
-                <a:effectLst/>
-                <a:latin typeface="Raleway" pitchFamily="2" charset="0"/>
-                <a:ea typeface="Times New Roman" panose="02020603050405020304" pitchFamily="18" charset="0"/>
-                <a:cs typeface="Times New Roman" panose="02020603050405020304" pitchFamily="18" charset="0"/>
-              </a:rPr>
-              <a:t>anova</a:t>
-            </a:r>
-            <a:r>
-              <a:rPr lang="en-US" sz="1800" dirty="0">
-                <a:effectLst/>
-                <a:latin typeface="Raleway" pitchFamily="2" charset="0"/>
-                <a:ea typeface="Times New Roman" panose="02020603050405020304" pitchFamily="18" charset="0"/>
-                <a:cs typeface="Times New Roman" panose="02020603050405020304" pitchFamily="18" charset="0"/>
-              </a:rPr>
-              <a:t> </a:t>
-            </a:r>
-            <a:r>
-              <a:rPr lang="en-US" sz="1800" dirty="0" err="1">
-                <a:effectLst/>
-                <a:latin typeface="Raleway" pitchFamily="2" charset="0"/>
-                <a:ea typeface="Times New Roman" panose="02020603050405020304" pitchFamily="18" charset="0"/>
-                <a:cs typeface="Times New Roman" panose="02020603050405020304" pitchFamily="18" charset="0"/>
-              </a:rPr>
-              <a:t>nilai</a:t>
-            </a:r>
-            <a:r>
-              <a:rPr lang="en-US" sz="1800" dirty="0">
-                <a:effectLst/>
-                <a:latin typeface="Raleway" pitchFamily="2" charset="0"/>
-                <a:ea typeface="Times New Roman" panose="02020603050405020304" pitchFamily="18" charset="0"/>
-                <a:cs typeface="Times New Roman" panose="02020603050405020304" pitchFamily="18" charset="0"/>
-              </a:rPr>
-              <a:t> F, </a:t>
-            </a:r>
-            <a:r>
-              <a:rPr lang="en-US" sz="1800" dirty="0" err="1">
-                <a:effectLst/>
-                <a:latin typeface="Raleway" pitchFamily="2" charset="0"/>
-                <a:ea typeface="Times New Roman" panose="02020603050405020304" pitchFamily="18" charset="0"/>
-                <a:cs typeface="Times New Roman" panose="02020603050405020304" pitchFamily="18" charset="0"/>
-              </a:rPr>
-              <a:t>apabila</a:t>
-            </a:r>
-            <a:r>
-              <a:rPr lang="en-US" sz="1800" dirty="0">
-                <a:effectLst/>
-                <a:latin typeface="Raleway" pitchFamily="2" charset="0"/>
-                <a:ea typeface="Times New Roman" panose="02020603050405020304" pitchFamily="18" charset="0"/>
-                <a:cs typeface="Times New Roman" panose="02020603050405020304" pitchFamily="18" charset="0"/>
-              </a:rPr>
-              <a:t> </a:t>
-            </a:r>
-            <a:r>
-              <a:rPr lang="en-US" sz="1800" dirty="0" err="1">
-                <a:effectLst/>
-                <a:latin typeface="Raleway" pitchFamily="2" charset="0"/>
-                <a:ea typeface="Times New Roman" panose="02020603050405020304" pitchFamily="18" charset="0"/>
-                <a:cs typeface="Times New Roman" panose="02020603050405020304" pitchFamily="18" charset="0"/>
-              </a:rPr>
-              <a:t>nilai</a:t>
-            </a:r>
-            <a:r>
-              <a:rPr lang="en-US" sz="1800" dirty="0">
-                <a:effectLst/>
-                <a:latin typeface="Raleway" pitchFamily="2" charset="0"/>
-                <a:ea typeface="Times New Roman" panose="02020603050405020304" pitchFamily="18" charset="0"/>
-                <a:cs typeface="Times New Roman" panose="02020603050405020304" pitchFamily="18" charset="0"/>
-              </a:rPr>
-              <a:t> </a:t>
-            </a:r>
-            <a:r>
-              <a:rPr lang="en-US" sz="1800" dirty="0" err="1">
-                <a:effectLst/>
-                <a:latin typeface="Raleway" pitchFamily="2" charset="0"/>
-                <a:ea typeface="Times New Roman" panose="02020603050405020304" pitchFamily="18" charset="0"/>
-                <a:cs typeface="Times New Roman" panose="02020603050405020304" pitchFamily="18" charset="0"/>
-              </a:rPr>
-              <a:t>probabilitas</a:t>
-            </a:r>
-            <a:r>
-              <a:rPr lang="en-US" sz="1800" dirty="0">
-                <a:effectLst/>
-                <a:latin typeface="Raleway" pitchFamily="2" charset="0"/>
-                <a:ea typeface="Times New Roman" panose="02020603050405020304" pitchFamily="18" charset="0"/>
-                <a:cs typeface="Times New Roman" panose="02020603050405020304" pitchFamily="18" charset="0"/>
-              </a:rPr>
-              <a:t> &lt; 0,05 </a:t>
-            </a:r>
-            <a:r>
-              <a:rPr lang="en-US" sz="1800" dirty="0" err="1">
-                <a:effectLst/>
-                <a:latin typeface="Raleway" pitchFamily="2" charset="0"/>
-                <a:ea typeface="Times New Roman" panose="02020603050405020304" pitchFamily="18" charset="0"/>
-                <a:cs typeface="Times New Roman" panose="02020603050405020304" pitchFamily="18" charset="0"/>
-              </a:rPr>
-              <a:t>maka</a:t>
-            </a:r>
-            <a:r>
-              <a:rPr lang="en-US" sz="1800" dirty="0">
-                <a:effectLst/>
-                <a:latin typeface="Raleway" pitchFamily="2" charset="0"/>
-                <a:ea typeface="Times New Roman" panose="02020603050405020304" pitchFamily="18" charset="0"/>
-                <a:cs typeface="Times New Roman" panose="02020603050405020304" pitchFamily="18" charset="0"/>
-              </a:rPr>
-              <a:t> </a:t>
-            </a:r>
-            <a:r>
-              <a:rPr lang="en-US" sz="1800" dirty="0" err="1">
-                <a:effectLst/>
-                <a:latin typeface="Raleway" pitchFamily="2" charset="0"/>
-                <a:ea typeface="Times New Roman" panose="02020603050405020304" pitchFamily="18" charset="0"/>
-                <a:cs typeface="Times New Roman" panose="02020603050405020304" pitchFamily="18" charset="0"/>
-              </a:rPr>
-              <a:t>variabel</a:t>
-            </a:r>
-            <a:r>
-              <a:rPr lang="en-US" sz="1800" dirty="0">
-                <a:effectLst/>
-                <a:latin typeface="Raleway" pitchFamily="2" charset="0"/>
-                <a:ea typeface="Times New Roman" panose="02020603050405020304" pitchFamily="18" charset="0"/>
-                <a:cs typeface="Times New Roman" panose="02020603050405020304" pitchFamily="18" charset="0"/>
-              </a:rPr>
-              <a:t> </a:t>
-            </a:r>
-            <a:r>
-              <a:rPr lang="en-US" sz="1800" dirty="0" err="1">
-                <a:effectLst/>
-                <a:latin typeface="Raleway" pitchFamily="2" charset="0"/>
-                <a:ea typeface="Times New Roman" panose="02020603050405020304" pitchFamily="18" charset="0"/>
-                <a:cs typeface="Times New Roman" panose="02020603050405020304" pitchFamily="18" charset="0"/>
-              </a:rPr>
-              <a:t>memiliki</a:t>
-            </a:r>
-            <a:r>
-              <a:rPr lang="en-US" sz="1800" dirty="0">
-                <a:effectLst/>
-                <a:latin typeface="Raleway" pitchFamily="2" charset="0"/>
-                <a:ea typeface="Times New Roman" panose="02020603050405020304" pitchFamily="18" charset="0"/>
-                <a:cs typeface="Times New Roman" panose="02020603050405020304" pitchFamily="18" charset="0"/>
-              </a:rPr>
-              <a:t> </a:t>
-            </a:r>
-            <a:r>
-              <a:rPr lang="en-US" sz="1800" dirty="0" err="1">
-                <a:effectLst/>
-                <a:latin typeface="Raleway" pitchFamily="2" charset="0"/>
-                <a:ea typeface="Times New Roman" panose="02020603050405020304" pitchFamily="18" charset="0"/>
-                <a:cs typeface="Times New Roman" panose="02020603050405020304" pitchFamily="18" charset="0"/>
-              </a:rPr>
-              <a:t>pengaruh</a:t>
-            </a:r>
-            <a:r>
-              <a:rPr lang="en-US" sz="1800" dirty="0">
-                <a:effectLst/>
-                <a:latin typeface="Raleway" pitchFamily="2" charset="0"/>
-                <a:ea typeface="Times New Roman" panose="02020603050405020304" pitchFamily="18" charset="0"/>
-                <a:cs typeface="Times New Roman" panose="02020603050405020304" pitchFamily="18" charset="0"/>
-              </a:rPr>
-              <a:t> </a:t>
-            </a:r>
-            <a:r>
-              <a:rPr lang="en-US" sz="1800" dirty="0" err="1">
-                <a:effectLst/>
-                <a:latin typeface="Raleway" pitchFamily="2" charset="0"/>
-                <a:ea typeface="Times New Roman" panose="02020603050405020304" pitchFamily="18" charset="0"/>
-                <a:cs typeface="Times New Roman" panose="02020603050405020304" pitchFamily="18" charset="0"/>
-              </a:rPr>
-              <a:t>signifikan</a:t>
-            </a:r>
-            <a:r>
-              <a:rPr lang="en-US" sz="1800" dirty="0">
-                <a:effectLst/>
-                <a:latin typeface="Raleway" pitchFamily="2" charset="0"/>
-                <a:ea typeface="Times New Roman" panose="02020603050405020304" pitchFamily="18" charset="0"/>
-                <a:cs typeface="Times New Roman" panose="02020603050405020304" pitchFamily="18" charset="0"/>
-              </a:rPr>
-              <a:t> </a:t>
-            </a:r>
-            <a:r>
-              <a:rPr lang="en-US" sz="1800" dirty="0" err="1">
-                <a:effectLst/>
-                <a:latin typeface="Raleway" pitchFamily="2" charset="0"/>
-                <a:ea typeface="Times New Roman" panose="02020603050405020304" pitchFamily="18" charset="0"/>
-                <a:cs typeface="Times New Roman" panose="02020603050405020304" pitchFamily="18" charset="0"/>
-              </a:rPr>
-              <a:t>terhadap</a:t>
-            </a:r>
-            <a:r>
-              <a:rPr lang="en-US" sz="1800" dirty="0">
-                <a:effectLst/>
-                <a:latin typeface="Raleway" pitchFamily="2" charset="0"/>
-                <a:ea typeface="Times New Roman" panose="02020603050405020304" pitchFamily="18" charset="0"/>
-                <a:cs typeface="Times New Roman" panose="02020603050405020304" pitchFamily="18" charset="0"/>
-              </a:rPr>
-              <a:t> </a:t>
-            </a:r>
-            <a:r>
-              <a:rPr lang="en-US" sz="1800" dirty="0" err="1">
-                <a:effectLst/>
-                <a:latin typeface="Raleway" pitchFamily="2" charset="0"/>
-                <a:ea typeface="Times New Roman" panose="02020603050405020304" pitchFamily="18" charset="0"/>
-                <a:cs typeface="Times New Roman" panose="02020603050405020304" pitchFamily="18" charset="0"/>
-              </a:rPr>
-              <a:t>aplikasi</a:t>
-            </a:r>
-            <a:r>
-              <a:rPr lang="en-US" sz="1800" dirty="0">
-                <a:effectLst/>
-                <a:latin typeface="Raleway" pitchFamily="2" charset="0"/>
-                <a:ea typeface="Times New Roman" panose="02020603050405020304" pitchFamily="18" charset="0"/>
-                <a:cs typeface="Times New Roman" panose="02020603050405020304" pitchFamily="18" charset="0"/>
-              </a:rPr>
-              <a:t>.</a:t>
-            </a:r>
-            <a:endParaRPr lang="en-US" sz="1800" dirty="0">
-              <a:solidFill>
-                <a:srgbClr val="000000"/>
-              </a:solidFill>
-              <a:latin typeface="Raleway" pitchFamily="2" charset="0"/>
-              <a:ea typeface="Times New Roman" panose="02020603050405020304" pitchFamily="18" charset="0"/>
-              <a:cs typeface="Times New Roman" panose="02020603050405020304" pitchFamily="18" charset="0"/>
-            </a:endParaRPr>
+            <a:r>
+              <a:rPr lang="en-US" sz="2400" dirty="0" err="1"/>
+              <a:t>Aplikasi</a:t>
+            </a:r>
+            <a:r>
+              <a:rPr lang="en-US" sz="2400" dirty="0"/>
+              <a:t> </a:t>
+            </a:r>
+            <a:r>
+              <a:rPr lang="en-US" sz="2400" dirty="0" err="1"/>
+              <a:t>todo_docket</a:t>
+            </a:r>
+            <a:endParaRPr lang="en-ID" sz="2400" dirty="0"/>
           </a:p>
         </p:txBody>
       </p:sp>
+      <p:graphicFrame>
+        <p:nvGraphicFramePr>
+          <p:cNvPr id="7" name="Object 6">
+            <a:extLst>
+              <a:ext uri="{FF2B5EF4-FFF2-40B4-BE49-F238E27FC236}">
+                <a16:creationId xmlns:a16="http://schemas.microsoft.com/office/drawing/2014/main" id="{65080ED3-9F40-92C1-192C-621CFA742599}"/>
+              </a:ext>
+            </a:extLst>
+          </p:cNvPr>
+          <p:cNvGraphicFramePr>
+            <a:graphicFrameLocks noChangeAspect="1"/>
+          </p:cNvGraphicFramePr>
+          <p:nvPr>
+            <p:extLst>
+              <p:ext uri="{D42A27DB-BD31-4B8C-83A1-F6EECF244321}">
+                <p14:modId xmlns:p14="http://schemas.microsoft.com/office/powerpoint/2010/main" val="2238018171"/>
+              </p:ext>
+            </p:extLst>
+          </p:nvPr>
+        </p:nvGraphicFramePr>
+        <p:xfrm>
+          <a:off x="4356154" y="1036002"/>
+          <a:ext cx="7331259" cy="5359516"/>
+        </p:xfrm>
+        <a:graphic>
+          <a:graphicData uri="http://schemas.openxmlformats.org/presentationml/2006/ole">
+            <mc:AlternateContent xmlns:mc="http://schemas.openxmlformats.org/markup-compatibility/2006">
+              <mc:Choice xmlns:v="urn:schemas-microsoft-com:vml" Requires="v">
+                <p:oleObj name="Document" r:id="rId2" imgW="6073149" imgH="6498210" progId="Word.Document.12">
+                  <p:embed/>
+                </p:oleObj>
+              </mc:Choice>
+              <mc:Fallback>
+                <p:oleObj name="Document" r:id="rId2" imgW="6073149" imgH="6498210" progId="Word.Document.12">
+                  <p:embed/>
+                  <p:pic>
+                    <p:nvPicPr>
+                      <p:cNvPr id="0" name=""/>
+                      <p:cNvPicPr/>
+                      <p:nvPr/>
+                    </p:nvPicPr>
+                    <p:blipFill>
+                      <a:blip r:embed="rId3"/>
+                      <a:stretch>
+                        <a:fillRect/>
+                      </a:stretch>
+                    </p:blipFill>
+                    <p:spPr>
+                      <a:xfrm>
+                        <a:off x="4356154" y="1036002"/>
+                        <a:ext cx="7331259" cy="5359516"/>
+                      </a:xfrm>
+                      <a:prstGeom prst="rect">
+                        <a:avLst/>
+                      </a:prstGeom>
+                    </p:spPr>
+                  </p:pic>
+                </p:oleObj>
+              </mc:Fallback>
+            </mc:AlternateContent>
+          </a:graphicData>
+        </a:graphic>
+      </p:graphicFrame>
     </p:spTree>
     <p:extLst>
       <p:ext uri="{BB962C8B-B14F-4D97-AF65-F5344CB8AC3E}">
-        <p14:creationId xmlns:p14="http://schemas.microsoft.com/office/powerpoint/2010/main" val="1131848820"/>
+        <p14:creationId xmlns:p14="http://schemas.microsoft.com/office/powerpoint/2010/main" val="1215141560"/>
       </p:ext>
     </p:extLst>
   </p:cSld>
@@ -5108,6 +4497,817 @@
           <a:p>
             <a:r>
               <a:rPr lang="en-US" dirty="0"/>
+              <a:t>ANOVA</a:t>
+            </a:r>
+            <a:endParaRPr lang="en-ID" dirty="0"/>
+          </a:p>
+        </p:txBody>
+      </p:sp>
+      <p:sp>
+        <p:nvSpPr>
+          <p:cNvPr id="5" name="Content Placeholder 4">
+            <a:extLst>
+              <a:ext uri="{FF2B5EF4-FFF2-40B4-BE49-F238E27FC236}">
+                <a16:creationId xmlns:a16="http://schemas.microsoft.com/office/drawing/2014/main" id="{B64FE81C-08EF-0AE8-A2D7-2D5CFD4DDAEE}"/>
+              </a:ext>
+            </a:extLst>
+          </p:cNvPr>
+          <p:cNvSpPr>
+            <a:spLocks noGrp="1"/>
+          </p:cNvSpPr>
+          <p:nvPr>
+            <p:ph idx="1"/>
+          </p:nvPr>
+        </p:nvSpPr>
+        <p:spPr>
+          <a:xfrm>
+            <a:off x="678174" y="2417335"/>
+            <a:ext cx="9047717" cy="2549790"/>
+          </a:xfrm>
+        </p:spPr>
+        <p:txBody>
+          <a:bodyPr>
+            <a:normAutofit/>
+          </a:bodyPr>
+          <a:lstStyle/>
+          <a:p>
+            <a:pPr marL="0" lvl="0" indent="0" algn="just">
+              <a:lnSpc>
+                <a:spcPct val="130000"/>
+              </a:lnSpc>
+              <a:buNone/>
+            </a:pPr>
+            <a:r>
+              <a:rPr lang="en-US" sz="1800" dirty="0" err="1">
+                <a:effectLst/>
+                <a:latin typeface="Raleway" pitchFamily="2" charset="0"/>
+                <a:ea typeface="Times New Roman" panose="02020603050405020304" pitchFamily="18" charset="0"/>
+                <a:cs typeface="Times New Roman" panose="02020603050405020304" pitchFamily="18" charset="0"/>
+              </a:rPr>
+              <a:t>Tingakat</a:t>
+            </a:r>
+            <a:r>
+              <a:rPr lang="en-US" sz="1800" dirty="0">
+                <a:effectLst/>
+                <a:latin typeface="Raleway" pitchFamily="2" charset="0"/>
+                <a:ea typeface="Times New Roman" panose="02020603050405020304" pitchFamily="18" charset="0"/>
+                <a:cs typeface="Times New Roman" panose="02020603050405020304" pitchFamily="18" charset="0"/>
+              </a:rPr>
+              <a:t> </a:t>
+            </a:r>
+            <a:r>
+              <a:rPr lang="en-US" sz="1800" dirty="0" err="1">
+                <a:latin typeface="Raleway" pitchFamily="2" charset="0"/>
+                <a:ea typeface="Times New Roman" panose="02020603050405020304" pitchFamily="18" charset="0"/>
+                <a:cs typeface="Times New Roman" panose="02020603050405020304" pitchFamily="18" charset="0"/>
+              </a:rPr>
+              <a:t>signifikan</a:t>
+            </a:r>
+            <a:r>
+              <a:rPr lang="en-US" sz="1800" dirty="0">
+                <a:latin typeface="Raleway" pitchFamily="2" charset="0"/>
+                <a:ea typeface="Times New Roman" panose="02020603050405020304" pitchFamily="18" charset="0"/>
+                <a:cs typeface="Times New Roman" panose="02020603050405020304" pitchFamily="18" charset="0"/>
+              </a:rPr>
+              <a:t> </a:t>
+            </a:r>
+            <a:r>
+              <a:rPr lang="en-US" sz="1800" dirty="0">
+                <a:effectLst/>
+                <a:latin typeface="Raleway" pitchFamily="2" charset="0"/>
+                <a:ea typeface="Times New Roman" panose="02020603050405020304" pitchFamily="18" charset="0"/>
+                <a:cs typeface="Times New Roman" panose="02020603050405020304" pitchFamily="18" charset="0"/>
+              </a:rPr>
+              <a:t>a = 0,05 </a:t>
+            </a:r>
+            <a:r>
+              <a:rPr lang="en-US" sz="1800" dirty="0" err="1">
+                <a:effectLst/>
+                <a:latin typeface="Raleway" pitchFamily="2" charset="0"/>
+                <a:ea typeface="Times New Roman" panose="02020603050405020304" pitchFamily="18" charset="0"/>
+                <a:cs typeface="Times New Roman" panose="02020603050405020304" pitchFamily="18" charset="0"/>
+              </a:rPr>
+              <a:t>atau</a:t>
+            </a:r>
+            <a:r>
+              <a:rPr lang="en-US" sz="1800" dirty="0">
+                <a:effectLst/>
+                <a:latin typeface="Raleway" pitchFamily="2" charset="0"/>
+                <a:ea typeface="Times New Roman" panose="02020603050405020304" pitchFamily="18" charset="0"/>
+                <a:cs typeface="Times New Roman" panose="02020603050405020304" pitchFamily="18" charset="0"/>
+              </a:rPr>
+              <a:t> 5%.</a:t>
+            </a:r>
+          </a:p>
+          <a:p>
+            <a:pPr marL="0" lvl="0" indent="0" algn="just">
+              <a:lnSpc>
+                <a:spcPct val="130000"/>
+              </a:lnSpc>
+              <a:buNone/>
+            </a:pPr>
+            <a:r>
+              <a:rPr lang="en-US" sz="1800" dirty="0" err="1">
+                <a:effectLst/>
+                <a:latin typeface="Raleway" pitchFamily="2" charset="0"/>
+                <a:ea typeface="Times New Roman" panose="02020603050405020304" pitchFamily="18" charset="0"/>
+                <a:cs typeface="Times New Roman" panose="02020603050405020304" pitchFamily="18" charset="0"/>
+              </a:rPr>
+              <a:t>Kemudian</a:t>
+            </a:r>
+            <a:r>
+              <a:rPr lang="en-US" sz="1800" dirty="0">
+                <a:effectLst/>
+                <a:latin typeface="Raleway" pitchFamily="2" charset="0"/>
+                <a:ea typeface="Times New Roman" panose="02020603050405020304" pitchFamily="18" charset="0"/>
+                <a:cs typeface="Times New Roman" panose="02020603050405020304" pitchFamily="18" charset="0"/>
+              </a:rPr>
+              <a:t> </a:t>
+            </a:r>
+            <a:r>
+              <a:rPr lang="en-US" sz="1800" dirty="0" err="1">
+                <a:effectLst/>
+                <a:latin typeface="Raleway" pitchFamily="2" charset="0"/>
+                <a:ea typeface="Times New Roman" panose="02020603050405020304" pitchFamily="18" charset="0"/>
+                <a:cs typeface="Times New Roman" panose="02020603050405020304" pitchFamily="18" charset="0"/>
+              </a:rPr>
+              <a:t>dilakukan</a:t>
+            </a:r>
+            <a:r>
+              <a:rPr lang="en-US" sz="1800" dirty="0">
+                <a:effectLst/>
+                <a:latin typeface="Raleway" pitchFamily="2" charset="0"/>
+                <a:ea typeface="Times New Roman" panose="02020603050405020304" pitchFamily="18" charset="0"/>
+                <a:cs typeface="Times New Roman" panose="02020603050405020304" pitchFamily="18" charset="0"/>
+              </a:rPr>
+              <a:t> </a:t>
+            </a:r>
+            <a:r>
+              <a:rPr lang="en-US" sz="1800" dirty="0" err="1">
+                <a:effectLst/>
+                <a:latin typeface="Raleway" pitchFamily="2" charset="0"/>
+                <a:ea typeface="Times New Roman" panose="02020603050405020304" pitchFamily="18" charset="0"/>
+                <a:cs typeface="Times New Roman" panose="02020603050405020304" pitchFamily="18" charset="0"/>
+              </a:rPr>
+              <a:t>perhitungan</a:t>
+            </a:r>
+            <a:r>
+              <a:rPr lang="en-US" sz="1800" dirty="0">
+                <a:effectLst/>
+                <a:latin typeface="Raleway" pitchFamily="2" charset="0"/>
+                <a:ea typeface="Times New Roman" panose="02020603050405020304" pitchFamily="18" charset="0"/>
+                <a:cs typeface="Times New Roman" panose="02020603050405020304" pitchFamily="18" charset="0"/>
+              </a:rPr>
+              <a:t> </a:t>
+            </a:r>
+            <a:r>
+              <a:rPr lang="en-US" sz="1800" dirty="0" err="1">
+                <a:effectLst/>
+                <a:latin typeface="Raleway" pitchFamily="2" charset="0"/>
+                <a:ea typeface="Times New Roman" panose="02020603050405020304" pitchFamily="18" charset="0"/>
+                <a:cs typeface="Times New Roman" panose="02020603050405020304" pitchFamily="18" charset="0"/>
+              </a:rPr>
+              <a:t>varians</a:t>
+            </a:r>
+            <a:r>
+              <a:rPr lang="en-US" sz="1800" dirty="0">
+                <a:effectLst/>
+                <a:latin typeface="Raleway" pitchFamily="2" charset="0"/>
+                <a:ea typeface="Times New Roman" panose="02020603050405020304" pitchFamily="18" charset="0"/>
+                <a:cs typeface="Times New Roman" panose="02020603050405020304" pitchFamily="18" charset="0"/>
+              </a:rPr>
+              <a:t> </a:t>
+            </a:r>
+            <a:r>
+              <a:rPr lang="en-US" sz="1800" dirty="0" err="1">
+                <a:effectLst/>
+                <a:latin typeface="Raleway" pitchFamily="2" charset="0"/>
+                <a:ea typeface="Times New Roman" panose="02020603050405020304" pitchFamily="18" charset="0"/>
+                <a:cs typeface="Times New Roman" panose="02020603050405020304" pitchFamily="18" charset="0"/>
+              </a:rPr>
+              <a:t>dalam</a:t>
+            </a:r>
+            <a:r>
+              <a:rPr lang="en-US" sz="1800" dirty="0">
+                <a:effectLst/>
+                <a:latin typeface="Raleway" pitchFamily="2" charset="0"/>
+                <a:ea typeface="Times New Roman" panose="02020603050405020304" pitchFamily="18" charset="0"/>
+                <a:cs typeface="Times New Roman" panose="02020603050405020304" pitchFamily="18" charset="0"/>
+              </a:rPr>
+              <a:t> </a:t>
+            </a:r>
+            <a:r>
+              <a:rPr lang="en-US" sz="1800" dirty="0" err="1">
+                <a:effectLst/>
+                <a:latin typeface="Raleway" pitchFamily="2" charset="0"/>
+                <a:ea typeface="Times New Roman" panose="02020603050405020304" pitchFamily="18" charset="0"/>
+                <a:cs typeface="Times New Roman" panose="02020603050405020304" pitchFamily="18" charset="0"/>
+              </a:rPr>
+              <a:t>setiap</a:t>
+            </a:r>
+            <a:r>
+              <a:rPr lang="en-US" sz="1800" dirty="0">
+                <a:effectLst/>
+                <a:latin typeface="Raleway" pitchFamily="2" charset="0"/>
+                <a:ea typeface="Times New Roman" panose="02020603050405020304" pitchFamily="18" charset="0"/>
+                <a:cs typeface="Times New Roman" panose="02020603050405020304" pitchFamily="18" charset="0"/>
+              </a:rPr>
+              <a:t> </a:t>
+            </a:r>
+            <a:r>
+              <a:rPr lang="en-US" sz="1800" dirty="0" err="1">
+                <a:effectLst/>
+                <a:latin typeface="Raleway" pitchFamily="2" charset="0"/>
+                <a:ea typeface="Times New Roman" panose="02020603050405020304" pitchFamily="18" charset="0"/>
+                <a:cs typeface="Times New Roman" panose="02020603050405020304" pitchFamily="18" charset="0"/>
+              </a:rPr>
+              <a:t>kelompok</a:t>
+            </a:r>
+            <a:r>
+              <a:rPr lang="en-US" sz="1800" dirty="0">
+                <a:effectLst/>
+                <a:latin typeface="Raleway" pitchFamily="2" charset="0"/>
+                <a:ea typeface="Times New Roman" panose="02020603050405020304" pitchFamily="18" charset="0"/>
+                <a:cs typeface="Times New Roman" panose="02020603050405020304" pitchFamily="18" charset="0"/>
+              </a:rPr>
+              <a:t> dan </a:t>
+            </a:r>
+            <a:r>
+              <a:rPr lang="en-US" sz="1800" dirty="0" err="1">
+                <a:effectLst/>
+                <a:latin typeface="Raleway" pitchFamily="2" charset="0"/>
+                <a:ea typeface="Times New Roman" panose="02020603050405020304" pitchFamily="18" charset="0"/>
+                <a:cs typeface="Times New Roman" panose="02020603050405020304" pitchFamily="18" charset="0"/>
+              </a:rPr>
+              <a:t>varians</a:t>
+            </a:r>
+            <a:r>
+              <a:rPr lang="en-US" sz="1800" dirty="0">
+                <a:effectLst/>
+                <a:latin typeface="Raleway" pitchFamily="2" charset="0"/>
+                <a:ea typeface="Times New Roman" panose="02020603050405020304" pitchFamily="18" charset="0"/>
+                <a:cs typeface="Times New Roman" panose="02020603050405020304" pitchFamily="18" charset="0"/>
+              </a:rPr>
+              <a:t> di </a:t>
+            </a:r>
+            <a:r>
+              <a:rPr lang="en-US" sz="1800" dirty="0" err="1">
+                <a:effectLst/>
+                <a:latin typeface="Raleway" pitchFamily="2" charset="0"/>
+                <a:ea typeface="Times New Roman" panose="02020603050405020304" pitchFamily="18" charset="0"/>
+                <a:cs typeface="Times New Roman" panose="02020603050405020304" pitchFamily="18" charset="0"/>
+              </a:rPr>
+              <a:t>antara</a:t>
+            </a:r>
+            <a:r>
+              <a:rPr lang="en-US" sz="1800" dirty="0">
+                <a:effectLst/>
+                <a:latin typeface="Raleway" pitchFamily="2" charset="0"/>
+                <a:ea typeface="Times New Roman" panose="02020603050405020304" pitchFamily="18" charset="0"/>
+                <a:cs typeface="Times New Roman" panose="02020603050405020304" pitchFamily="18" charset="0"/>
+              </a:rPr>
+              <a:t> </a:t>
+            </a:r>
+            <a:r>
+              <a:rPr lang="en-US" sz="1800" dirty="0" err="1">
+                <a:effectLst/>
+                <a:latin typeface="Raleway" pitchFamily="2" charset="0"/>
+                <a:ea typeface="Times New Roman" panose="02020603050405020304" pitchFamily="18" charset="0"/>
+                <a:cs typeface="Times New Roman" panose="02020603050405020304" pitchFamily="18" charset="0"/>
+              </a:rPr>
+              <a:t>kedua</a:t>
+            </a:r>
+            <a:r>
+              <a:rPr lang="en-US" sz="1800" dirty="0">
+                <a:effectLst/>
+                <a:latin typeface="Raleway" pitchFamily="2" charset="0"/>
+                <a:ea typeface="Times New Roman" panose="02020603050405020304" pitchFamily="18" charset="0"/>
+                <a:cs typeface="Times New Roman" panose="02020603050405020304" pitchFamily="18" charset="0"/>
+              </a:rPr>
+              <a:t> </a:t>
+            </a:r>
+            <a:r>
+              <a:rPr lang="en-US" sz="1800" dirty="0" err="1">
+                <a:effectLst/>
+                <a:latin typeface="Raleway" pitchFamily="2" charset="0"/>
+                <a:ea typeface="Times New Roman" panose="02020603050405020304" pitchFamily="18" charset="0"/>
+                <a:cs typeface="Times New Roman" panose="02020603050405020304" pitchFamily="18" charset="0"/>
+              </a:rPr>
+              <a:t>kelompok</a:t>
+            </a:r>
+            <a:r>
+              <a:rPr lang="en-US" sz="1800" dirty="0">
+                <a:effectLst/>
+                <a:latin typeface="Raleway" pitchFamily="2" charset="0"/>
+                <a:ea typeface="Times New Roman" panose="02020603050405020304" pitchFamily="18" charset="0"/>
+                <a:cs typeface="Times New Roman" panose="02020603050405020304" pitchFamily="18" charset="0"/>
+              </a:rPr>
+              <a:t>, dan </a:t>
+            </a:r>
+            <a:r>
+              <a:rPr lang="en-US" sz="1800" dirty="0" err="1">
+                <a:effectLst/>
+                <a:latin typeface="Raleway" pitchFamily="2" charset="0"/>
+                <a:ea typeface="Times New Roman" panose="02020603050405020304" pitchFamily="18" charset="0"/>
+                <a:cs typeface="Times New Roman" panose="02020603050405020304" pitchFamily="18" charset="0"/>
+              </a:rPr>
+              <a:t>kemudian</a:t>
+            </a:r>
+            <a:r>
+              <a:rPr lang="en-US" sz="1800" dirty="0">
+                <a:effectLst/>
+                <a:latin typeface="Raleway" pitchFamily="2" charset="0"/>
+                <a:ea typeface="Times New Roman" panose="02020603050405020304" pitchFamily="18" charset="0"/>
+                <a:cs typeface="Times New Roman" panose="02020603050405020304" pitchFamily="18" charset="0"/>
+              </a:rPr>
+              <a:t> </a:t>
+            </a:r>
+            <a:r>
+              <a:rPr lang="en-US" sz="1800" dirty="0" err="1">
+                <a:effectLst/>
+                <a:latin typeface="Raleway" pitchFamily="2" charset="0"/>
+                <a:ea typeface="Times New Roman" panose="02020603050405020304" pitchFamily="18" charset="0"/>
+                <a:cs typeface="Times New Roman" panose="02020603050405020304" pitchFamily="18" charset="0"/>
+              </a:rPr>
+              <a:t>dilakukan</a:t>
+            </a:r>
+            <a:r>
+              <a:rPr lang="en-US" sz="1800" dirty="0">
+                <a:effectLst/>
+                <a:latin typeface="Raleway" pitchFamily="2" charset="0"/>
+                <a:ea typeface="Times New Roman" panose="02020603050405020304" pitchFamily="18" charset="0"/>
+                <a:cs typeface="Times New Roman" panose="02020603050405020304" pitchFamily="18" charset="0"/>
+              </a:rPr>
+              <a:t> </a:t>
+            </a:r>
+            <a:r>
+              <a:rPr lang="en-US" sz="1800" dirty="0" err="1">
+                <a:effectLst/>
+                <a:latin typeface="Raleway" pitchFamily="2" charset="0"/>
+                <a:ea typeface="Times New Roman" panose="02020603050405020304" pitchFamily="18" charset="0"/>
+                <a:cs typeface="Times New Roman" panose="02020603050405020304" pitchFamily="18" charset="0"/>
+              </a:rPr>
+              <a:t>perhitungan</a:t>
+            </a:r>
+            <a:r>
+              <a:rPr lang="en-US" sz="1800" dirty="0">
+                <a:effectLst/>
+                <a:latin typeface="Raleway" pitchFamily="2" charset="0"/>
+                <a:ea typeface="Times New Roman" panose="02020603050405020304" pitchFamily="18" charset="0"/>
+                <a:cs typeface="Times New Roman" panose="02020603050405020304" pitchFamily="18" charset="0"/>
+              </a:rPr>
+              <a:t> </a:t>
+            </a:r>
+            <a:r>
+              <a:rPr lang="en-US" sz="1800" dirty="0" err="1">
+                <a:effectLst/>
+                <a:latin typeface="Raleway" pitchFamily="2" charset="0"/>
+                <a:ea typeface="Times New Roman" panose="02020603050405020304" pitchFamily="18" charset="0"/>
+                <a:cs typeface="Times New Roman" panose="02020603050405020304" pitchFamily="18" charset="0"/>
+              </a:rPr>
+              <a:t>statistik</a:t>
+            </a:r>
+            <a:r>
+              <a:rPr lang="en-US" sz="1800" dirty="0">
+                <a:effectLst/>
+                <a:latin typeface="Raleway" pitchFamily="2" charset="0"/>
+                <a:ea typeface="Times New Roman" panose="02020603050405020304" pitchFamily="18" charset="0"/>
+                <a:cs typeface="Times New Roman" panose="02020603050405020304" pitchFamily="18" charset="0"/>
+              </a:rPr>
+              <a:t> uji F.</a:t>
+            </a:r>
+          </a:p>
+          <a:p>
+            <a:pPr marL="0" lvl="0" indent="0" algn="just">
+              <a:lnSpc>
+                <a:spcPct val="130000"/>
+              </a:lnSpc>
+              <a:buNone/>
+            </a:pPr>
+            <a:r>
+              <a:rPr lang="en-US" sz="1800" dirty="0" err="1">
+                <a:effectLst/>
+                <a:latin typeface="Raleway" pitchFamily="2" charset="0"/>
+                <a:ea typeface="Times New Roman" panose="02020603050405020304" pitchFamily="18" charset="0"/>
+                <a:cs typeface="Times New Roman" panose="02020603050405020304" pitchFamily="18" charset="0"/>
+              </a:rPr>
+              <a:t>Pengujian</a:t>
+            </a:r>
+            <a:r>
+              <a:rPr lang="en-US" sz="1800" dirty="0">
+                <a:effectLst/>
+                <a:latin typeface="Raleway" pitchFamily="2" charset="0"/>
+                <a:ea typeface="Times New Roman" panose="02020603050405020304" pitchFamily="18" charset="0"/>
+                <a:cs typeface="Times New Roman" panose="02020603050405020304" pitchFamily="18" charset="0"/>
+              </a:rPr>
+              <a:t> </a:t>
+            </a:r>
+            <a:r>
+              <a:rPr lang="en-US" sz="1800" dirty="0" err="1">
+                <a:effectLst/>
+                <a:latin typeface="Raleway" pitchFamily="2" charset="0"/>
+                <a:ea typeface="Times New Roman" panose="02020603050405020304" pitchFamily="18" charset="0"/>
+                <a:cs typeface="Times New Roman" panose="02020603050405020304" pitchFamily="18" charset="0"/>
+              </a:rPr>
+              <a:t>ini</a:t>
+            </a:r>
+            <a:r>
+              <a:rPr lang="en-US" sz="1800" dirty="0">
+                <a:effectLst/>
+                <a:latin typeface="Raleway" pitchFamily="2" charset="0"/>
+                <a:ea typeface="Times New Roman" panose="02020603050405020304" pitchFamily="18" charset="0"/>
+                <a:cs typeface="Times New Roman" panose="02020603050405020304" pitchFamily="18" charset="0"/>
+              </a:rPr>
+              <a:t> </a:t>
+            </a:r>
+            <a:r>
+              <a:rPr lang="en-US" sz="1800" dirty="0" err="1">
+                <a:effectLst/>
+                <a:latin typeface="Raleway" pitchFamily="2" charset="0"/>
+                <a:ea typeface="Times New Roman" panose="02020603050405020304" pitchFamily="18" charset="0"/>
+                <a:cs typeface="Times New Roman" panose="02020603050405020304" pitchFamily="18" charset="0"/>
+              </a:rPr>
+              <a:t>dilakukan</a:t>
+            </a:r>
+            <a:r>
+              <a:rPr lang="en-US" sz="1800" dirty="0">
+                <a:effectLst/>
+                <a:latin typeface="Raleway" pitchFamily="2" charset="0"/>
+                <a:ea typeface="Times New Roman" panose="02020603050405020304" pitchFamily="18" charset="0"/>
+                <a:cs typeface="Times New Roman" panose="02020603050405020304" pitchFamily="18" charset="0"/>
+              </a:rPr>
+              <a:t> </a:t>
+            </a:r>
+            <a:r>
+              <a:rPr lang="en-US" sz="1800" dirty="0" err="1">
+                <a:effectLst/>
+                <a:latin typeface="Raleway" pitchFamily="2" charset="0"/>
+                <a:ea typeface="Times New Roman" panose="02020603050405020304" pitchFamily="18" charset="0"/>
+                <a:cs typeface="Times New Roman" panose="02020603050405020304" pitchFamily="18" charset="0"/>
+              </a:rPr>
+              <a:t>dengan</a:t>
+            </a:r>
+            <a:r>
+              <a:rPr lang="en-US" sz="1800" dirty="0">
+                <a:effectLst/>
+                <a:latin typeface="Raleway" pitchFamily="2" charset="0"/>
+                <a:ea typeface="Times New Roman" panose="02020603050405020304" pitchFamily="18" charset="0"/>
+                <a:cs typeface="Times New Roman" panose="02020603050405020304" pitchFamily="18" charset="0"/>
+              </a:rPr>
+              <a:t> </a:t>
+            </a:r>
+            <a:r>
+              <a:rPr lang="en-US" sz="1800" dirty="0" err="1">
+                <a:effectLst/>
+                <a:latin typeface="Raleway" pitchFamily="2" charset="0"/>
+                <a:ea typeface="Times New Roman" panose="02020603050405020304" pitchFamily="18" charset="0"/>
+                <a:cs typeface="Times New Roman" panose="02020603050405020304" pitchFamily="18" charset="0"/>
+              </a:rPr>
+              <a:t>melihat</a:t>
+            </a:r>
+            <a:r>
+              <a:rPr lang="en-US" sz="1800" dirty="0">
+                <a:effectLst/>
+                <a:latin typeface="Raleway" pitchFamily="2" charset="0"/>
+                <a:ea typeface="Times New Roman" panose="02020603050405020304" pitchFamily="18" charset="0"/>
+                <a:cs typeface="Times New Roman" panose="02020603050405020304" pitchFamily="18" charset="0"/>
+              </a:rPr>
+              <a:t> </a:t>
+            </a:r>
+            <a:r>
+              <a:rPr lang="en-US" sz="1800" dirty="0" err="1">
+                <a:effectLst/>
+                <a:latin typeface="Raleway" pitchFamily="2" charset="0"/>
+                <a:ea typeface="Times New Roman" panose="02020603050405020304" pitchFamily="18" charset="0"/>
+                <a:cs typeface="Times New Roman" panose="02020603050405020304" pitchFamily="18" charset="0"/>
+              </a:rPr>
+              <a:t>nilai</a:t>
+            </a:r>
+            <a:r>
+              <a:rPr lang="en-US" sz="1800" dirty="0">
+                <a:effectLst/>
+                <a:latin typeface="Raleway" pitchFamily="2" charset="0"/>
+                <a:ea typeface="Times New Roman" panose="02020603050405020304" pitchFamily="18" charset="0"/>
+                <a:cs typeface="Times New Roman" panose="02020603050405020304" pitchFamily="18" charset="0"/>
+              </a:rPr>
+              <a:t> </a:t>
+            </a:r>
+            <a:r>
+              <a:rPr lang="en-US" sz="1800" dirty="0" err="1">
+                <a:effectLst/>
+                <a:latin typeface="Raleway" pitchFamily="2" charset="0"/>
+                <a:ea typeface="Times New Roman" panose="02020603050405020304" pitchFamily="18" charset="0"/>
+                <a:cs typeface="Times New Roman" panose="02020603050405020304" pitchFamily="18" charset="0"/>
+              </a:rPr>
+              <a:t>probabilitas</a:t>
+            </a:r>
+            <a:r>
+              <a:rPr lang="en-US" sz="1800" dirty="0">
+                <a:effectLst/>
+                <a:latin typeface="Raleway" pitchFamily="2" charset="0"/>
+                <a:ea typeface="Times New Roman" panose="02020603050405020304" pitchFamily="18" charset="0"/>
+                <a:cs typeface="Times New Roman" panose="02020603050405020304" pitchFamily="18" charset="0"/>
+              </a:rPr>
+              <a:t> yang </a:t>
+            </a:r>
+            <a:r>
+              <a:rPr lang="en-US" sz="1800" dirty="0" err="1">
+                <a:effectLst/>
+                <a:latin typeface="Raleway" pitchFamily="2" charset="0"/>
+                <a:ea typeface="Times New Roman" panose="02020603050405020304" pitchFamily="18" charset="0"/>
+                <a:cs typeface="Times New Roman" panose="02020603050405020304" pitchFamily="18" charset="0"/>
+              </a:rPr>
+              <a:t>terdapat</a:t>
+            </a:r>
+            <a:r>
+              <a:rPr lang="en-US" sz="1800" dirty="0">
+                <a:effectLst/>
+                <a:latin typeface="Raleway" pitchFamily="2" charset="0"/>
+                <a:ea typeface="Times New Roman" panose="02020603050405020304" pitchFamily="18" charset="0"/>
+                <a:cs typeface="Times New Roman" panose="02020603050405020304" pitchFamily="18" charset="0"/>
+              </a:rPr>
+              <a:t> pada </a:t>
+            </a:r>
+            <a:r>
+              <a:rPr lang="en-US" sz="1800" dirty="0" err="1">
+                <a:effectLst/>
+                <a:latin typeface="Raleway" pitchFamily="2" charset="0"/>
+                <a:ea typeface="Times New Roman" panose="02020603050405020304" pitchFamily="18" charset="0"/>
+                <a:cs typeface="Times New Roman" panose="02020603050405020304" pitchFamily="18" charset="0"/>
+              </a:rPr>
+              <a:t>anova</a:t>
+            </a:r>
+            <a:r>
+              <a:rPr lang="en-US" sz="1800" dirty="0">
+                <a:effectLst/>
+                <a:latin typeface="Raleway" pitchFamily="2" charset="0"/>
+                <a:ea typeface="Times New Roman" panose="02020603050405020304" pitchFamily="18" charset="0"/>
+                <a:cs typeface="Times New Roman" panose="02020603050405020304" pitchFamily="18" charset="0"/>
+              </a:rPr>
+              <a:t> </a:t>
+            </a:r>
+            <a:r>
+              <a:rPr lang="en-US" sz="1800" dirty="0" err="1">
+                <a:effectLst/>
+                <a:latin typeface="Raleway" pitchFamily="2" charset="0"/>
+                <a:ea typeface="Times New Roman" panose="02020603050405020304" pitchFamily="18" charset="0"/>
+                <a:cs typeface="Times New Roman" panose="02020603050405020304" pitchFamily="18" charset="0"/>
+              </a:rPr>
+              <a:t>nilai</a:t>
+            </a:r>
+            <a:r>
+              <a:rPr lang="en-US" sz="1800" dirty="0">
+                <a:effectLst/>
+                <a:latin typeface="Raleway" pitchFamily="2" charset="0"/>
+                <a:ea typeface="Times New Roman" panose="02020603050405020304" pitchFamily="18" charset="0"/>
+                <a:cs typeface="Times New Roman" panose="02020603050405020304" pitchFamily="18" charset="0"/>
+              </a:rPr>
+              <a:t> F, </a:t>
+            </a:r>
+            <a:r>
+              <a:rPr lang="en-US" sz="1800" dirty="0" err="1">
+                <a:effectLst/>
+                <a:latin typeface="Raleway" pitchFamily="2" charset="0"/>
+                <a:ea typeface="Times New Roman" panose="02020603050405020304" pitchFamily="18" charset="0"/>
+                <a:cs typeface="Times New Roman" panose="02020603050405020304" pitchFamily="18" charset="0"/>
+              </a:rPr>
+              <a:t>apabila</a:t>
+            </a:r>
+            <a:r>
+              <a:rPr lang="en-US" sz="1800" dirty="0">
+                <a:effectLst/>
+                <a:latin typeface="Raleway" pitchFamily="2" charset="0"/>
+                <a:ea typeface="Times New Roman" panose="02020603050405020304" pitchFamily="18" charset="0"/>
+                <a:cs typeface="Times New Roman" panose="02020603050405020304" pitchFamily="18" charset="0"/>
+              </a:rPr>
+              <a:t> </a:t>
+            </a:r>
+            <a:r>
+              <a:rPr lang="en-US" sz="1800" dirty="0" err="1">
+                <a:effectLst/>
+                <a:latin typeface="Raleway" pitchFamily="2" charset="0"/>
+                <a:ea typeface="Times New Roman" panose="02020603050405020304" pitchFamily="18" charset="0"/>
+                <a:cs typeface="Times New Roman" panose="02020603050405020304" pitchFamily="18" charset="0"/>
+              </a:rPr>
+              <a:t>nilai</a:t>
+            </a:r>
+            <a:r>
+              <a:rPr lang="en-US" sz="1800" dirty="0">
+                <a:effectLst/>
+                <a:latin typeface="Raleway" pitchFamily="2" charset="0"/>
+                <a:ea typeface="Times New Roman" panose="02020603050405020304" pitchFamily="18" charset="0"/>
+                <a:cs typeface="Times New Roman" panose="02020603050405020304" pitchFamily="18" charset="0"/>
+              </a:rPr>
+              <a:t> </a:t>
+            </a:r>
+            <a:r>
+              <a:rPr lang="en-US" sz="1800" dirty="0" err="1">
+                <a:effectLst/>
+                <a:latin typeface="Raleway" pitchFamily="2" charset="0"/>
+                <a:ea typeface="Times New Roman" panose="02020603050405020304" pitchFamily="18" charset="0"/>
+                <a:cs typeface="Times New Roman" panose="02020603050405020304" pitchFamily="18" charset="0"/>
+              </a:rPr>
+              <a:t>probabilitas</a:t>
+            </a:r>
+            <a:r>
+              <a:rPr lang="en-US" sz="1800" dirty="0">
+                <a:effectLst/>
+                <a:latin typeface="Raleway" pitchFamily="2" charset="0"/>
+                <a:ea typeface="Times New Roman" panose="02020603050405020304" pitchFamily="18" charset="0"/>
+                <a:cs typeface="Times New Roman" panose="02020603050405020304" pitchFamily="18" charset="0"/>
+              </a:rPr>
+              <a:t> &lt; 0,05 </a:t>
+            </a:r>
+            <a:r>
+              <a:rPr lang="en-US" sz="1800" dirty="0" err="1">
+                <a:effectLst/>
+                <a:latin typeface="Raleway" pitchFamily="2" charset="0"/>
+                <a:ea typeface="Times New Roman" panose="02020603050405020304" pitchFamily="18" charset="0"/>
+                <a:cs typeface="Times New Roman" panose="02020603050405020304" pitchFamily="18" charset="0"/>
+              </a:rPr>
+              <a:t>maka</a:t>
+            </a:r>
+            <a:r>
+              <a:rPr lang="en-US" sz="1800" dirty="0">
+                <a:effectLst/>
+                <a:latin typeface="Raleway" pitchFamily="2" charset="0"/>
+                <a:ea typeface="Times New Roman" panose="02020603050405020304" pitchFamily="18" charset="0"/>
+                <a:cs typeface="Times New Roman" panose="02020603050405020304" pitchFamily="18" charset="0"/>
+              </a:rPr>
+              <a:t> </a:t>
+            </a:r>
+            <a:r>
+              <a:rPr lang="en-US" sz="1800" dirty="0" err="1">
+                <a:effectLst/>
+                <a:latin typeface="Raleway" pitchFamily="2" charset="0"/>
+                <a:ea typeface="Times New Roman" panose="02020603050405020304" pitchFamily="18" charset="0"/>
+                <a:cs typeface="Times New Roman" panose="02020603050405020304" pitchFamily="18" charset="0"/>
+              </a:rPr>
+              <a:t>variabel</a:t>
+            </a:r>
+            <a:r>
+              <a:rPr lang="en-US" sz="1800" dirty="0">
+                <a:effectLst/>
+                <a:latin typeface="Raleway" pitchFamily="2" charset="0"/>
+                <a:ea typeface="Times New Roman" panose="02020603050405020304" pitchFamily="18" charset="0"/>
+                <a:cs typeface="Times New Roman" panose="02020603050405020304" pitchFamily="18" charset="0"/>
+              </a:rPr>
+              <a:t> </a:t>
+            </a:r>
+            <a:r>
+              <a:rPr lang="en-US" sz="1800" dirty="0" err="1">
+                <a:effectLst/>
+                <a:latin typeface="Raleway" pitchFamily="2" charset="0"/>
+                <a:ea typeface="Times New Roman" panose="02020603050405020304" pitchFamily="18" charset="0"/>
+                <a:cs typeface="Times New Roman" panose="02020603050405020304" pitchFamily="18" charset="0"/>
+              </a:rPr>
+              <a:t>memiliki</a:t>
+            </a:r>
+            <a:r>
+              <a:rPr lang="en-US" sz="1800" dirty="0">
+                <a:effectLst/>
+                <a:latin typeface="Raleway" pitchFamily="2" charset="0"/>
+                <a:ea typeface="Times New Roman" panose="02020603050405020304" pitchFamily="18" charset="0"/>
+                <a:cs typeface="Times New Roman" panose="02020603050405020304" pitchFamily="18" charset="0"/>
+              </a:rPr>
+              <a:t> </a:t>
+            </a:r>
+            <a:r>
+              <a:rPr lang="en-US" sz="1800" dirty="0" err="1">
+                <a:effectLst/>
+                <a:latin typeface="Raleway" pitchFamily="2" charset="0"/>
+                <a:ea typeface="Times New Roman" panose="02020603050405020304" pitchFamily="18" charset="0"/>
+                <a:cs typeface="Times New Roman" panose="02020603050405020304" pitchFamily="18" charset="0"/>
+              </a:rPr>
+              <a:t>pengaruh</a:t>
+            </a:r>
+            <a:r>
+              <a:rPr lang="en-US" sz="1800" dirty="0">
+                <a:effectLst/>
+                <a:latin typeface="Raleway" pitchFamily="2" charset="0"/>
+                <a:ea typeface="Times New Roman" panose="02020603050405020304" pitchFamily="18" charset="0"/>
+                <a:cs typeface="Times New Roman" panose="02020603050405020304" pitchFamily="18" charset="0"/>
+              </a:rPr>
+              <a:t> </a:t>
+            </a:r>
+            <a:r>
+              <a:rPr lang="en-US" sz="1800" dirty="0" err="1">
+                <a:effectLst/>
+                <a:latin typeface="Raleway" pitchFamily="2" charset="0"/>
+                <a:ea typeface="Times New Roman" panose="02020603050405020304" pitchFamily="18" charset="0"/>
+                <a:cs typeface="Times New Roman" panose="02020603050405020304" pitchFamily="18" charset="0"/>
+              </a:rPr>
+              <a:t>signifikan</a:t>
+            </a:r>
+            <a:r>
+              <a:rPr lang="en-US" sz="1800" dirty="0">
+                <a:effectLst/>
+                <a:latin typeface="Raleway" pitchFamily="2" charset="0"/>
+                <a:ea typeface="Times New Roman" panose="02020603050405020304" pitchFamily="18" charset="0"/>
+                <a:cs typeface="Times New Roman" panose="02020603050405020304" pitchFamily="18" charset="0"/>
+              </a:rPr>
+              <a:t> </a:t>
+            </a:r>
+            <a:r>
+              <a:rPr lang="en-US" sz="1800" dirty="0" err="1">
+                <a:effectLst/>
+                <a:latin typeface="Raleway" pitchFamily="2" charset="0"/>
+                <a:ea typeface="Times New Roman" panose="02020603050405020304" pitchFamily="18" charset="0"/>
+                <a:cs typeface="Times New Roman" panose="02020603050405020304" pitchFamily="18" charset="0"/>
+              </a:rPr>
+              <a:t>terhadap</a:t>
+            </a:r>
+            <a:r>
+              <a:rPr lang="en-US" sz="1800" dirty="0">
+                <a:effectLst/>
+                <a:latin typeface="Raleway" pitchFamily="2" charset="0"/>
+                <a:ea typeface="Times New Roman" panose="02020603050405020304" pitchFamily="18" charset="0"/>
+                <a:cs typeface="Times New Roman" panose="02020603050405020304" pitchFamily="18" charset="0"/>
+              </a:rPr>
+              <a:t> </a:t>
+            </a:r>
+            <a:r>
+              <a:rPr lang="en-US" sz="1800" dirty="0" err="1">
+                <a:effectLst/>
+                <a:latin typeface="Raleway" pitchFamily="2" charset="0"/>
+                <a:ea typeface="Times New Roman" panose="02020603050405020304" pitchFamily="18" charset="0"/>
+                <a:cs typeface="Times New Roman" panose="02020603050405020304" pitchFamily="18" charset="0"/>
+              </a:rPr>
+              <a:t>aplikasi</a:t>
+            </a:r>
+            <a:r>
+              <a:rPr lang="en-US" sz="1800" dirty="0">
+                <a:effectLst/>
+                <a:latin typeface="Raleway" pitchFamily="2" charset="0"/>
+                <a:ea typeface="Times New Roman" panose="02020603050405020304" pitchFamily="18" charset="0"/>
+                <a:cs typeface="Times New Roman" panose="02020603050405020304" pitchFamily="18" charset="0"/>
+              </a:rPr>
+              <a:t>.</a:t>
+            </a:r>
+            <a:endParaRPr lang="en-US" sz="1800" dirty="0">
+              <a:solidFill>
+                <a:srgbClr val="000000"/>
+              </a:solidFill>
+              <a:latin typeface="Raleway" pitchFamily="2" charset="0"/>
+              <a:ea typeface="Times New Roman" panose="02020603050405020304" pitchFamily="18" charset="0"/>
+              <a:cs typeface="Times New Roman" panose="02020603050405020304" pitchFamily="18" charset="0"/>
+            </a:endParaRPr>
+          </a:p>
+        </p:txBody>
+      </p:sp>
+    </p:spTree>
+    <p:extLst>
+      <p:ext uri="{BB962C8B-B14F-4D97-AF65-F5344CB8AC3E}">
+        <p14:creationId xmlns:p14="http://schemas.microsoft.com/office/powerpoint/2010/main" val="1131848820"/>
+      </p:ext>
+    </p:extLst>
+  </p:cSld>
+  <p:clrMapOvr>
+    <a:masterClrMapping/>
+  </p:clrMapOvr>
+</p:sld>
+</file>
+
+<file path=ppt/slides/slide12.xml><?xml version="1.0" encoding="utf-8"?>
+<p:sld xmlns:a="http://schemas.openxmlformats.org/drawingml/2006/main" xmlns:r="http://schemas.openxmlformats.org/officeDocument/2006/relationships" xmlns:p="http://schemas.openxmlformats.org/presentationml/2006/main">
+  <p:cSld>
+    <p:spTree>
+      <p:nvGrpSpPr>
+        <p:cNvPr id="1" name=""/>
+        <p:cNvGrpSpPr/>
+        <p:nvPr/>
+      </p:nvGrpSpPr>
+      <p:grpSpPr>
+        <a:xfrm>
+          <a:off x="0" y="0"/>
+          <a:ext cx="0" cy="0"/>
+          <a:chOff x="0" y="0"/>
+          <a:chExt cx="0" cy="0"/>
+        </a:xfrm>
+      </p:grpSpPr>
+      <p:sp>
+        <p:nvSpPr>
+          <p:cNvPr id="2" name="Title 1">
+            <a:extLst>
+              <a:ext uri="{FF2B5EF4-FFF2-40B4-BE49-F238E27FC236}">
+                <a16:creationId xmlns:a16="http://schemas.microsoft.com/office/drawing/2014/main" id="{09F91042-2C31-97B7-3E51-E2A9C003A3FC}"/>
+              </a:ext>
+            </a:extLst>
+          </p:cNvPr>
+          <p:cNvSpPr>
+            <a:spLocks noGrp="1"/>
+          </p:cNvSpPr>
+          <p:nvPr>
+            <p:ph type="title"/>
+          </p:nvPr>
+        </p:nvSpPr>
+        <p:spPr/>
+        <p:txBody>
+          <a:bodyPr/>
+          <a:lstStyle/>
+          <a:p>
+            <a:r>
+              <a:rPr lang="en-US" dirty="0"/>
               <a:t>Uji </a:t>
             </a:r>
             <a:r>
@@ -5241,7 +5441,7 @@
 </p:sld>
 </file>
 
-<file path=ppt/slides/slide12.xml><?xml version="1.0" encoding="utf-8"?>
+<file path=ppt/slides/slide13.xml><?xml version="1.0" encoding="utf-8"?>
 <p:sld xmlns:a="http://schemas.openxmlformats.org/drawingml/2006/main" xmlns:r="http://schemas.openxmlformats.org/officeDocument/2006/relationships" xmlns:p="http://schemas.openxmlformats.org/presentationml/2006/main">
   <p:cSld>
     <p:spTree>
@@ -5708,7 +5908,7 @@
 </p:sld>
 </file>
 
-<file path=ppt/slides/slide13.xml><?xml version="1.0" encoding="utf-8"?>
+<file path=ppt/slides/slide14.xml><?xml version="1.0" encoding="utf-8"?>
 <p:sld xmlns:a="http://schemas.openxmlformats.org/drawingml/2006/main" xmlns:r="http://schemas.openxmlformats.org/officeDocument/2006/relationships" xmlns:p="http://schemas.openxmlformats.org/presentationml/2006/main">
   <p:cSld>
     <p:spTree>
@@ -6163,1386 +6363,6 @@
 </p:sld>
 </file>
 
-<file path=ppt/slides/slide14.xml><?xml version="1.0" encoding="utf-8"?>
-<p:sld xmlns:a="http://schemas.openxmlformats.org/drawingml/2006/main" xmlns:r="http://schemas.openxmlformats.org/officeDocument/2006/relationships" xmlns:p="http://schemas.openxmlformats.org/presentationml/2006/main">
-  <p:cSld>
-    <p:spTree>
-      <p:nvGrpSpPr>
-        <p:cNvPr id="1" name=""/>
-        <p:cNvGrpSpPr/>
-        <p:nvPr/>
-      </p:nvGrpSpPr>
-      <p:grpSpPr>
-        <a:xfrm>
-          <a:off x="0" y="0"/>
-          <a:ext cx="0" cy="0"/>
-          <a:chOff x="0" y="0"/>
-          <a:chExt cx="0" cy="0"/>
-        </a:xfrm>
-      </p:grpSpPr>
-      <p:sp>
-        <p:nvSpPr>
-          <p:cNvPr id="2" name="Title 1">
-            <a:extLst>
-              <a:ext uri="{FF2B5EF4-FFF2-40B4-BE49-F238E27FC236}">
-                <a16:creationId xmlns:a16="http://schemas.microsoft.com/office/drawing/2014/main" id="{5E562972-3449-42D1-8185-B4BEFD52AB44}"/>
-              </a:ext>
-            </a:extLst>
-          </p:cNvPr>
-          <p:cNvSpPr>
-            <a:spLocks noGrp="1"/>
-          </p:cNvSpPr>
-          <p:nvPr>
-            <p:ph type="title"/>
-          </p:nvPr>
-        </p:nvSpPr>
-        <p:spPr/>
-        <p:txBody>
-          <a:bodyPr/>
-          <a:lstStyle/>
-          <a:p>
-            <a:r>
-              <a:rPr lang="en-US" dirty="0"/>
-              <a:t>Kesimpulan</a:t>
-            </a:r>
-          </a:p>
-        </p:txBody>
-      </p:sp>
-      <p:sp>
-        <p:nvSpPr>
-          <p:cNvPr id="5" name="Content Placeholder 4">
-            <a:extLst>
-              <a:ext uri="{FF2B5EF4-FFF2-40B4-BE49-F238E27FC236}">
-                <a16:creationId xmlns:a16="http://schemas.microsoft.com/office/drawing/2014/main" id="{C5F3CA41-07D1-5D9C-DB22-FA86C904EBA9}"/>
-              </a:ext>
-            </a:extLst>
-          </p:cNvPr>
-          <p:cNvSpPr>
-            <a:spLocks noGrp="1"/>
-          </p:cNvSpPr>
-          <p:nvPr>
-            <p:ph idx="1"/>
-          </p:nvPr>
-        </p:nvSpPr>
-        <p:spPr>
-          <a:xfrm>
-            <a:off x="581192" y="2160755"/>
-            <a:ext cx="11029615" cy="3634486"/>
-          </a:xfrm>
-        </p:spPr>
-        <p:txBody>
-          <a:bodyPr>
-            <a:normAutofit lnSpcReduction="10000"/>
-          </a:bodyPr>
-          <a:lstStyle/>
-          <a:p>
-            <a:r>
-              <a:rPr lang="en-US" sz="1800" dirty="0">
-                <a:effectLst/>
-                <a:latin typeface="Raleway" pitchFamily="2" charset="0"/>
-                <a:ea typeface="Times New Roman" panose="02020603050405020304" pitchFamily="18" charset="0"/>
-                <a:cs typeface="Times New Roman" panose="02020603050405020304" pitchFamily="18" charset="0"/>
-              </a:rPr>
-              <a:t>TO DO Voice </a:t>
-            </a:r>
-            <a:r>
-              <a:rPr lang="en-US" sz="1800" dirty="0" err="1">
-                <a:effectLst/>
-                <a:latin typeface="Raleway" pitchFamily="2" charset="0"/>
-                <a:ea typeface="Times New Roman" panose="02020603050405020304" pitchFamily="18" charset="0"/>
-                <a:cs typeface="Times New Roman" panose="02020603050405020304" pitchFamily="18" charset="0"/>
-              </a:rPr>
-              <a:t>memperoleh</a:t>
-            </a:r>
-            <a:r>
-              <a:rPr lang="en-US" sz="1800" dirty="0">
-                <a:effectLst/>
-                <a:latin typeface="Raleway" pitchFamily="2" charset="0"/>
-                <a:ea typeface="Times New Roman" panose="02020603050405020304" pitchFamily="18" charset="0"/>
-                <a:cs typeface="Times New Roman" panose="02020603050405020304" pitchFamily="18" charset="0"/>
-              </a:rPr>
-              <a:t> </a:t>
-            </a:r>
-            <a:r>
-              <a:rPr lang="en-US" sz="1800" dirty="0" err="1">
-                <a:effectLst/>
-                <a:latin typeface="Raleway" pitchFamily="2" charset="0"/>
-                <a:ea typeface="Times New Roman" panose="02020603050405020304" pitchFamily="18" charset="0"/>
-                <a:cs typeface="Times New Roman" panose="02020603050405020304" pitchFamily="18" charset="0"/>
-              </a:rPr>
-              <a:t>nilai</a:t>
-            </a:r>
-            <a:r>
-              <a:rPr lang="en-US" sz="1800" dirty="0">
-                <a:effectLst/>
-                <a:latin typeface="Raleway" pitchFamily="2" charset="0"/>
-                <a:ea typeface="Times New Roman" panose="02020603050405020304" pitchFamily="18" charset="0"/>
-                <a:cs typeface="Times New Roman" panose="02020603050405020304" pitchFamily="18" charset="0"/>
-              </a:rPr>
-              <a:t> 66,25 </a:t>
-            </a:r>
-            <a:r>
-              <a:rPr lang="en-US" sz="1800" dirty="0" err="1">
-                <a:effectLst/>
-                <a:latin typeface="Raleway" pitchFamily="2" charset="0"/>
-                <a:ea typeface="Times New Roman" panose="02020603050405020304" pitchFamily="18" charset="0"/>
-                <a:cs typeface="Times New Roman" panose="02020603050405020304" pitchFamily="18" charset="0"/>
-              </a:rPr>
-              <a:t>dengan</a:t>
-            </a:r>
-            <a:r>
-              <a:rPr lang="en-US" sz="1800" dirty="0">
-                <a:effectLst/>
-                <a:latin typeface="Raleway" pitchFamily="2" charset="0"/>
-                <a:ea typeface="Times New Roman" panose="02020603050405020304" pitchFamily="18" charset="0"/>
-                <a:cs typeface="Times New Roman" panose="02020603050405020304" pitchFamily="18" charset="0"/>
-              </a:rPr>
-              <a:t> </a:t>
-            </a:r>
-            <a:r>
-              <a:rPr lang="en-US" sz="1800" i="1" dirty="0">
-                <a:effectLst/>
-                <a:latin typeface="Raleway" pitchFamily="2" charset="0"/>
-                <a:ea typeface="Times New Roman" panose="02020603050405020304" pitchFamily="18" charset="0"/>
-                <a:cs typeface="Times New Roman" panose="02020603050405020304" pitchFamily="18" charset="0"/>
-              </a:rPr>
-              <a:t>grade </a:t>
-            </a:r>
-            <a:r>
-              <a:rPr lang="en-US" sz="1800" dirty="0">
-                <a:effectLst/>
-                <a:latin typeface="Raleway" pitchFamily="2" charset="0"/>
-                <a:ea typeface="Times New Roman" panose="02020603050405020304" pitchFamily="18" charset="0"/>
-                <a:cs typeface="Times New Roman" panose="02020603050405020304" pitchFamily="18" charset="0"/>
-              </a:rPr>
-              <a:t>D dan </a:t>
-            </a:r>
-            <a:r>
-              <a:rPr lang="en-US" sz="1800" dirty="0" err="1">
-                <a:effectLst/>
-                <a:latin typeface="Raleway" pitchFamily="2" charset="0"/>
-                <a:ea typeface="Times New Roman" panose="02020603050405020304" pitchFamily="18" charset="0"/>
-                <a:cs typeface="Times New Roman" panose="02020603050405020304" pitchFamily="18" charset="0"/>
-              </a:rPr>
-              <a:t>dengan</a:t>
-            </a:r>
-            <a:r>
-              <a:rPr lang="en-US" sz="1800" dirty="0">
-                <a:effectLst/>
-                <a:latin typeface="Raleway" pitchFamily="2" charset="0"/>
-                <a:ea typeface="Times New Roman" panose="02020603050405020304" pitchFamily="18" charset="0"/>
-                <a:cs typeface="Times New Roman" panose="02020603050405020304" pitchFamily="18" charset="0"/>
-              </a:rPr>
-              <a:t> </a:t>
-            </a:r>
-            <a:r>
-              <a:rPr lang="en-US" sz="1800" dirty="0" err="1">
-                <a:effectLst/>
-                <a:latin typeface="Raleway" pitchFamily="2" charset="0"/>
-                <a:ea typeface="Times New Roman" panose="02020603050405020304" pitchFamily="18" charset="0"/>
-                <a:cs typeface="Times New Roman" panose="02020603050405020304" pitchFamily="18" charset="0"/>
-              </a:rPr>
-              <a:t>tingkat</a:t>
-            </a:r>
-            <a:r>
-              <a:rPr lang="en-US" sz="1800" dirty="0">
-                <a:effectLst/>
-                <a:latin typeface="Raleway" pitchFamily="2" charset="0"/>
-                <a:ea typeface="Times New Roman" panose="02020603050405020304" pitchFamily="18" charset="0"/>
-                <a:cs typeface="Times New Roman" panose="02020603050405020304" pitchFamily="18" charset="0"/>
-              </a:rPr>
-              <a:t> ‘OK’</a:t>
-            </a:r>
-            <a:r>
-              <a:rPr lang="en-US" sz="1800" i="1" dirty="0">
-                <a:effectLst/>
-                <a:latin typeface="Raleway" pitchFamily="2" charset="0"/>
-                <a:ea typeface="Times New Roman" panose="02020603050405020304" pitchFamily="18" charset="0"/>
-                <a:cs typeface="Times New Roman" panose="02020603050405020304" pitchFamily="18" charset="0"/>
-              </a:rPr>
-              <a:t> </a:t>
-            </a:r>
-          </a:p>
-          <a:p>
-            <a:r>
-              <a:rPr lang="en-US" sz="1800" dirty="0">
-                <a:effectLst/>
-                <a:latin typeface="Raleway" pitchFamily="2" charset="0"/>
-                <a:ea typeface="Times New Roman" panose="02020603050405020304" pitchFamily="18" charset="0"/>
-                <a:cs typeface="Times New Roman" panose="02020603050405020304" pitchFamily="18" charset="0"/>
-              </a:rPr>
-              <a:t> </a:t>
-            </a:r>
-            <a:r>
-              <a:rPr lang="en-US" sz="1800" dirty="0" err="1">
-                <a:effectLst/>
-                <a:latin typeface="Raleway" pitchFamily="2" charset="0"/>
-                <a:ea typeface="Times New Roman" panose="02020603050405020304" pitchFamily="18" charset="0"/>
-                <a:cs typeface="Times New Roman" panose="02020603050405020304" pitchFamily="18" charset="0"/>
-              </a:rPr>
-              <a:t>todo_docket</a:t>
-            </a:r>
-            <a:r>
-              <a:rPr lang="en-US" sz="1800" dirty="0">
-                <a:effectLst/>
-                <a:latin typeface="Raleway" pitchFamily="2" charset="0"/>
-                <a:ea typeface="Times New Roman" panose="02020603050405020304" pitchFamily="18" charset="0"/>
-                <a:cs typeface="Times New Roman" panose="02020603050405020304" pitchFamily="18" charset="0"/>
-              </a:rPr>
-              <a:t> </a:t>
-            </a:r>
-            <a:r>
-              <a:rPr lang="en-US" sz="1800" dirty="0" err="1">
-                <a:effectLst/>
-                <a:latin typeface="Raleway" pitchFamily="2" charset="0"/>
-                <a:ea typeface="Times New Roman" panose="02020603050405020304" pitchFamily="18" charset="0"/>
-                <a:cs typeface="Times New Roman" panose="02020603050405020304" pitchFamily="18" charset="0"/>
-              </a:rPr>
-              <a:t>memperoleh</a:t>
-            </a:r>
-            <a:r>
-              <a:rPr lang="en-US" sz="1800" dirty="0">
-                <a:effectLst/>
-                <a:latin typeface="Raleway" pitchFamily="2" charset="0"/>
-                <a:ea typeface="Times New Roman" panose="02020603050405020304" pitchFamily="18" charset="0"/>
-                <a:cs typeface="Times New Roman" panose="02020603050405020304" pitchFamily="18" charset="0"/>
-              </a:rPr>
-              <a:t> </a:t>
-            </a:r>
-            <a:r>
-              <a:rPr lang="en-US" sz="1800" dirty="0" err="1">
-                <a:effectLst/>
-                <a:latin typeface="Raleway" pitchFamily="2" charset="0"/>
-                <a:ea typeface="Times New Roman" panose="02020603050405020304" pitchFamily="18" charset="0"/>
-                <a:cs typeface="Times New Roman" panose="02020603050405020304" pitchFamily="18" charset="0"/>
-              </a:rPr>
-              <a:t>nilai</a:t>
-            </a:r>
-            <a:r>
-              <a:rPr lang="en-US" sz="1800" dirty="0">
-                <a:effectLst/>
-                <a:latin typeface="Raleway" pitchFamily="2" charset="0"/>
-                <a:ea typeface="Times New Roman" panose="02020603050405020304" pitchFamily="18" charset="0"/>
-                <a:cs typeface="Times New Roman" panose="02020603050405020304" pitchFamily="18" charset="0"/>
-              </a:rPr>
-              <a:t> 73,5 </a:t>
-            </a:r>
-            <a:r>
-              <a:rPr lang="en-US" sz="1800" dirty="0" err="1">
-                <a:effectLst/>
-                <a:latin typeface="Raleway" pitchFamily="2" charset="0"/>
-                <a:ea typeface="Times New Roman" panose="02020603050405020304" pitchFamily="18" charset="0"/>
-                <a:cs typeface="Times New Roman" panose="02020603050405020304" pitchFamily="18" charset="0"/>
-              </a:rPr>
-              <a:t>dengan</a:t>
-            </a:r>
-            <a:r>
-              <a:rPr lang="en-US" sz="1800" dirty="0">
-                <a:effectLst/>
-                <a:latin typeface="Raleway" pitchFamily="2" charset="0"/>
-                <a:ea typeface="Times New Roman" panose="02020603050405020304" pitchFamily="18" charset="0"/>
-                <a:cs typeface="Times New Roman" panose="02020603050405020304" pitchFamily="18" charset="0"/>
-              </a:rPr>
-              <a:t> </a:t>
-            </a:r>
-            <a:r>
-              <a:rPr lang="en-US" sz="1800" i="1" dirty="0">
-                <a:effectLst/>
-                <a:latin typeface="Raleway" pitchFamily="2" charset="0"/>
-                <a:ea typeface="Times New Roman" panose="02020603050405020304" pitchFamily="18" charset="0"/>
-                <a:cs typeface="Times New Roman" panose="02020603050405020304" pitchFamily="18" charset="0"/>
-              </a:rPr>
-              <a:t>grade </a:t>
-            </a:r>
-            <a:r>
-              <a:rPr lang="en-US" sz="1800" dirty="0">
-                <a:effectLst/>
-                <a:latin typeface="Raleway" pitchFamily="2" charset="0"/>
-                <a:ea typeface="Times New Roman" panose="02020603050405020304" pitchFamily="18" charset="0"/>
-                <a:cs typeface="Times New Roman" panose="02020603050405020304" pitchFamily="18" charset="0"/>
-              </a:rPr>
-              <a:t>C dan </a:t>
-            </a:r>
-            <a:r>
-              <a:rPr lang="en-US" sz="1800" dirty="0" err="1">
-                <a:effectLst/>
-                <a:latin typeface="Raleway" pitchFamily="2" charset="0"/>
-                <a:ea typeface="Times New Roman" panose="02020603050405020304" pitchFamily="18" charset="0"/>
-                <a:cs typeface="Times New Roman" panose="02020603050405020304" pitchFamily="18" charset="0"/>
-              </a:rPr>
-              <a:t>dengan</a:t>
-            </a:r>
-            <a:r>
-              <a:rPr lang="en-US" sz="1800" dirty="0">
-                <a:effectLst/>
-                <a:latin typeface="Raleway" pitchFamily="2" charset="0"/>
-                <a:ea typeface="Times New Roman" panose="02020603050405020304" pitchFamily="18" charset="0"/>
-                <a:cs typeface="Times New Roman" panose="02020603050405020304" pitchFamily="18" charset="0"/>
-              </a:rPr>
-              <a:t> </a:t>
-            </a:r>
-            <a:r>
-              <a:rPr lang="en-US" sz="1800" dirty="0" err="1">
-                <a:effectLst/>
-                <a:latin typeface="Raleway" pitchFamily="2" charset="0"/>
-                <a:ea typeface="Times New Roman" panose="02020603050405020304" pitchFamily="18" charset="0"/>
-                <a:cs typeface="Times New Roman" panose="02020603050405020304" pitchFamily="18" charset="0"/>
-              </a:rPr>
-              <a:t>tingkat</a:t>
-            </a:r>
-            <a:r>
-              <a:rPr lang="en-US" sz="1800" dirty="0">
-                <a:effectLst/>
-                <a:latin typeface="Raleway" pitchFamily="2" charset="0"/>
-                <a:ea typeface="Times New Roman" panose="02020603050405020304" pitchFamily="18" charset="0"/>
-                <a:cs typeface="Times New Roman" panose="02020603050405020304" pitchFamily="18" charset="0"/>
-              </a:rPr>
-              <a:t> ‘</a:t>
-            </a:r>
-            <a:r>
-              <a:rPr lang="en-US" sz="1800" i="1" dirty="0">
-                <a:effectLst/>
-                <a:latin typeface="Raleway" pitchFamily="2" charset="0"/>
-                <a:ea typeface="Times New Roman" panose="02020603050405020304" pitchFamily="18" charset="0"/>
-                <a:cs typeface="Times New Roman" panose="02020603050405020304" pitchFamily="18" charset="0"/>
-              </a:rPr>
-              <a:t>Good’</a:t>
-            </a:r>
-            <a:endParaRPr lang="en-US" sz="1800" i="1" dirty="0">
-              <a:latin typeface="Raleway" pitchFamily="2" charset="0"/>
-              <a:ea typeface="Times New Roman" panose="02020603050405020304" pitchFamily="18" charset="0"/>
-              <a:cs typeface="Times New Roman" panose="02020603050405020304" pitchFamily="18" charset="0"/>
-            </a:endParaRPr>
-          </a:p>
-          <a:p>
-            <a:r>
-              <a:rPr lang="en-US" sz="1800" dirty="0" err="1">
-                <a:effectLst/>
-                <a:latin typeface="Raleway" pitchFamily="2" charset="0"/>
-                <a:ea typeface="Times New Roman" panose="02020603050405020304" pitchFamily="18" charset="0"/>
-                <a:cs typeface="Times New Roman" panose="02020603050405020304" pitchFamily="18" charset="0"/>
-              </a:rPr>
-              <a:t>aplikasi</a:t>
-            </a:r>
-            <a:r>
-              <a:rPr lang="en-US" sz="1800" dirty="0">
-                <a:effectLst/>
-                <a:latin typeface="Raleway" pitchFamily="2" charset="0"/>
-                <a:ea typeface="Times New Roman" panose="02020603050405020304" pitchFamily="18" charset="0"/>
-                <a:cs typeface="Times New Roman" panose="02020603050405020304" pitchFamily="18" charset="0"/>
-              </a:rPr>
-              <a:t> </a:t>
-            </a:r>
-            <a:r>
-              <a:rPr lang="en-US" sz="1800" dirty="0" err="1">
-                <a:effectLst/>
-                <a:latin typeface="Raleway" pitchFamily="2" charset="0"/>
-                <a:ea typeface="Times New Roman" panose="02020603050405020304" pitchFamily="18" charset="0"/>
-                <a:cs typeface="Times New Roman" panose="02020603050405020304" pitchFamily="18" charset="0"/>
-              </a:rPr>
-              <a:t>usulan</a:t>
-            </a:r>
-            <a:r>
-              <a:rPr lang="en-US" sz="1800" dirty="0">
-                <a:effectLst/>
-                <a:latin typeface="Raleway" pitchFamily="2" charset="0"/>
-                <a:ea typeface="Times New Roman" panose="02020603050405020304" pitchFamily="18" charset="0"/>
-                <a:cs typeface="Times New Roman" panose="02020603050405020304" pitchFamily="18" charset="0"/>
-              </a:rPr>
-              <a:t> </a:t>
-            </a:r>
-            <a:r>
-              <a:rPr lang="en-US" sz="1800" dirty="0" err="1">
-                <a:effectLst/>
-                <a:latin typeface="Raleway" pitchFamily="2" charset="0"/>
-                <a:ea typeface="Times New Roman" panose="02020603050405020304" pitchFamily="18" charset="0"/>
-                <a:cs typeface="Times New Roman" panose="02020603050405020304" pitchFamily="18" charset="0"/>
-              </a:rPr>
-              <a:t>masuk</a:t>
-            </a:r>
-            <a:r>
-              <a:rPr lang="en-US" sz="1800" dirty="0">
-                <a:effectLst/>
-                <a:latin typeface="Raleway" pitchFamily="2" charset="0"/>
-                <a:ea typeface="Times New Roman" panose="02020603050405020304" pitchFamily="18" charset="0"/>
-                <a:cs typeface="Times New Roman" panose="02020603050405020304" pitchFamily="18" charset="0"/>
-              </a:rPr>
-              <a:t> </a:t>
-            </a:r>
-            <a:r>
-              <a:rPr lang="en-US" sz="1800" dirty="0" err="1">
-                <a:effectLst/>
-                <a:latin typeface="Raleway" pitchFamily="2" charset="0"/>
-                <a:ea typeface="Times New Roman" panose="02020603050405020304" pitchFamily="18" charset="0"/>
-                <a:cs typeface="Times New Roman" panose="02020603050405020304" pitchFamily="18" charset="0"/>
-              </a:rPr>
-              <a:t>dalam</a:t>
-            </a:r>
-            <a:r>
-              <a:rPr lang="en-US" sz="1800" dirty="0">
-                <a:effectLst/>
-                <a:latin typeface="Raleway" pitchFamily="2" charset="0"/>
-                <a:ea typeface="Times New Roman" panose="02020603050405020304" pitchFamily="18" charset="0"/>
-                <a:cs typeface="Times New Roman" panose="02020603050405020304" pitchFamily="18" charset="0"/>
-              </a:rPr>
-              <a:t> </a:t>
-            </a:r>
-            <a:r>
-              <a:rPr lang="en-US" sz="1800" dirty="0" err="1">
-                <a:effectLst/>
-                <a:latin typeface="Raleway" pitchFamily="2" charset="0"/>
-                <a:ea typeface="Times New Roman" panose="02020603050405020304" pitchFamily="18" charset="0"/>
-                <a:cs typeface="Times New Roman" panose="02020603050405020304" pitchFamily="18" charset="0"/>
-              </a:rPr>
-              <a:t>kategori</a:t>
-            </a:r>
-            <a:r>
-              <a:rPr lang="en-US" sz="1800" dirty="0">
-                <a:effectLst/>
-                <a:latin typeface="Raleway" pitchFamily="2" charset="0"/>
-                <a:ea typeface="Times New Roman" panose="02020603050405020304" pitchFamily="18" charset="0"/>
-                <a:cs typeface="Times New Roman" panose="02020603050405020304" pitchFamily="18" charset="0"/>
-              </a:rPr>
-              <a:t> </a:t>
-            </a:r>
-            <a:r>
-              <a:rPr lang="en-US" sz="1800" dirty="0" err="1">
-                <a:effectLst/>
-                <a:latin typeface="Raleway" pitchFamily="2" charset="0"/>
-                <a:ea typeface="Times New Roman" panose="02020603050405020304" pitchFamily="18" charset="0"/>
-                <a:cs typeface="Times New Roman" panose="02020603050405020304" pitchFamily="18" charset="0"/>
-              </a:rPr>
-              <a:t>penerimaan</a:t>
-            </a:r>
-            <a:r>
-              <a:rPr lang="en-US" sz="1800" dirty="0">
-                <a:effectLst/>
-                <a:latin typeface="Raleway" pitchFamily="2" charset="0"/>
-                <a:ea typeface="Times New Roman" panose="02020603050405020304" pitchFamily="18" charset="0"/>
-                <a:cs typeface="Times New Roman" panose="02020603050405020304" pitchFamily="18" charset="0"/>
-              </a:rPr>
-              <a:t> yang </a:t>
-            </a:r>
-            <a:r>
-              <a:rPr lang="en-US" sz="1800" dirty="0" err="1">
-                <a:effectLst/>
-                <a:latin typeface="Raleway" pitchFamily="2" charset="0"/>
-                <a:ea typeface="Times New Roman" panose="02020603050405020304" pitchFamily="18" charset="0"/>
-                <a:cs typeface="Times New Roman" panose="02020603050405020304" pitchFamily="18" charset="0"/>
-              </a:rPr>
-              <a:t>rendah</a:t>
-            </a:r>
-            <a:r>
-              <a:rPr lang="en-US" sz="1800" dirty="0">
-                <a:effectLst/>
-                <a:latin typeface="Raleway" pitchFamily="2" charset="0"/>
-                <a:ea typeface="Times New Roman" panose="02020603050405020304" pitchFamily="18" charset="0"/>
-                <a:cs typeface="Times New Roman" panose="02020603050405020304" pitchFamily="18" charset="0"/>
-              </a:rPr>
-              <a:t> </a:t>
-            </a:r>
-            <a:r>
-              <a:rPr lang="en-US" sz="1800" dirty="0" err="1">
-                <a:effectLst/>
-                <a:latin typeface="Raleway" pitchFamily="2" charset="0"/>
-                <a:ea typeface="Times New Roman" panose="02020603050405020304" pitchFamily="18" charset="0"/>
-                <a:cs typeface="Times New Roman" panose="02020603050405020304" pitchFamily="18" charset="0"/>
-              </a:rPr>
-              <a:t>dengan</a:t>
-            </a:r>
-            <a:r>
-              <a:rPr lang="en-US" sz="1800" dirty="0">
-                <a:effectLst/>
-                <a:latin typeface="Raleway" pitchFamily="2" charset="0"/>
-                <a:ea typeface="Times New Roman" panose="02020603050405020304" pitchFamily="18" charset="0"/>
-                <a:cs typeface="Times New Roman" panose="02020603050405020304" pitchFamily="18" charset="0"/>
-              </a:rPr>
-              <a:t> marginal yang </a:t>
-            </a:r>
-            <a:r>
-              <a:rPr lang="en-US" sz="1800" dirty="0" err="1">
-                <a:effectLst/>
-                <a:latin typeface="Raleway" pitchFamily="2" charset="0"/>
-                <a:ea typeface="Times New Roman" panose="02020603050405020304" pitchFamily="18" charset="0"/>
-                <a:cs typeface="Times New Roman" panose="02020603050405020304" pitchFamily="18" charset="0"/>
-              </a:rPr>
-              <a:t>tinggi</a:t>
-            </a:r>
-            <a:r>
-              <a:rPr lang="en-US" sz="1800" dirty="0">
-                <a:effectLst/>
-                <a:latin typeface="Raleway" pitchFamily="2" charset="0"/>
-                <a:ea typeface="Times New Roman" panose="02020603050405020304" pitchFamily="18" charset="0"/>
-                <a:cs typeface="Times New Roman" panose="02020603050405020304" pitchFamily="18" charset="0"/>
-              </a:rPr>
-              <a:t> </a:t>
-            </a:r>
-            <a:r>
-              <a:rPr lang="en-US" sz="1800" dirty="0" err="1">
-                <a:effectLst/>
-                <a:latin typeface="Raleway" pitchFamily="2" charset="0"/>
-                <a:ea typeface="Times New Roman" panose="02020603050405020304" pitchFamily="18" charset="0"/>
-                <a:cs typeface="Times New Roman" panose="02020603050405020304" pitchFamily="18" charset="0"/>
-              </a:rPr>
-              <a:t>dibandingkan</a:t>
-            </a:r>
-            <a:r>
-              <a:rPr lang="en-US" sz="1800" dirty="0">
-                <a:effectLst/>
-                <a:latin typeface="Raleway" pitchFamily="2" charset="0"/>
-                <a:ea typeface="Times New Roman" panose="02020603050405020304" pitchFamily="18" charset="0"/>
-                <a:cs typeface="Times New Roman" panose="02020603050405020304" pitchFamily="18" charset="0"/>
-              </a:rPr>
-              <a:t> </a:t>
-            </a:r>
-            <a:r>
-              <a:rPr lang="en-US" sz="1800" dirty="0" err="1">
-                <a:effectLst/>
-                <a:latin typeface="Raleway" pitchFamily="2" charset="0"/>
-                <a:ea typeface="Times New Roman" panose="02020603050405020304" pitchFamily="18" charset="0"/>
-                <a:cs typeface="Times New Roman" panose="02020603050405020304" pitchFamily="18" charset="0"/>
-              </a:rPr>
-              <a:t>dengan</a:t>
-            </a:r>
-            <a:r>
-              <a:rPr lang="en-US" sz="1800" dirty="0">
-                <a:effectLst/>
-                <a:latin typeface="Raleway" pitchFamily="2" charset="0"/>
-                <a:ea typeface="Times New Roman" panose="02020603050405020304" pitchFamily="18" charset="0"/>
-                <a:cs typeface="Times New Roman" panose="02020603050405020304" pitchFamily="18" charset="0"/>
-              </a:rPr>
-              <a:t> </a:t>
-            </a:r>
-            <a:r>
-              <a:rPr lang="en-US" sz="1800" dirty="0" err="1">
-                <a:effectLst/>
-                <a:latin typeface="Raleway" pitchFamily="2" charset="0"/>
-                <a:ea typeface="Times New Roman" panose="02020603050405020304" pitchFamily="18" charset="0"/>
-                <a:cs typeface="Times New Roman" panose="02020603050405020304" pitchFamily="18" charset="0"/>
-              </a:rPr>
-              <a:t>aplikasi</a:t>
-            </a:r>
-            <a:r>
-              <a:rPr lang="en-US" sz="1800" dirty="0">
-                <a:effectLst/>
-                <a:latin typeface="Raleway" pitchFamily="2" charset="0"/>
-                <a:ea typeface="Times New Roman" panose="02020603050405020304" pitchFamily="18" charset="0"/>
-                <a:cs typeface="Times New Roman" panose="02020603050405020304" pitchFamily="18" charset="0"/>
-              </a:rPr>
-              <a:t> </a:t>
-            </a:r>
-            <a:r>
-              <a:rPr lang="en-US" sz="1800" dirty="0" err="1">
-                <a:effectLst/>
-                <a:latin typeface="Raleway" pitchFamily="2" charset="0"/>
-                <a:ea typeface="Times New Roman" panose="02020603050405020304" pitchFamily="18" charset="0"/>
-                <a:cs typeface="Times New Roman" panose="02020603050405020304" pitchFamily="18" charset="0"/>
-              </a:rPr>
-              <a:t>todo_docket</a:t>
-            </a:r>
-            <a:r>
-              <a:rPr lang="en-US" sz="1800" dirty="0">
-                <a:effectLst/>
-                <a:latin typeface="Raleway" pitchFamily="2" charset="0"/>
-                <a:ea typeface="Times New Roman" panose="02020603050405020304" pitchFamily="18" charset="0"/>
-                <a:cs typeface="Times New Roman" panose="02020603050405020304" pitchFamily="18" charset="0"/>
-              </a:rPr>
-              <a:t> yang </a:t>
-            </a:r>
-            <a:r>
-              <a:rPr lang="en-US" sz="1800" dirty="0" err="1">
-                <a:effectLst/>
-                <a:latin typeface="Raleway" pitchFamily="2" charset="0"/>
-                <a:ea typeface="Times New Roman" panose="02020603050405020304" pitchFamily="18" charset="0"/>
-                <a:cs typeface="Times New Roman" panose="02020603050405020304" pitchFamily="18" charset="0"/>
-              </a:rPr>
-              <a:t>masuk</a:t>
-            </a:r>
-            <a:r>
-              <a:rPr lang="en-US" sz="1800" dirty="0">
-                <a:effectLst/>
-                <a:latin typeface="Raleway" pitchFamily="2" charset="0"/>
-                <a:ea typeface="Times New Roman" panose="02020603050405020304" pitchFamily="18" charset="0"/>
-                <a:cs typeface="Times New Roman" panose="02020603050405020304" pitchFamily="18" charset="0"/>
-              </a:rPr>
-              <a:t> pada </a:t>
-            </a:r>
-            <a:r>
-              <a:rPr lang="en-US" sz="1800" dirty="0" err="1">
-                <a:effectLst/>
-                <a:latin typeface="Raleway" pitchFamily="2" charset="0"/>
-                <a:ea typeface="Times New Roman" panose="02020603050405020304" pitchFamily="18" charset="0"/>
-                <a:cs typeface="Times New Roman" panose="02020603050405020304" pitchFamily="18" charset="0"/>
-              </a:rPr>
-              <a:t>tingkat</a:t>
-            </a:r>
-            <a:r>
-              <a:rPr lang="en-US" sz="1800" dirty="0">
-                <a:effectLst/>
-                <a:latin typeface="Raleway" pitchFamily="2" charset="0"/>
-                <a:ea typeface="Times New Roman" panose="02020603050405020304" pitchFamily="18" charset="0"/>
-                <a:cs typeface="Times New Roman" panose="02020603050405020304" pitchFamily="18" charset="0"/>
-              </a:rPr>
-              <a:t> </a:t>
-            </a:r>
-            <a:r>
-              <a:rPr lang="en-US" sz="1800" dirty="0" err="1">
-                <a:effectLst/>
-                <a:latin typeface="Raleway" pitchFamily="2" charset="0"/>
-                <a:ea typeface="Times New Roman" panose="02020603050405020304" pitchFamily="18" charset="0"/>
-                <a:cs typeface="Times New Roman" panose="02020603050405020304" pitchFamily="18" charset="0"/>
-              </a:rPr>
-              <a:t>penerimaan</a:t>
-            </a:r>
-            <a:r>
-              <a:rPr lang="en-US" sz="1800" dirty="0">
-                <a:effectLst/>
-                <a:latin typeface="Raleway" pitchFamily="2" charset="0"/>
-                <a:ea typeface="Times New Roman" panose="02020603050405020304" pitchFamily="18" charset="0"/>
-                <a:cs typeface="Times New Roman" panose="02020603050405020304" pitchFamily="18" charset="0"/>
-              </a:rPr>
-              <a:t> yang </a:t>
-            </a:r>
-            <a:r>
-              <a:rPr lang="en-US" sz="1800" dirty="0" err="1">
-                <a:effectLst/>
-                <a:latin typeface="Raleway" pitchFamily="2" charset="0"/>
-                <a:ea typeface="Times New Roman" panose="02020603050405020304" pitchFamily="18" charset="0"/>
-                <a:cs typeface="Times New Roman" panose="02020603050405020304" pitchFamily="18" charset="0"/>
-              </a:rPr>
-              <a:t>baik</a:t>
-            </a:r>
-            <a:endParaRPr lang="en-US" sz="1800" i="1" dirty="0">
-              <a:effectLst/>
-              <a:latin typeface="Raleway" pitchFamily="2" charset="0"/>
-              <a:ea typeface="Times New Roman" panose="02020603050405020304" pitchFamily="18" charset="0"/>
-              <a:cs typeface="Times New Roman" panose="02020603050405020304" pitchFamily="18" charset="0"/>
-            </a:endParaRPr>
-          </a:p>
-          <a:p>
-            <a:r>
-              <a:rPr lang="en-US" sz="1800" dirty="0" err="1">
-                <a:effectLst/>
-                <a:latin typeface="Raleway" pitchFamily="2" charset="0"/>
-                <a:ea typeface="Times New Roman" panose="02020603050405020304" pitchFamily="18" charset="0"/>
-                <a:cs typeface="Times New Roman" panose="02020603050405020304" pitchFamily="18" charset="0"/>
-              </a:rPr>
-              <a:t>Faktor</a:t>
-            </a:r>
-            <a:r>
-              <a:rPr lang="en-US" sz="1800" dirty="0">
-                <a:effectLst/>
-                <a:latin typeface="Raleway" pitchFamily="2" charset="0"/>
-                <a:ea typeface="Times New Roman" panose="02020603050405020304" pitchFamily="18" charset="0"/>
-                <a:cs typeface="Times New Roman" panose="02020603050405020304" pitchFamily="18" charset="0"/>
-              </a:rPr>
-              <a:t> </a:t>
-            </a:r>
-            <a:r>
-              <a:rPr lang="en-US" sz="1800" dirty="0" err="1">
-                <a:effectLst/>
-                <a:latin typeface="Raleway" pitchFamily="2" charset="0"/>
-                <a:ea typeface="Times New Roman" panose="02020603050405020304" pitchFamily="18" charset="0"/>
-                <a:cs typeface="Times New Roman" panose="02020603050405020304" pitchFamily="18" charset="0"/>
-              </a:rPr>
-              <a:t>perbedaan</a:t>
-            </a:r>
-            <a:r>
-              <a:rPr lang="en-US" sz="1800" dirty="0">
-                <a:effectLst/>
-                <a:latin typeface="Raleway" pitchFamily="2" charset="0"/>
-                <a:ea typeface="Times New Roman" panose="02020603050405020304" pitchFamily="18" charset="0"/>
-                <a:cs typeface="Times New Roman" panose="02020603050405020304" pitchFamily="18" charset="0"/>
-              </a:rPr>
-              <a:t> </a:t>
-            </a:r>
-            <a:r>
-              <a:rPr lang="en-US" sz="1800" dirty="0" err="1">
-                <a:effectLst/>
-                <a:latin typeface="Raleway" pitchFamily="2" charset="0"/>
-                <a:ea typeface="Times New Roman" panose="02020603050405020304" pitchFamily="18" charset="0"/>
-                <a:cs typeface="Times New Roman" panose="02020603050405020304" pitchFamily="18" charset="0"/>
-              </a:rPr>
-              <a:t>antara</a:t>
-            </a:r>
-            <a:r>
-              <a:rPr lang="en-US" sz="1800" dirty="0">
-                <a:effectLst/>
-                <a:latin typeface="Raleway" pitchFamily="2" charset="0"/>
-                <a:ea typeface="Times New Roman" panose="02020603050405020304" pitchFamily="18" charset="0"/>
-                <a:cs typeface="Times New Roman" panose="02020603050405020304" pitchFamily="18" charset="0"/>
-              </a:rPr>
-              <a:t> </a:t>
-            </a:r>
-            <a:r>
-              <a:rPr lang="en-US" sz="1800" dirty="0" err="1">
-                <a:effectLst/>
-                <a:latin typeface="Raleway" pitchFamily="2" charset="0"/>
-                <a:ea typeface="Times New Roman" panose="02020603050405020304" pitchFamily="18" charset="0"/>
-                <a:cs typeface="Times New Roman" panose="02020603050405020304" pitchFamily="18" charset="0"/>
-              </a:rPr>
-              <a:t>antarmuka</a:t>
-            </a:r>
-            <a:r>
-              <a:rPr lang="en-US" sz="1800" dirty="0">
-                <a:effectLst/>
-                <a:latin typeface="Raleway" pitchFamily="2" charset="0"/>
-                <a:ea typeface="Times New Roman" panose="02020603050405020304" pitchFamily="18" charset="0"/>
-                <a:cs typeface="Times New Roman" panose="02020603050405020304" pitchFamily="18" charset="0"/>
-              </a:rPr>
-              <a:t> </a:t>
-            </a:r>
-            <a:r>
-              <a:rPr lang="en-US" sz="1800" dirty="0" err="1">
-                <a:effectLst/>
-                <a:latin typeface="Raleway" pitchFamily="2" charset="0"/>
-                <a:ea typeface="Times New Roman" panose="02020603050405020304" pitchFamily="18" charset="0"/>
-                <a:cs typeface="Times New Roman" panose="02020603050405020304" pitchFamily="18" charset="0"/>
-              </a:rPr>
-              <a:t>berebasis</a:t>
-            </a:r>
-            <a:r>
-              <a:rPr lang="en-US" sz="1800" dirty="0">
-                <a:effectLst/>
-                <a:latin typeface="Raleway" pitchFamily="2" charset="0"/>
-                <a:ea typeface="Times New Roman" panose="02020603050405020304" pitchFamily="18" charset="0"/>
-                <a:cs typeface="Times New Roman" panose="02020603050405020304" pitchFamily="18" charset="0"/>
-              </a:rPr>
-              <a:t> </a:t>
-            </a:r>
-            <a:r>
-              <a:rPr lang="en-US" sz="1800" dirty="0" err="1">
-                <a:effectLst/>
-                <a:latin typeface="Raleway" pitchFamily="2" charset="0"/>
-                <a:ea typeface="Times New Roman" panose="02020603050405020304" pitchFamily="18" charset="0"/>
-                <a:cs typeface="Times New Roman" panose="02020603050405020304" pitchFamily="18" charset="0"/>
-              </a:rPr>
-              <a:t>teks</a:t>
-            </a:r>
-            <a:r>
-              <a:rPr lang="en-US" sz="1800" dirty="0">
-                <a:effectLst/>
-                <a:latin typeface="Raleway" pitchFamily="2" charset="0"/>
-                <a:ea typeface="Times New Roman" panose="02020603050405020304" pitchFamily="18" charset="0"/>
-                <a:cs typeface="Times New Roman" panose="02020603050405020304" pitchFamily="18" charset="0"/>
-              </a:rPr>
-              <a:t> dan </a:t>
-            </a:r>
-            <a:r>
-              <a:rPr lang="en-US" sz="1800" dirty="0" err="1">
-                <a:effectLst/>
-                <a:latin typeface="Raleway" pitchFamily="2" charset="0"/>
-                <a:ea typeface="Times New Roman" panose="02020603050405020304" pitchFamily="18" charset="0"/>
-                <a:cs typeface="Times New Roman" panose="02020603050405020304" pitchFamily="18" charset="0"/>
-              </a:rPr>
-              <a:t>suara</a:t>
-            </a:r>
-            <a:r>
-              <a:rPr lang="en-US" sz="1800" dirty="0">
-                <a:effectLst/>
-                <a:latin typeface="Raleway" pitchFamily="2" charset="0"/>
-                <a:ea typeface="Times New Roman" panose="02020603050405020304" pitchFamily="18" charset="0"/>
-                <a:cs typeface="Times New Roman" panose="02020603050405020304" pitchFamily="18" charset="0"/>
-              </a:rPr>
-              <a:t> dan </a:t>
-            </a:r>
-            <a:r>
-              <a:rPr lang="en-US" sz="1800" dirty="0" err="1">
-                <a:effectLst/>
-                <a:latin typeface="Raleway" pitchFamily="2" charset="0"/>
-                <a:ea typeface="Times New Roman" panose="02020603050405020304" pitchFamily="18" charset="0"/>
-                <a:cs typeface="Times New Roman" panose="02020603050405020304" pitchFamily="18" charset="0"/>
-              </a:rPr>
-              <a:t>pekerjeaan</a:t>
-            </a:r>
-            <a:r>
-              <a:rPr lang="en-US" sz="1800" dirty="0">
-                <a:effectLst/>
-                <a:latin typeface="Raleway" pitchFamily="2" charset="0"/>
-                <a:ea typeface="Times New Roman" panose="02020603050405020304" pitchFamily="18" charset="0"/>
-                <a:cs typeface="Times New Roman" panose="02020603050405020304" pitchFamily="18" charset="0"/>
-              </a:rPr>
-              <a:t> </a:t>
-            </a:r>
-            <a:r>
-              <a:rPr lang="en-US" sz="1800" dirty="0" err="1">
-                <a:effectLst/>
-                <a:latin typeface="Raleway" pitchFamily="2" charset="0"/>
-                <a:ea typeface="Times New Roman" panose="02020603050405020304" pitchFamily="18" charset="0"/>
-                <a:cs typeface="Times New Roman" panose="02020603050405020304" pitchFamily="18" charset="0"/>
-              </a:rPr>
-              <a:t>menunjukkan</a:t>
-            </a:r>
-            <a:r>
-              <a:rPr lang="en-US" sz="1800" dirty="0">
-                <a:effectLst/>
-                <a:latin typeface="Raleway" pitchFamily="2" charset="0"/>
-                <a:ea typeface="Times New Roman" panose="02020603050405020304" pitchFamily="18" charset="0"/>
-                <a:cs typeface="Times New Roman" panose="02020603050405020304" pitchFamily="18" charset="0"/>
-              </a:rPr>
-              <a:t> </a:t>
-            </a:r>
-            <a:r>
-              <a:rPr lang="en-US" sz="1800" dirty="0" err="1">
-                <a:effectLst/>
-                <a:latin typeface="Raleway" pitchFamily="2" charset="0"/>
-                <a:ea typeface="Times New Roman" panose="02020603050405020304" pitchFamily="18" charset="0"/>
-                <a:cs typeface="Times New Roman" panose="02020603050405020304" pitchFamily="18" charset="0"/>
-              </a:rPr>
-              <a:t>tidak</a:t>
-            </a:r>
-            <a:r>
-              <a:rPr lang="en-US" sz="1800" dirty="0">
-                <a:effectLst/>
-                <a:latin typeface="Raleway" pitchFamily="2" charset="0"/>
-                <a:ea typeface="Times New Roman" panose="02020603050405020304" pitchFamily="18" charset="0"/>
-                <a:cs typeface="Times New Roman" panose="02020603050405020304" pitchFamily="18" charset="0"/>
-              </a:rPr>
-              <a:t> </a:t>
-            </a:r>
-            <a:r>
-              <a:rPr lang="en-US" sz="1800" dirty="0" err="1">
-                <a:effectLst/>
-                <a:latin typeface="Raleway" pitchFamily="2" charset="0"/>
-                <a:ea typeface="Times New Roman" panose="02020603050405020304" pitchFamily="18" charset="0"/>
-                <a:cs typeface="Times New Roman" panose="02020603050405020304" pitchFamily="18" charset="0"/>
-              </a:rPr>
-              <a:t>adanya</a:t>
-            </a:r>
-            <a:r>
-              <a:rPr lang="en-US" sz="1800" dirty="0">
-                <a:effectLst/>
-                <a:latin typeface="Raleway" pitchFamily="2" charset="0"/>
-                <a:ea typeface="Times New Roman" panose="02020603050405020304" pitchFamily="18" charset="0"/>
-                <a:cs typeface="Times New Roman" panose="02020603050405020304" pitchFamily="18" charset="0"/>
-              </a:rPr>
-              <a:t> </a:t>
-            </a:r>
-            <a:r>
-              <a:rPr lang="en-US" sz="1800" dirty="0" err="1">
-                <a:effectLst/>
-                <a:latin typeface="Raleway" pitchFamily="2" charset="0"/>
-                <a:ea typeface="Times New Roman" panose="02020603050405020304" pitchFamily="18" charset="0"/>
-                <a:cs typeface="Times New Roman" panose="02020603050405020304" pitchFamily="18" charset="0"/>
-              </a:rPr>
-              <a:t>signifikansi</a:t>
-            </a:r>
-            <a:r>
-              <a:rPr lang="en-US" sz="1800" dirty="0">
-                <a:effectLst/>
-                <a:latin typeface="Raleway" pitchFamily="2" charset="0"/>
-                <a:ea typeface="Times New Roman" panose="02020603050405020304" pitchFamily="18" charset="0"/>
-                <a:cs typeface="Times New Roman" panose="02020603050405020304" pitchFamily="18" charset="0"/>
-              </a:rPr>
-              <a:t> </a:t>
-            </a:r>
-            <a:r>
-              <a:rPr lang="en-US" sz="1800" dirty="0" err="1">
-                <a:effectLst/>
-                <a:latin typeface="Raleway" pitchFamily="2" charset="0"/>
-                <a:ea typeface="Times New Roman" panose="02020603050405020304" pitchFamily="18" charset="0"/>
-                <a:cs typeface="Times New Roman" panose="02020603050405020304" pitchFamily="18" charset="0"/>
-              </a:rPr>
-              <a:t>terhadap</a:t>
-            </a:r>
-            <a:r>
-              <a:rPr lang="en-US" sz="1800" dirty="0">
-                <a:effectLst/>
-                <a:latin typeface="Raleway" pitchFamily="2" charset="0"/>
-                <a:ea typeface="Times New Roman" panose="02020603050405020304" pitchFamily="18" charset="0"/>
-                <a:cs typeface="Times New Roman" panose="02020603050405020304" pitchFamily="18" charset="0"/>
-              </a:rPr>
-              <a:t> </a:t>
-            </a:r>
-            <a:r>
-              <a:rPr lang="en-US" sz="1800" dirty="0" err="1">
-                <a:effectLst/>
-                <a:latin typeface="Raleway" pitchFamily="2" charset="0"/>
-                <a:ea typeface="Times New Roman" panose="02020603050405020304" pitchFamily="18" charset="0"/>
-                <a:cs typeface="Times New Roman" panose="02020603050405020304" pitchFamily="18" charset="0"/>
-              </a:rPr>
-              <a:t>penggunaan</a:t>
-            </a:r>
-            <a:r>
-              <a:rPr lang="en-US" sz="1800" dirty="0">
-                <a:effectLst/>
-                <a:latin typeface="Raleway" pitchFamily="2" charset="0"/>
-                <a:ea typeface="Times New Roman" panose="02020603050405020304" pitchFamily="18" charset="0"/>
-                <a:cs typeface="Times New Roman" panose="02020603050405020304" pitchFamily="18" charset="0"/>
-              </a:rPr>
-              <a:t> </a:t>
-            </a:r>
-            <a:r>
-              <a:rPr lang="en-US" sz="1800" dirty="0" err="1">
-                <a:effectLst/>
-                <a:latin typeface="Raleway" pitchFamily="2" charset="0"/>
-                <a:ea typeface="Times New Roman" panose="02020603050405020304" pitchFamily="18" charset="0"/>
-                <a:cs typeface="Times New Roman" panose="02020603050405020304" pitchFamily="18" charset="0"/>
-              </a:rPr>
-              <a:t>aplikasi</a:t>
-            </a:r>
-            <a:r>
-              <a:rPr lang="en-US" sz="1800" dirty="0">
-                <a:effectLst/>
-                <a:latin typeface="Raleway" pitchFamily="2" charset="0"/>
-                <a:ea typeface="Times New Roman" panose="02020603050405020304" pitchFamily="18" charset="0"/>
-                <a:cs typeface="Times New Roman" panose="02020603050405020304" pitchFamily="18" charset="0"/>
-              </a:rPr>
-              <a:t>. </a:t>
-            </a:r>
-          </a:p>
-          <a:p>
-            <a:r>
-              <a:rPr lang="en-US" sz="1800" dirty="0" err="1">
-                <a:effectLst/>
-                <a:latin typeface="Raleway" pitchFamily="2" charset="0"/>
-                <a:ea typeface="Times New Roman" panose="02020603050405020304" pitchFamily="18" charset="0"/>
-                <a:cs typeface="Times New Roman" panose="02020603050405020304" pitchFamily="18" charset="0"/>
-              </a:rPr>
-              <a:t>faktor</a:t>
-            </a:r>
-            <a:r>
-              <a:rPr lang="en-US" sz="1800" dirty="0">
-                <a:effectLst/>
-                <a:latin typeface="Raleway" pitchFamily="2" charset="0"/>
-                <a:ea typeface="Times New Roman" panose="02020603050405020304" pitchFamily="18" charset="0"/>
-                <a:cs typeface="Times New Roman" panose="02020603050405020304" pitchFamily="18" charset="0"/>
-              </a:rPr>
-              <a:t> gender </a:t>
-            </a:r>
-            <a:r>
-              <a:rPr lang="en-US" sz="1800" dirty="0" err="1">
-                <a:effectLst/>
-                <a:latin typeface="Raleway" pitchFamily="2" charset="0"/>
-                <a:ea typeface="Times New Roman" panose="02020603050405020304" pitchFamily="18" charset="0"/>
-                <a:cs typeface="Times New Roman" panose="02020603050405020304" pitchFamily="18" charset="0"/>
-              </a:rPr>
-              <a:t>menunjukkan</a:t>
-            </a:r>
-            <a:r>
-              <a:rPr lang="en-US" sz="1800" dirty="0">
-                <a:effectLst/>
-                <a:latin typeface="Raleway" pitchFamily="2" charset="0"/>
-                <a:ea typeface="Times New Roman" panose="02020603050405020304" pitchFamily="18" charset="0"/>
-                <a:cs typeface="Times New Roman" panose="02020603050405020304" pitchFamily="18" charset="0"/>
-              </a:rPr>
-              <a:t> </a:t>
-            </a:r>
-            <a:r>
-              <a:rPr lang="en-US" sz="1800" dirty="0" err="1">
-                <a:effectLst/>
-                <a:latin typeface="Raleway" pitchFamily="2" charset="0"/>
-                <a:ea typeface="Times New Roman" panose="02020603050405020304" pitchFamily="18" charset="0"/>
-                <a:cs typeface="Times New Roman" panose="02020603050405020304" pitchFamily="18" charset="0"/>
-              </a:rPr>
-              <a:t>adanya</a:t>
-            </a:r>
-            <a:r>
-              <a:rPr lang="en-US" sz="1800" dirty="0">
-                <a:effectLst/>
-                <a:latin typeface="Raleway" pitchFamily="2" charset="0"/>
-                <a:ea typeface="Times New Roman" panose="02020603050405020304" pitchFamily="18" charset="0"/>
-                <a:cs typeface="Times New Roman" panose="02020603050405020304" pitchFamily="18" charset="0"/>
-              </a:rPr>
-              <a:t> </a:t>
-            </a:r>
-            <a:r>
-              <a:rPr lang="en-US" sz="1800" dirty="0" err="1">
-                <a:effectLst/>
-                <a:latin typeface="Raleway" pitchFamily="2" charset="0"/>
-                <a:ea typeface="Times New Roman" panose="02020603050405020304" pitchFamily="18" charset="0"/>
-                <a:cs typeface="Times New Roman" panose="02020603050405020304" pitchFamily="18" charset="0"/>
-              </a:rPr>
-              <a:t>perbedaan</a:t>
-            </a:r>
-            <a:r>
-              <a:rPr lang="en-US" sz="1800" dirty="0">
-                <a:effectLst/>
-                <a:latin typeface="Raleway" pitchFamily="2" charset="0"/>
-                <a:ea typeface="Times New Roman" panose="02020603050405020304" pitchFamily="18" charset="0"/>
-                <a:cs typeface="Times New Roman" panose="02020603050405020304" pitchFamily="18" charset="0"/>
-              </a:rPr>
-              <a:t> </a:t>
-            </a:r>
-            <a:r>
-              <a:rPr lang="en-US" sz="1800" dirty="0" err="1">
-                <a:effectLst/>
-                <a:latin typeface="Raleway" pitchFamily="2" charset="0"/>
-                <a:ea typeface="Times New Roman" panose="02020603050405020304" pitchFamily="18" charset="0"/>
-                <a:cs typeface="Times New Roman" panose="02020603050405020304" pitchFamily="18" charset="0"/>
-              </a:rPr>
-              <a:t>signifikan</a:t>
-            </a:r>
-            <a:r>
-              <a:rPr lang="en-US" sz="1800" dirty="0">
-                <a:effectLst/>
-                <a:latin typeface="Raleway" pitchFamily="2" charset="0"/>
-                <a:ea typeface="Times New Roman" panose="02020603050405020304" pitchFamily="18" charset="0"/>
-                <a:cs typeface="Times New Roman" panose="02020603050405020304" pitchFamily="18" charset="0"/>
-              </a:rPr>
-              <a:t> pada </a:t>
-            </a:r>
-            <a:r>
-              <a:rPr lang="en-US" sz="1800" dirty="0" err="1">
-                <a:effectLst/>
-                <a:latin typeface="Raleway" pitchFamily="2" charset="0"/>
-                <a:ea typeface="Times New Roman" panose="02020603050405020304" pitchFamily="18" charset="0"/>
-                <a:cs typeface="Times New Roman" panose="02020603050405020304" pitchFamily="18" charset="0"/>
-              </a:rPr>
-              <a:t>penggunaan</a:t>
-            </a:r>
-            <a:r>
-              <a:rPr lang="en-US" sz="1800" dirty="0">
-                <a:effectLst/>
-                <a:latin typeface="Raleway" pitchFamily="2" charset="0"/>
-                <a:ea typeface="Times New Roman" panose="02020603050405020304" pitchFamily="18" charset="0"/>
-                <a:cs typeface="Times New Roman" panose="02020603050405020304" pitchFamily="18" charset="0"/>
-              </a:rPr>
-              <a:t> </a:t>
-            </a:r>
-            <a:r>
-              <a:rPr lang="en-US" sz="1800" dirty="0" err="1">
-                <a:effectLst/>
-                <a:latin typeface="Raleway" pitchFamily="2" charset="0"/>
-                <a:ea typeface="Times New Roman" panose="02020603050405020304" pitchFamily="18" charset="0"/>
-                <a:cs typeface="Times New Roman" panose="02020603050405020304" pitchFamily="18" charset="0"/>
-              </a:rPr>
-              <a:t>aplikasi</a:t>
-            </a:r>
-            <a:r>
-              <a:rPr lang="en-US" sz="1800" dirty="0">
-                <a:effectLst/>
-                <a:latin typeface="Raleway" pitchFamily="2" charset="0"/>
-                <a:ea typeface="Times New Roman" panose="02020603050405020304" pitchFamily="18" charset="0"/>
-                <a:cs typeface="Times New Roman" panose="02020603050405020304" pitchFamily="18" charset="0"/>
-              </a:rPr>
-              <a:t> </a:t>
-            </a:r>
-            <a:r>
-              <a:rPr lang="en-US" sz="1800" dirty="0" err="1">
-                <a:effectLst/>
-                <a:latin typeface="Raleway" pitchFamily="2" charset="0"/>
-                <a:ea typeface="Times New Roman" panose="02020603050405020304" pitchFamily="18" charset="0"/>
-                <a:cs typeface="Times New Roman" panose="02020603050405020304" pitchFamily="18" charset="0"/>
-              </a:rPr>
-              <a:t>berdasarkan</a:t>
-            </a:r>
-            <a:r>
-              <a:rPr lang="en-US" sz="1800" dirty="0">
-                <a:effectLst/>
-                <a:latin typeface="Raleway" pitchFamily="2" charset="0"/>
-                <a:ea typeface="Times New Roman" panose="02020603050405020304" pitchFamily="18" charset="0"/>
-                <a:cs typeface="Times New Roman" panose="02020603050405020304" pitchFamily="18" charset="0"/>
-              </a:rPr>
-              <a:t> </a:t>
-            </a:r>
-            <a:r>
-              <a:rPr lang="en-US" sz="1800" dirty="0" err="1">
-                <a:effectLst/>
-                <a:latin typeface="Raleway" pitchFamily="2" charset="0"/>
-                <a:ea typeface="Times New Roman" panose="02020603050405020304" pitchFamily="18" charset="0"/>
-                <a:cs typeface="Times New Roman" panose="02020603050405020304" pitchFamily="18" charset="0"/>
-              </a:rPr>
-              <a:t>hasil</a:t>
-            </a:r>
-            <a:r>
-              <a:rPr lang="en-US" sz="1800" dirty="0">
-                <a:effectLst/>
-                <a:latin typeface="Raleway" pitchFamily="2" charset="0"/>
-                <a:ea typeface="Times New Roman" panose="02020603050405020304" pitchFamily="18" charset="0"/>
-                <a:cs typeface="Times New Roman" panose="02020603050405020304" pitchFamily="18" charset="0"/>
-              </a:rPr>
-              <a:t> uji </a:t>
-            </a:r>
-            <a:r>
-              <a:rPr lang="en-US" sz="1800" dirty="0" err="1">
-                <a:effectLst/>
-                <a:latin typeface="Raleway" pitchFamily="2" charset="0"/>
-                <a:ea typeface="Times New Roman" panose="02020603050405020304" pitchFamily="18" charset="0"/>
-                <a:cs typeface="Times New Roman" panose="02020603050405020304" pitchFamily="18" charset="0"/>
-              </a:rPr>
-              <a:t>menggunakan</a:t>
-            </a:r>
-            <a:r>
-              <a:rPr lang="en-US" sz="1800" dirty="0">
-                <a:effectLst/>
-                <a:latin typeface="Raleway" pitchFamily="2" charset="0"/>
-                <a:ea typeface="Times New Roman" panose="02020603050405020304" pitchFamily="18" charset="0"/>
-                <a:cs typeface="Times New Roman" panose="02020603050405020304" pitchFamily="18" charset="0"/>
-              </a:rPr>
-              <a:t> ANOVA. </a:t>
-            </a:r>
-          </a:p>
-          <a:p>
-            <a:r>
-              <a:rPr lang="en-US" sz="1800" dirty="0">
-                <a:effectLst/>
-                <a:latin typeface="Raleway" pitchFamily="2" charset="0"/>
-                <a:ea typeface="Times New Roman" panose="02020603050405020304" pitchFamily="18" charset="0"/>
-                <a:cs typeface="Times New Roman" panose="02020603050405020304" pitchFamily="18" charset="0"/>
-              </a:rPr>
-              <a:t>Hasil pada </a:t>
-            </a:r>
-            <a:r>
-              <a:rPr lang="en-US" sz="1800" dirty="0" err="1">
-                <a:effectLst/>
-                <a:latin typeface="Raleway" pitchFamily="2" charset="0"/>
-                <a:ea typeface="Times New Roman" panose="02020603050405020304" pitchFamily="18" charset="0"/>
-                <a:cs typeface="Times New Roman" panose="02020603050405020304" pitchFamily="18" charset="0"/>
-              </a:rPr>
-              <a:t>aplikasi</a:t>
-            </a:r>
-            <a:r>
-              <a:rPr lang="en-US" sz="1800" dirty="0">
-                <a:effectLst/>
-                <a:latin typeface="Raleway" pitchFamily="2" charset="0"/>
-                <a:ea typeface="Times New Roman" panose="02020603050405020304" pitchFamily="18" charset="0"/>
-                <a:cs typeface="Times New Roman" panose="02020603050405020304" pitchFamily="18" charset="0"/>
-              </a:rPr>
-              <a:t> </a:t>
-            </a:r>
-            <a:r>
-              <a:rPr lang="en-US" sz="1800" dirty="0" err="1">
-                <a:effectLst/>
-                <a:latin typeface="Raleway" pitchFamily="2" charset="0"/>
-                <a:ea typeface="Times New Roman" panose="02020603050405020304" pitchFamily="18" charset="0"/>
-                <a:cs typeface="Times New Roman" panose="02020603050405020304" pitchFamily="18" charset="0"/>
-              </a:rPr>
-              <a:t>usulan</a:t>
-            </a:r>
-            <a:r>
-              <a:rPr lang="en-US" sz="1800" dirty="0">
-                <a:effectLst/>
-                <a:latin typeface="Raleway" pitchFamily="2" charset="0"/>
-                <a:ea typeface="Times New Roman" panose="02020603050405020304" pitchFamily="18" charset="0"/>
-                <a:cs typeface="Times New Roman" panose="02020603050405020304" pitchFamily="18" charset="0"/>
-              </a:rPr>
-              <a:t> TO DO Voice </a:t>
-            </a:r>
-            <a:r>
-              <a:rPr lang="en-US" sz="1800" dirty="0" err="1">
-                <a:effectLst/>
-                <a:latin typeface="Raleway" pitchFamily="2" charset="0"/>
-                <a:ea typeface="Times New Roman" panose="02020603050405020304" pitchFamily="18" charset="0"/>
-                <a:cs typeface="Times New Roman" panose="02020603050405020304" pitchFamily="18" charset="0"/>
-              </a:rPr>
-              <a:t>tersebut</a:t>
-            </a:r>
-            <a:r>
-              <a:rPr lang="en-US" sz="1800" dirty="0">
-                <a:effectLst/>
-                <a:latin typeface="Raleway" pitchFamily="2" charset="0"/>
-                <a:ea typeface="Times New Roman" panose="02020603050405020304" pitchFamily="18" charset="0"/>
-                <a:cs typeface="Times New Roman" panose="02020603050405020304" pitchFamily="18" charset="0"/>
-              </a:rPr>
-              <a:t> </a:t>
-            </a:r>
-            <a:r>
-              <a:rPr lang="en-US" sz="1800" dirty="0" err="1">
-                <a:effectLst/>
-                <a:latin typeface="Raleway" pitchFamily="2" charset="0"/>
-                <a:ea typeface="Times New Roman" panose="02020603050405020304" pitchFamily="18" charset="0"/>
-                <a:cs typeface="Times New Roman" panose="02020603050405020304" pitchFamily="18" charset="0"/>
-              </a:rPr>
-              <a:t>mungkin</a:t>
-            </a:r>
-            <a:r>
-              <a:rPr lang="en-US" sz="1800" dirty="0">
-                <a:effectLst/>
-                <a:latin typeface="Raleway" pitchFamily="2" charset="0"/>
-                <a:ea typeface="Times New Roman" panose="02020603050405020304" pitchFamily="18" charset="0"/>
-                <a:cs typeface="Times New Roman" panose="02020603050405020304" pitchFamily="18" charset="0"/>
-              </a:rPr>
-              <a:t> </a:t>
-            </a:r>
-            <a:r>
-              <a:rPr lang="en-US" sz="1800" dirty="0" err="1">
-                <a:effectLst/>
-                <a:latin typeface="Raleway" pitchFamily="2" charset="0"/>
-                <a:ea typeface="Times New Roman" panose="02020603050405020304" pitchFamily="18" charset="0"/>
-                <a:cs typeface="Times New Roman" panose="02020603050405020304" pitchFamily="18" charset="0"/>
-              </a:rPr>
-              <a:t>dipengaruhi</a:t>
-            </a:r>
-            <a:r>
-              <a:rPr lang="en-US" sz="1800" dirty="0">
-                <a:effectLst/>
-                <a:latin typeface="Raleway" pitchFamily="2" charset="0"/>
-                <a:ea typeface="Times New Roman" panose="02020603050405020304" pitchFamily="18" charset="0"/>
-                <a:cs typeface="Times New Roman" panose="02020603050405020304" pitchFamily="18" charset="0"/>
-              </a:rPr>
-              <a:t> oleh </a:t>
-            </a:r>
-            <a:r>
-              <a:rPr lang="en-US" sz="1800" dirty="0" err="1">
-                <a:effectLst/>
-                <a:latin typeface="Raleway" pitchFamily="2" charset="0"/>
-                <a:ea typeface="Times New Roman" panose="02020603050405020304" pitchFamily="18" charset="0"/>
-                <a:cs typeface="Times New Roman" panose="02020603050405020304" pitchFamily="18" charset="0"/>
-              </a:rPr>
-              <a:t>penggunaan</a:t>
-            </a:r>
-            <a:r>
-              <a:rPr lang="en-US" sz="1800" dirty="0">
-                <a:effectLst/>
-                <a:latin typeface="Raleway" pitchFamily="2" charset="0"/>
-                <a:ea typeface="Times New Roman" panose="02020603050405020304" pitchFamily="18" charset="0"/>
-                <a:cs typeface="Times New Roman" panose="02020603050405020304" pitchFamily="18" charset="0"/>
-              </a:rPr>
-              <a:t> yang </a:t>
-            </a:r>
-            <a:r>
-              <a:rPr lang="en-US" sz="1800" dirty="0" err="1">
-                <a:effectLst/>
-                <a:latin typeface="Raleway" pitchFamily="2" charset="0"/>
-                <a:ea typeface="Times New Roman" panose="02020603050405020304" pitchFamily="18" charset="0"/>
-                <a:cs typeface="Times New Roman" panose="02020603050405020304" pitchFamily="18" charset="0"/>
-              </a:rPr>
-              <a:t>jarang</a:t>
-            </a:r>
-            <a:r>
-              <a:rPr lang="en-US" sz="1800" dirty="0">
-                <a:effectLst/>
-                <a:latin typeface="Raleway" pitchFamily="2" charset="0"/>
-                <a:ea typeface="Times New Roman" panose="02020603050405020304" pitchFamily="18" charset="0"/>
-                <a:cs typeface="Times New Roman" panose="02020603050405020304" pitchFamily="18" charset="0"/>
-              </a:rPr>
-              <a:t> </a:t>
-            </a:r>
-            <a:r>
-              <a:rPr lang="en-US" sz="1800" dirty="0" err="1">
-                <a:effectLst/>
-                <a:latin typeface="Raleway" pitchFamily="2" charset="0"/>
-                <a:ea typeface="Times New Roman" panose="02020603050405020304" pitchFamily="18" charset="0"/>
-                <a:cs typeface="Times New Roman" panose="02020603050405020304" pitchFamily="18" charset="0"/>
-              </a:rPr>
-              <a:t>sehingga</a:t>
-            </a:r>
-            <a:r>
-              <a:rPr lang="en-US" sz="1800" dirty="0">
-                <a:effectLst/>
-                <a:latin typeface="Raleway" pitchFamily="2" charset="0"/>
-                <a:ea typeface="Times New Roman" panose="02020603050405020304" pitchFamily="18" charset="0"/>
-                <a:cs typeface="Times New Roman" panose="02020603050405020304" pitchFamily="18" charset="0"/>
-              </a:rPr>
-              <a:t> </a:t>
-            </a:r>
-            <a:r>
-              <a:rPr lang="en-US" sz="1800" dirty="0" err="1">
-                <a:effectLst/>
-                <a:latin typeface="Raleway" pitchFamily="2" charset="0"/>
-                <a:ea typeface="Times New Roman" panose="02020603050405020304" pitchFamily="18" charset="0"/>
-                <a:cs typeface="Times New Roman" panose="02020603050405020304" pitchFamily="18" charset="0"/>
-              </a:rPr>
-              <a:t>perlu</a:t>
-            </a:r>
-            <a:r>
-              <a:rPr lang="en-US" sz="1800" dirty="0">
-                <a:effectLst/>
-                <a:latin typeface="Raleway" pitchFamily="2" charset="0"/>
-                <a:ea typeface="Times New Roman" panose="02020603050405020304" pitchFamily="18" charset="0"/>
-                <a:cs typeface="Times New Roman" panose="02020603050405020304" pitchFamily="18" charset="0"/>
-              </a:rPr>
-              <a:t> </a:t>
-            </a:r>
-            <a:r>
-              <a:rPr lang="en-US" sz="1800" dirty="0" err="1">
-                <a:effectLst/>
-                <a:latin typeface="Raleway" pitchFamily="2" charset="0"/>
-                <a:ea typeface="Times New Roman" panose="02020603050405020304" pitchFamily="18" charset="0"/>
-                <a:cs typeface="Times New Roman" panose="02020603050405020304" pitchFamily="18" charset="0"/>
-              </a:rPr>
-              <a:t>adanya</a:t>
-            </a:r>
-            <a:r>
-              <a:rPr lang="en-US" sz="1800" dirty="0">
-                <a:effectLst/>
-                <a:latin typeface="Raleway" pitchFamily="2" charset="0"/>
-                <a:ea typeface="Times New Roman" panose="02020603050405020304" pitchFamily="18" charset="0"/>
-                <a:cs typeface="Times New Roman" panose="02020603050405020304" pitchFamily="18" charset="0"/>
-              </a:rPr>
-              <a:t> </a:t>
-            </a:r>
-            <a:r>
-              <a:rPr lang="en-US" sz="1800" dirty="0" err="1">
-                <a:effectLst/>
-                <a:latin typeface="Raleway" pitchFamily="2" charset="0"/>
-                <a:ea typeface="Times New Roman" panose="02020603050405020304" pitchFamily="18" charset="0"/>
-                <a:cs typeface="Times New Roman" panose="02020603050405020304" pitchFamily="18" charset="0"/>
-              </a:rPr>
-              <a:t>kebiasaan</a:t>
-            </a:r>
-            <a:r>
-              <a:rPr lang="en-US" sz="1800" dirty="0">
-                <a:effectLst/>
-                <a:latin typeface="Raleway" pitchFamily="2" charset="0"/>
-                <a:ea typeface="Times New Roman" panose="02020603050405020304" pitchFamily="18" charset="0"/>
-                <a:cs typeface="Times New Roman" panose="02020603050405020304" pitchFamily="18" charset="0"/>
-              </a:rPr>
-              <a:t> </a:t>
-            </a:r>
-            <a:r>
-              <a:rPr lang="en-US" sz="1800" dirty="0" err="1">
-                <a:effectLst/>
-                <a:latin typeface="Raleway" pitchFamily="2" charset="0"/>
-                <a:ea typeface="Times New Roman" panose="02020603050405020304" pitchFamily="18" charset="0"/>
-                <a:cs typeface="Times New Roman" panose="02020603050405020304" pitchFamily="18" charset="0"/>
-              </a:rPr>
-              <a:t>dalam</a:t>
-            </a:r>
-            <a:r>
-              <a:rPr lang="en-US" sz="1800" dirty="0">
-                <a:effectLst/>
-                <a:latin typeface="Raleway" pitchFamily="2" charset="0"/>
-                <a:ea typeface="Times New Roman" panose="02020603050405020304" pitchFamily="18" charset="0"/>
-                <a:cs typeface="Times New Roman" panose="02020603050405020304" pitchFamily="18" charset="0"/>
-              </a:rPr>
-              <a:t> </a:t>
-            </a:r>
-            <a:r>
-              <a:rPr lang="en-US" sz="1800" dirty="0" err="1">
-                <a:effectLst/>
-                <a:latin typeface="Raleway" pitchFamily="2" charset="0"/>
-                <a:ea typeface="Times New Roman" panose="02020603050405020304" pitchFamily="18" charset="0"/>
-                <a:cs typeface="Times New Roman" panose="02020603050405020304" pitchFamily="18" charset="0"/>
-              </a:rPr>
-              <a:t>menggunakan</a:t>
-            </a:r>
-            <a:r>
-              <a:rPr lang="en-US" sz="1800" dirty="0">
-                <a:effectLst/>
-                <a:latin typeface="Raleway" pitchFamily="2" charset="0"/>
-                <a:ea typeface="Times New Roman" panose="02020603050405020304" pitchFamily="18" charset="0"/>
-                <a:cs typeface="Times New Roman" panose="02020603050405020304" pitchFamily="18" charset="0"/>
-              </a:rPr>
-              <a:t> </a:t>
-            </a:r>
-            <a:r>
-              <a:rPr lang="en-US" sz="1800" dirty="0" err="1">
-                <a:effectLst/>
-                <a:latin typeface="Raleway" pitchFamily="2" charset="0"/>
-                <a:ea typeface="Times New Roman" panose="02020603050405020304" pitchFamily="18" charset="0"/>
-                <a:cs typeface="Times New Roman" panose="02020603050405020304" pitchFamily="18" charset="0"/>
-              </a:rPr>
-              <a:t>aplikasi</a:t>
-            </a:r>
-            <a:endParaRPr lang="en-ID" dirty="0"/>
-          </a:p>
-        </p:txBody>
-      </p:sp>
-    </p:spTree>
-    <p:extLst>
-      <p:ext uri="{BB962C8B-B14F-4D97-AF65-F5344CB8AC3E}">
-        <p14:creationId xmlns:p14="http://schemas.microsoft.com/office/powerpoint/2010/main" val="263784652"/>
-      </p:ext>
-    </p:extLst>
-  </p:cSld>
-  <p:clrMapOvr>
-    <a:masterClrMapping/>
-  </p:clrMapOvr>
-</p:sld>
-</file>
-
 <file path=ppt/slides/slide15.xml><?xml version="1.0" encoding="utf-8"?>
 <p:sld xmlns:a="http://schemas.openxmlformats.org/drawingml/2006/main" xmlns:r="http://schemas.openxmlformats.org/officeDocument/2006/relationships" xmlns:p="http://schemas.openxmlformats.org/presentationml/2006/main">
   <p:cSld>
@@ -7583,6 +6403,1386 @@
           <a:p>
             <a:r>
               <a:rPr lang="en-US" dirty="0"/>
+              <a:t>Kesimpulan</a:t>
+            </a:r>
+          </a:p>
+        </p:txBody>
+      </p:sp>
+      <p:sp>
+        <p:nvSpPr>
+          <p:cNvPr id="5" name="Content Placeholder 4">
+            <a:extLst>
+              <a:ext uri="{FF2B5EF4-FFF2-40B4-BE49-F238E27FC236}">
+                <a16:creationId xmlns:a16="http://schemas.microsoft.com/office/drawing/2014/main" id="{C5F3CA41-07D1-5D9C-DB22-FA86C904EBA9}"/>
+              </a:ext>
+            </a:extLst>
+          </p:cNvPr>
+          <p:cNvSpPr>
+            <a:spLocks noGrp="1"/>
+          </p:cNvSpPr>
+          <p:nvPr>
+            <p:ph idx="1"/>
+          </p:nvPr>
+        </p:nvSpPr>
+        <p:spPr>
+          <a:xfrm>
+            <a:off x="581192" y="2160755"/>
+            <a:ext cx="11029615" cy="3634486"/>
+          </a:xfrm>
+        </p:spPr>
+        <p:txBody>
+          <a:bodyPr>
+            <a:normAutofit lnSpcReduction="10000"/>
+          </a:bodyPr>
+          <a:lstStyle/>
+          <a:p>
+            <a:r>
+              <a:rPr lang="en-US" sz="1800" dirty="0">
+                <a:effectLst/>
+                <a:latin typeface="Raleway" pitchFamily="2" charset="0"/>
+                <a:ea typeface="Times New Roman" panose="02020603050405020304" pitchFamily="18" charset="0"/>
+                <a:cs typeface="Times New Roman" panose="02020603050405020304" pitchFamily="18" charset="0"/>
+              </a:rPr>
+              <a:t>TO DO Voice </a:t>
+            </a:r>
+            <a:r>
+              <a:rPr lang="en-US" sz="1800" dirty="0" err="1">
+                <a:effectLst/>
+                <a:latin typeface="Raleway" pitchFamily="2" charset="0"/>
+                <a:ea typeface="Times New Roman" panose="02020603050405020304" pitchFamily="18" charset="0"/>
+                <a:cs typeface="Times New Roman" panose="02020603050405020304" pitchFamily="18" charset="0"/>
+              </a:rPr>
+              <a:t>memperoleh</a:t>
+            </a:r>
+            <a:r>
+              <a:rPr lang="en-US" sz="1800" dirty="0">
+                <a:effectLst/>
+                <a:latin typeface="Raleway" pitchFamily="2" charset="0"/>
+                <a:ea typeface="Times New Roman" panose="02020603050405020304" pitchFamily="18" charset="0"/>
+                <a:cs typeface="Times New Roman" panose="02020603050405020304" pitchFamily="18" charset="0"/>
+              </a:rPr>
+              <a:t> </a:t>
+            </a:r>
+            <a:r>
+              <a:rPr lang="en-US" sz="1800" dirty="0" err="1">
+                <a:effectLst/>
+                <a:latin typeface="Raleway" pitchFamily="2" charset="0"/>
+                <a:ea typeface="Times New Roman" panose="02020603050405020304" pitchFamily="18" charset="0"/>
+                <a:cs typeface="Times New Roman" panose="02020603050405020304" pitchFamily="18" charset="0"/>
+              </a:rPr>
+              <a:t>nilai</a:t>
+            </a:r>
+            <a:r>
+              <a:rPr lang="en-US" sz="1800" dirty="0">
+                <a:effectLst/>
+                <a:latin typeface="Raleway" pitchFamily="2" charset="0"/>
+                <a:ea typeface="Times New Roman" panose="02020603050405020304" pitchFamily="18" charset="0"/>
+                <a:cs typeface="Times New Roman" panose="02020603050405020304" pitchFamily="18" charset="0"/>
+              </a:rPr>
+              <a:t> 66,25 </a:t>
+            </a:r>
+            <a:r>
+              <a:rPr lang="en-US" sz="1800" dirty="0" err="1">
+                <a:effectLst/>
+                <a:latin typeface="Raleway" pitchFamily="2" charset="0"/>
+                <a:ea typeface="Times New Roman" panose="02020603050405020304" pitchFamily="18" charset="0"/>
+                <a:cs typeface="Times New Roman" panose="02020603050405020304" pitchFamily="18" charset="0"/>
+              </a:rPr>
+              <a:t>dengan</a:t>
+            </a:r>
+            <a:r>
+              <a:rPr lang="en-US" sz="1800" dirty="0">
+                <a:effectLst/>
+                <a:latin typeface="Raleway" pitchFamily="2" charset="0"/>
+                <a:ea typeface="Times New Roman" panose="02020603050405020304" pitchFamily="18" charset="0"/>
+                <a:cs typeface="Times New Roman" panose="02020603050405020304" pitchFamily="18" charset="0"/>
+              </a:rPr>
+              <a:t> </a:t>
+            </a:r>
+            <a:r>
+              <a:rPr lang="en-US" sz="1800" i="1" dirty="0">
+                <a:effectLst/>
+                <a:latin typeface="Raleway" pitchFamily="2" charset="0"/>
+                <a:ea typeface="Times New Roman" panose="02020603050405020304" pitchFamily="18" charset="0"/>
+                <a:cs typeface="Times New Roman" panose="02020603050405020304" pitchFamily="18" charset="0"/>
+              </a:rPr>
+              <a:t>grade </a:t>
+            </a:r>
+            <a:r>
+              <a:rPr lang="en-US" sz="1800" dirty="0">
+                <a:effectLst/>
+                <a:latin typeface="Raleway" pitchFamily="2" charset="0"/>
+                <a:ea typeface="Times New Roman" panose="02020603050405020304" pitchFamily="18" charset="0"/>
+                <a:cs typeface="Times New Roman" panose="02020603050405020304" pitchFamily="18" charset="0"/>
+              </a:rPr>
+              <a:t>D dan </a:t>
+            </a:r>
+            <a:r>
+              <a:rPr lang="en-US" sz="1800" dirty="0" err="1">
+                <a:effectLst/>
+                <a:latin typeface="Raleway" pitchFamily="2" charset="0"/>
+                <a:ea typeface="Times New Roman" panose="02020603050405020304" pitchFamily="18" charset="0"/>
+                <a:cs typeface="Times New Roman" panose="02020603050405020304" pitchFamily="18" charset="0"/>
+              </a:rPr>
+              <a:t>dengan</a:t>
+            </a:r>
+            <a:r>
+              <a:rPr lang="en-US" sz="1800" dirty="0">
+                <a:effectLst/>
+                <a:latin typeface="Raleway" pitchFamily="2" charset="0"/>
+                <a:ea typeface="Times New Roman" panose="02020603050405020304" pitchFamily="18" charset="0"/>
+                <a:cs typeface="Times New Roman" panose="02020603050405020304" pitchFamily="18" charset="0"/>
+              </a:rPr>
+              <a:t> </a:t>
+            </a:r>
+            <a:r>
+              <a:rPr lang="en-US" sz="1800" dirty="0" err="1">
+                <a:effectLst/>
+                <a:latin typeface="Raleway" pitchFamily="2" charset="0"/>
+                <a:ea typeface="Times New Roman" panose="02020603050405020304" pitchFamily="18" charset="0"/>
+                <a:cs typeface="Times New Roman" panose="02020603050405020304" pitchFamily="18" charset="0"/>
+              </a:rPr>
+              <a:t>tingkat</a:t>
+            </a:r>
+            <a:r>
+              <a:rPr lang="en-US" sz="1800" dirty="0">
+                <a:effectLst/>
+                <a:latin typeface="Raleway" pitchFamily="2" charset="0"/>
+                <a:ea typeface="Times New Roman" panose="02020603050405020304" pitchFamily="18" charset="0"/>
+                <a:cs typeface="Times New Roman" panose="02020603050405020304" pitchFamily="18" charset="0"/>
+              </a:rPr>
+              <a:t> ‘OK’</a:t>
+            </a:r>
+            <a:r>
+              <a:rPr lang="en-US" sz="1800" i="1" dirty="0">
+                <a:effectLst/>
+                <a:latin typeface="Raleway" pitchFamily="2" charset="0"/>
+                <a:ea typeface="Times New Roman" panose="02020603050405020304" pitchFamily="18" charset="0"/>
+                <a:cs typeface="Times New Roman" panose="02020603050405020304" pitchFamily="18" charset="0"/>
+              </a:rPr>
+              <a:t> </a:t>
+            </a:r>
+          </a:p>
+          <a:p>
+            <a:r>
+              <a:rPr lang="en-US" sz="1800" dirty="0">
+                <a:effectLst/>
+                <a:latin typeface="Raleway" pitchFamily="2" charset="0"/>
+                <a:ea typeface="Times New Roman" panose="02020603050405020304" pitchFamily="18" charset="0"/>
+                <a:cs typeface="Times New Roman" panose="02020603050405020304" pitchFamily="18" charset="0"/>
+              </a:rPr>
+              <a:t> </a:t>
+            </a:r>
+            <a:r>
+              <a:rPr lang="en-US" sz="1800" dirty="0" err="1">
+                <a:effectLst/>
+                <a:latin typeface="Raleway" pitchFamily="2" charset="0"/>
+                <a:ea typeface="Times New Roman" panose="02020603050405020304" pitchFamily="18" charset="0"/>
+                <a:cs typeface="Times New Roman" panose="02020603050405020304" pitchFamily="18" charset="0"/>
+              </a:rPr>
+              <a:t>todo_docket</a:t>
+            </a:r>
+            <a:r>
+              <a:rPr lang="en-US" sz="1800" dirty="0">
+                <a:effectLst/>
+                <a:latin typeface="Raleway" pitchFamily="2" charset="0"/>
+                <a:ea typeface="Times New Roman" panose="02020603050405020304" pitchFamily="18" charset="0"/>
+                <a:cs typeface="Times New Roman" panose="02020603050405020304" pitchFamily="18" charset="0"/>
+              </a:rPr>
+              <a:t> </a:t>
+            </a:r>
+            <a:r>
+              <a:rPr lang="en-US" sz="1800" dirty="0" err="1">
+                <a:effectLst/>
+                <a:latin typeface="Raleway" pitchFamily="2" charset="0"/>
+                <a:ea typeface="Times New Roman" panose="02020603050405020304" pitchFamily="18" charset="0"/>
+                <a:cs typeface="Times New Roman" panose="02020603050405020304" pitchFamily="18" charset="0"/>
+              </a:rPr>
+              <a:t>memperoleh</a:t>
+            </a:r>
+            <a:r>
+              <a:rPr lang="en-US" sz="1800" dirty="0">
+                <a:effectLst/>
+                <a:latin typeface="Raleway" pitchFamily="2" charset="0"/>
+                <a:ea typeface="Times New Roman" panose="02020603050405020304" pitchFamily="18" charset="0"/>
+                <a:cs typeface="Times New Roman" panose="02020603050405020304" pitchFamily="18" charset="0"/>
+              </a:rPr>
+              <a:t> </a:t>
+            </a:r>
+            <a:r>
+              <a:rPr lang="en-US" sz="1800" dirty="0" err="1">
+                <a:effectLst/>
+                <a:latin typeface="Raleway" pitchFamily="2" charset="0"/>
+                <a:ea typeface="Times New Roman" panose="02020603050405020304" pitchFamily="18" charset="0"/>
+                <a:cs typeface="Times New Roman" panose="02020603050405020304" pitchFamily="18" charset="0"/>
+              </a:rPr>
+              <a:t>nilai</a:t>
+            </a:r>
+            <a:r>
+              <a:rPr lang="en-US" sz="1800" dirty="0">
+                <a:effectLst/>
+                <a:latin typeface="Raleway" pitchFamily="2" charset="0"/>
+                <a:ea typeface="Times New Roman" panose="02020603050405020304" pitchFamily="18" charset="0"/>
+                <a:cs typeface="Times New Roman" panose="02020603050405020304" pitchFamily="18" charset="0"/>
+              </a:rPr>
+              <a:t> 73,5 </a:t>
+            </a:r>
+            <a:r>
+              <a:rPr lang="en-US" sz="1800" dirty="0" err="1">
+                <a:effectLst/>
+                <a:latin typeface="Raleway" pitchFamily="2" charset="0"/>
+                <a:ea typeface="Times New Roman" panose="02020603050405020304" pitchFamily="18" charset="0"/>
+                <a:cs typeface="Times New Roman" panose="02020603050405020304" pitchFamily="18" charset="0"/>
+              </a:rPr>
+              <a:t>dengan</a:t>
+            </a:r>
+            <a:r>
+              <a:rPr lang="en-US" sz="1800" dirty="0">
+                <a:effectLst/>
+                <a:latin typeface="Raleway" pitchFamily="2" charset="0"/>
+                <a:ea typeface="Times New Roman" panose="02020603050405020304" pitchFamily="18" charset="0"/>
+                <a:cs typeface="Times New Roman" panose="02020603050405020304" pitchFamily="18" charset="0"/>
+              </a:rPr>
+              <a:t> </a:t>
+            </a:r>
+            <a:r>
+              <a:rPr lang="en-US" sz="1800" i="1" dirty="0">
+                <a:effectLst/>
+                <a:latin typeface="Raleway" pitchFamily="2" charset="0"/>
+                <a:ea typeface="Times New Roman" panose="02020603050405020304" pitchFamily="18" charset="0"/>
+                <a:cs typeface="Times New Roman" panose="02020603050405020304" pitchFamily="18" charset="0"/>
+              </a:rPr>
+              <a:t>grade </a:t>
+            </a:r>
+            <a:r>
+              <a:rPr lang="en-US" sz="1800" dirty="0">
+                <a:effectLst/>
+                <a:latin typeface="Raleway" pitchFamily="2" charset="0"/>
+                <a:ea typeface="Times New Roman" panose="02020603050405020304" pitchFamily="18" charset="0"/>
+                <a:cs typeface="Times New Roman" panose="02020603050405020304" pitchFamily="18" charset="0"/>
+              </a:rPr>
+              <a:t>C dan </a:t>
+            </a:r>
+            <a:r>
+              <a:rPr lang="en-US" sz="1800" dirty="0" err="1">
+                <a:effectLst/>
+                <a:latin typeface="Raleway" pitchFamily="2" charset="0"/>
+                <a:ea typeface="Times New Roman" panose="02020603050405020304" pitchFamily="18" charset="0"/>
+                <a:cs typeface="Times New Roman" panose="02020603050405020304" pitchFamily="18" charset="0"/>
+              </a:rPr>
+              <a:t>dengan</a:t>
+            </a:r>
+            <a:r>
+              <a:rPr lang="en-US" sz="1800" dirty="0">
+                <a:effectLst/>
+                <a:latin typeface="Raleway" pitchFamily="2" charset="0"/>
+                <a:ea typeface="Times New Roman" panose="02020603050405020304" pitchFamily="18" charset="0"/>
+                <a:cs typeface="Times New Roman" panose="02020603050405020304" pitchFamily="18" charset="0"/>
+              </a:rPr>
+              <a:t> </a:t>
+            </a:r>
+            <a:r>
+              <a:rPr lang="en-US" sz="1800" dirty="0" err="1">
+                <a:effectLst/>
+                <a:latin typeface="Raleway" pitchFamily="2" charset="0"/>
+                <a:ea typeface="Times New Roman" panose="02020603050405020304" pitchFamily="18" charset="0"/>
+                <a:cs typeface="Times New Roman" panose="02020603050405020304" pitchFamily="18" charset="0"/>
+              </a:rPr>
+              <a:t>tingkat</a:t>
+            </a:r>
+            <a:r>
+              <a:rPr lang="en-US" sz="1800" dirty="0">
+                <a:effectLst/>
+                <a:latin typeface="Raleway" pitchFamily="2" charset="0"/>
+                <a:ea typeface="Times New Roman" panose="02020603050405020304" pitchFamily="18" charset="0"/>
+                <a:cs typeface="Times New Roman" panose="02020603050405020304" pitchFamily="18" charset="0"/>
+              </a:rPr>
+              <a:t> ‘</a:t>
+            </a:r>
+            <a:r>
+              <a:rPr lang="en-US" sz="1800" i="1" dirty="0">
+                <a:effectLst/>
+                <a:latin typeface="Raleway" pitchFamily="2" charset="0"/>
+                <a:ea typeface="Times New Roman" panose="02020603050405020304" pitchFamily="18" charset="0"/>
+                <a:cs typeface="Times New Roman" panose="02020603050405020304" pitchFamily="18" charset="0"/>
+              </a:rPr>
+              <a:t>Good’</a:t>
+            </a:r>
+            <a:endParaRPr lang="en-US" sz="1800" i="1" dirty="0">
+              <a:latin typeface="Raleway" pitchFamily="2" charset="0"/>
+              <a:ea typeface="Times New Roman" panose="02020603050405020304" pitchFamily="18" charset="0"/>
+              <a:cs typeface="Times New Roman" panose="02020603050405020304" pitchFamily="18" charset="0"/>
+            </a:endParaRPr>
+          </a:p>
+          <a:p>
+            <a:r>
+              <a:rPr lang="en-US" sz="1800" dirty="0" err="1">
+                <a:effectLst/>
+                <a:latin typeface="Raleway" pitchFamily="2" charset="0"/>
+                <a:ea typeface="Times New Roman" panose="02020603050405020304" pitchFamily="18" charset="0"/>
+                <a:cs typeface="Times New Roman" panose="02020603050405020304" pitchFamily="18" charset="0"/>
+              </a:rPr>
+              <a:t>aplikasi</a:t>
+            </a:r>
+            <a:r>
+              <a:rPr lang="en-US" sz="1800" dirty="0">
+                <a:effectLst/>
+                <a:latin typeface="Raleway" pitchFamily="2" charset="0"/>
+                <a:ea typeface="Times New Roman" panose="02020603050405020304" pitchFamily="18" charset="0"/>
+                <a:cs typeface="Times New Roman" panose="02020603050405020304" pitchFamily="18" charset="0"/>
+              </a:rPr>
+              <a:t> </a:t>
+            </a:r>
+            <a:r>
+              <a:rPr lang="en-US" sz="1800" dirty="0" err="1">
+                <a:effectLst/>
+                <a:latin typeface="Raleway" pitchFamily="2" charset="0"/>
+                <a:ea typeface="Times New Roman" panose="02020603050405020304" pitchFamily="18" charset="0"/>
+                <a:cs typeface="Times New Roman" panose="02020603050405020304" pitchFamily="18" charset="0"/>
+              </a:rPr>
+              <a:t>usulan</a:t>
+            </a:r>
+            <a:r>
+              <a:rPr lang="en-US" sz="1800" dirty="0">
+                <a:effectLst/>
+                <a:latin typeface="Raleway" pitchFamily="2" charset="0"/>
+                <a:ea typeface="Times New Roman" panose="02020603050405020304" pitchFamily="18" charset="0"/>
+                <a:cs typeface="Times New Roman" panose="02020603050405020304" pitchFamily="18" charset="0"/>
+              </a:rPr>
+              <a:t> </a:t>
+            </a:r>
+            <a:r>
+              <a:rPr lang="en-US" sz="1800" dirty="0" err="1">
+                <a:effectLst/>
+                <a:latin typeface="Raleway" pitchFamily="2" charset="0"/>
+                <a:ea typeface="Times New Roman" panose="02020603050405020304" pitchFamily="18" charset="0"/>
+                <a:cs typeface="Times New Roman" panose="02020603050405020304" pitchFamily="18" charset="0"/>
+              </a:rPr>
+              <a:t>masuk</a:t>
+            </a:r>
+            <a:r>
+              <a:rPr lang="en-US" sz="1800" dirty="0">
+                <a:effectLst/>
+                <a:latin typeface="Raleway" pitchFamily="2" charset="0"/>
+                <a:ea typeface="Times New Roman" panose="02020603050405020304" pitchFamily="18" charset="0"/>
+                <a:cs typeface="Times New Roman" panose="02020603050405020304" pitchFamily="18" charset="0"/>
+              </a:rPr>
+              <a:t> </a:t>
+            </a:r>
+            <a:r>
+              <a:rPr lang="en-US" sz="1800" dirty="0" err="1">
+                <a:effectLst/>
+                <a:latin typeface="Raleway" pitchFamily="2" charset="0"/>
+                <a:ea typeface="Times New Roman" panose="02020603050405020304" pitchFamily="18" charset="0"/>
+                <a:cs typeface="Times New Roman" panose="02020603050405020304" pitchFamily="18" charset="0"/>
+              </a:rPr>
+              <a:t>dalam</a:t>
+            </a:r>
+            <a:r>
+              <a:rPr lang="en-US" sz="1800" dirty="0">
+                <a:effectLst/>
+                <a:latin typeface="Raleway" pitchFamily="2" charset="0"/>
+                <a:ea typeface="Times New Roman" panose="02020603050405020304" pitchFamily="18" charset="0"/>
+                <a:cs typeface="Times New Roman" panose="02020603050405020304" pitchFamily="18" charset="0"/>
+              </a:rPr>
+              <a:t> </a:t>
+            </a:r>
+            <a:r>
+              <a:rPr lang="en-US" sz="1800" dirty="0" err="1">
+                <a:effectLst/>
+                <a:latin typeface="Raleway" pitchFamily="2" charset="0"/>
+                <a:ea typeface="Times New Roman" panose="02020603050405020304" pitchFamily="18" charset="0"/>
+                <a:cs typeface="Times New Roman" panose="02020603050405020304" pitchFamily="18" charset="0"/>
+              </a:rPr>
+              <a:t>kategori</a:t>
+            </a:r>
+            <a:r>
+              <a:rPr lang="en-US" sz="1800" dirty="0">
+                <a:effectLst/>
+                <a:latin typeface="Raleway" pitchFamily="2" charset="0"/>
+                <a:ea typeface="Times New Roman" panose="02020603050405020304" pitchFamily="18" charset="0"/>
+                <a:cs typeface="Times New Roman" panose="02020603050405020304" pitchFamily="18" charset="0"/>
+              </a:rPr>
+              <a:t> </a:t>
+            </a:r>
+            <a:r>
+              <a:rPr lang="en-US" sz="1800" dirty="0" err="1">
+                <a:effectLst/>
+                <a:latin typeface="Raleway" pitchFamily="2" charset="0"/>
+                <a:ea typeface="Times New Roman" panose="02020603050405020304" pitchFamily="18" charset="0"/>
+                <a:cs typeface="Times New Roman" panose="02020603050405020304" pitchFamily="18" charset="0"/>
+              </a:rPr>
+              <a:t>penerimaan</a:t>
+            </a:r>
+            <a:r>
+              <a:rPr lang="en-US" sz="1800" dirty="0">
+                <a:effectLst/>
+                <a:latin typeface="Raleway" pitchFamily="2" charset="0"/>
+                <a:ea typeface="Times New Roman" panose="02020603050405020304" pitchFamily="18" charset="0"/>
+                <a:cs typeface="Times New Roman" panose="02020603050405020304" pitchFamily="18" charset="0"/>
+              </a:rPr>
+              <a:t> yang </a:t>
+            </a:r>
+            <a:r>
+              <a:rPr lang="en-US" sz="1800" dirty="0" err="1">
+                <a:effectLst/>
+                <a:latin typeface="Raleway" pitchFamily="2" charset="0"/>
+                <a:ea typeface="Times New Roman" panose="02020603050405020304" pitchFamily="18" charset="0"/>
+                <a:cs typeface="Times New Roman" panose="02020603050405020304" pitchFamily="18" charset="0"/>
+              </a:rPr>
+              <a:t>rendah</a:t>
+            </a:r>
+            <a:r>
+              <a:rPr lang="en-US" sz="1800" dirty="0">
+                <a:effectLst/>
+                <a:latin typeface="Raleway" pitchFamily="2" charset="0"/>
+                <a:ea typeface="Times New Roman" panose="02020603050405020304" pitchFamily="18" charset="0"/>
+                <a:cs typeface="Times New Roman" panose="02020603050405020304" pitchFamily="18" charset="0"/>
+              </a:rPr>
+              <a:t> </a:t>
+            </a:r>
+            <a:r>
+              <a:rPr lang="en-US" sz="1800" dirty="0" err="1">
+                <a:effectLst/>
+                <a:latin typeface="Raleway" pitchFamily="2" charset="0"/>
+                <a:ea typeface="Times New Roman" panose="02020603050405020304" pitchFamily="18" charset="0"/>
+                <a:cs typeface="Times New Roman" panose="02020603050405020304" pitchFamily="18" charset="0"/>
+              </a:rPr>
+              <a:t>dengan</a:t>
+            </a:r>
+            <a:r>
+              <a:rPr lang="en-US" sz="1800" dirty="0">
+                <a:effectLst/>
+                <a:latin typeface="Raleway" pitchFamily="2" charset="0"/>
+                <a:ea typeface="Times New Roman" panose="02020603050405020304" pitchFamily="18" charset="0"/>
+                <a:cs typeface="Times New Roman" panose="02020603050405020304" pitchFamily="18" charset="0"/>
+              </a:rPr>
+              <a:t> marginal yang </a:t>
+            </a:r>
+            <a:r>
+              <a:rPr lang="en-US" sz="1800" dirty="0" err="1">
+                <a:effectLst/>
+                <a:latin typeface="Raleway" pitchFamily="2" charset="0"/>
+                <a:ea typeface="Times New Roman" panose="02020603050405020304" pitchFamily="18" charset="0"/>
+                <a:cs typeface="Times New Roman" panose="02020603050405020304" pitchFamily="18" charset="0"/>
+              </a:rPr>
+              <a:t>tinggi</a:t>
+            </a:r>
+            <a:r>
+              <a:rPr lang="en-US" sz="1800" dirty="0">
+                <a:effectLst/>
+                <a:latin typeface="Raleway" pitchFamily="2" charset="0"/>
+                <a:ea typeface="Times New Roman" panose="02020603050405020304" pitchFamily="18" charset="0"/>
+                <a:cs typeface="Times New Roman" panose="02020603050405020304" pitchFamily="18" charset="0"/>
+              </a:rPr>
+              <a:t> </a:t>
+            </a:r>
+            <a:r>
+              <a:rPr lang="en-US" sz="1800" dirty="0" err="1">
+                <a:effectLst/>
+                <a:latin typeface="Raleway" pitchFamily="2" charset="0"/>
+                <a:ea typeface="Times New Roman" panose="02020603050405020304" pitchFamily="18" charset="0"/>
+                <a:cs typeface="Times New Roman" panose="02020603050405020304" pitchFamily="18" charset="0"/>
+              </a:rPr>
+              <a:t>dibandingkan</a:t>
+            </a:r>
+            <a:r>
+              <a:rPr lang="en-US" sz="1800" dirty="0">
+                <a:effectLst/>
+                <a:latin typeface="Raleway" pitchFamily="2" charset="0"/>
+                <a:ea typeface="Times New Roman" panose="02020603050405020304" pitchFamily="18" charset="0"/>
+                <a:cs typeface="Times New Roman" panose="02020603050405020304" pitchFamily="18" charset="0"/>
+              </a:rPr>
+              <a:t> </a:t>
+            </a:r>
+            <a:r>
+              <a:rPr lang="en-US" sz="1800" dirty="0" err="1">
+                <a:effectLst/>
+                <a:latin typeface="Raleway" pitchFamily="2" charset="0"/>
+                <a:ea typeface="Times New Roman" panose="02020603050405020304" pitchFamily="18" charset="0"/>
+                <a:cs typeface="Times New Roman" panose="02020603050405020304" pitchFamily="18" charset="0"/>
+              </a:rPr>
+              <a:t>dengan</a:t>
+            </a:r>
+            <a:r>
+              <a:rPr lang="en-US" sz="1800" dirty="0">
+                <a:effectLst/>
+                <a:latin typeface="Raleway" pitchFamily="2" charset="0"/>
+                <a:ea typeface="Times New Roman" panose="02020603050405020304" pitchFamily="18" charset="0"/>
+                <a:cs typeface="Times New Roman" panose="02020603050405020304" pitchFamily="18" charset="0"/>
+              </a:rPr>
+              <a:t> </a:t>
+            </a:r>
+            <a:r>
+              <a:rPr lang="en-US" sz="1800" dirty="0" err="1">
+                <a:effectLst/>
+                <a:latin typeface="Raleway" pitchFamily="2" charset="0"/>
+                <a:ea typeface="Times New Roman" panose="02020603050405020304" pitchFamily="18" charset="0"/>
+                <a:cs typeface="Times New Roman" panose="02020603050405020304" pitchFamily="18" charset="0"/>
+              </a:rPr>
+              <a:t>aplikasi</a:t>
+            </a:r>
+            <a:r>
+              <a:rPr lang="en-US" sz="1800" dirty="0">
+                <a:effectLst/>
+                <a:latin typeface="Raleway" pitchFamily="2" charset="0"/>
+                <a:ea typeface="Times New Roman" panose="02020603050405020304" pitchFamily="18" charset="0"/>
+                <a:cs typeface="Times New Roman" panose="02020603050405020304" pitchFamily="18" charset="0"/>
+              </a:rPr>
+              <a:t> </a:t>
+            </a:r>
+            <a:r>
+              <a:rPr lang="en-US" sz="1800" dirty="0" err="1">
+                <a:effectLst/>
+                <a:latin typeface="Raleway" pitchFamily="2" charset="0"/>
+                <a:ea typeface="Times New Roman" panose="02020603050405020304" pitchFamily="18" charset="0"/>
+                <a:cs typeface="Times New Roman" panose="02020603050405020304" pitchFamily="18" charset="0"/>
+              </a:rPr>
+              <a:t>todo_docket</a:t>
+            </a:r>
+            <a:r>
+              <a:rPr lang="en-US" sz="1800" dirty="0">
+                <a:effectLst/>
+                <a:latin typeface="Raleway" pitchFamily="2" charset="0"/>
+                <a:ea typeface="Times New Roman" panose="02020603050405020304" pitchFamily="18" charset="0"/>
+                <a:cs typeface="Times New Roman" panose="02020603050405020304" pitchFamily="18" charset="0"/>
+              </a:rPr>
+              <a:t> yang </a:t>
+            </a:r>
+            <a:r>
+              <a:rPr lang="en-US" sz="1800" dirty="0" err="1">
+                <a:effectLst/>
+                <a:latin typeface="Raleway" pitchFamily="2" charset="0"/>
+                <a:ea typeface="Times New Roman" panose="02020603050405020304" pitchFamily="18" charset="0"/>
+                <a:cs typeface="Times New Roman" panose="02020603050405020304" pitchFamily="18" charset="0"/>
+              </a:rPr>
+              <a:t>masuk</a:t>
+            </a:r>
+            <a:r>
+              <a:rPr lang="en-US" sz="1800" dirty="0">
+                <a:effectLst/>
+                <a:latin typeface="Raleway" pitchFamily="2" charset="0"/>
+                <a:ea typeface="Times New Roman" panose="02020603050405020304" pitchFamily="18" charset="0"/>
+                <a:cs typeface="Times New Roman" panose="02020603050405020304" pitchFamily="18" charset="0"/>
+              </a:rPr>
+              <a:t> pada </a:t>
+            </a:r>
+            <a:r>
+              <a:rPr lang="en-US" sz="1800" dirty="0" err="1">
+                <a:effectLst/>
+                <a:latin typeface="Raleway" pitchFamily="2" charset="0"/>
+                <a:ea typeface="Times New Roman" panose="02020603050405020304" pitchFamily="18" charset="0"/>
+                <a:cs typeface="Times New Roman" panose="02020603050405020304" pitchFamily="18" charset="0"/>
+              </a:rPr>
+              <a:t>tingkat</a:t>
+            </a:r>
+            <a:r>
+              <a:rPr lang="en-US" sz="1800" dirty="0">
+                <a:effectLst/>
+                <a:latin typeface="Raleway" pitchFamily="2" charset="0"/>
+                <a:ea typeface="Times New Roman" panose="02020603050405020304" pitchFamily="18" charset="0"/>
+                <a:cs typeface="Times New Roman" panose="02020603050405020304" pitchFamily="18" charset="0"/>
+              </a:rPr>
+              <a:t> </a:t>
+            </a:r>
+            <a:r>
+              <a:rPr lang="en-US" sz="1800" dirty="0" err="1">
+                <a:effectLst/>
+                <a:latin typeface="Raleway" pitchFamily="2" charset="0"/>
+                <a:ea typeface="Times New Roman" panose="02020603050405020304" pitchFamily="18" charset="0"/>
+                <a:cs typeface="Times New Roman" panose="02020603050405020304" pitchFamily="18" charset="0"/>
+              </a:rPr>
+              <a:t>penerimaan</a:t>
+            </a:r>
+            <a:r>
+              <a:rPr lang="en-US" sz="1800" dirty="0">
+                <a:effectLst/>
+                <a:latin typeface="Raleway" pitchFamily="2" charset="0"/>
+                <a:ea typeface="Times New Roman" panose="02020603050405020304" pitchFamily="18" charset="0"/>
+                <a:cs typeface="Times New Roman" panose="02020603050405020304" pitchFamily="18" charset="0"/>
+              </a:rPr>
+              <a:t> yang </a:t>
+            </a:r>
+            <a:r>
+              <a:rPr lang="en-US" sz="1800" dirty="0" err="1">
+                <a:effectLst/>
+                <a:latin typeface="Raleway" pitchFamily="2" charset="0"/>
+                <a:ea typeface="Times New Roman" panose="02020603050405020304" pitchFamily="18" charset="0"/>
+                <a:cs typeface="Times New Roman" panose="02020603050405020304" pitchFamily="18" charset="0"/>
+              </a:rPr>
+              <a:t>baik</a:t>
+            </a:r>
+            <a:endParaRPr lang="en-US" sz="1800" i="1" dirty="0">
+              <a:effectLst/>
+              <a:latin typeface="Raleway" pitchFamily="2" charset="0"/>
+              <a:ea typeface="Times New Roman" panose="02020603050405020304" pitchFamily="18" charset="0"/>
+              <a:cs typeface="Times New Roman" panose="02020603050405020304" pitchFamily="18" charset="0"/>
+            </a:endParaRPr>
+          </a:p>
+          <a:p>
+            <a:r>
+              <a:rPr lang="en-US" sz="1800" dirty="0" err="1">
+                <a:effectLst/>
+                <a:latin typeface="Raleway" pitchFamily="2" charset="0"/>
+                <a:ea typeface="Times New Roman" panose="02020603050405020304" pitchFamily="18" charset="0"/>
+                <a:cs typeface="Times New Roman" panose="02020603050405020304" pitchFamily="18" charset="0"/>
+              </a:rPr>
+              <a:t>Faktor</a:t>
+            </a:r>
+            <a:r>
+              <a:rPr lang="en-US" sz="1800" dirty="0">
+                <a:effectLst/>
+                <a:latin typeface="Raleway" pitchFamily="2" charset="0"/>
+                <a:ea typeface="Times New Roman" panose="02020603050405020304" pitchFamily="18" charset="0"/>
+                <a:cs typeface="Times New Roman" panose="02020603050405020304" pitchFamily="18" charset="0"/>
+              </a:rPr>
+              <a:t> </a:t>
+            </a:r>
+            <a:r>
+              <a:rPr lang="en-US" sz="1800" dirty="0" err="1">
+                <a:effectLst/>
+                <a:latin typeface="Raleway" pitchFamily="2" charset="0"/>
+                <a:ea typeface="Times New Roman" panose="02020603050405020304" pitchFamily="18" charset="0"/>
+                <a:cs typeface="Times New Roman" panose="02020603050405020304" pitchFamily="18" charset="0"/>
+              </a:rPr>
+              <a:t>perbedaan</a:t>
+            </a:r>
+            <a:r>
+              <a:rPr lang="en-US" sz="1800" dirty="0">
+                <a:effectLst/>
+                <a:latin typeface="Raleway" pitchFamily="2" charset="0"/>
+                <a:ea typeface="Times New Roman" panose="02020603050405020304" pitchFamily="18" charset="0"/>
+                <a:cs typeface="Times New Roman" panose="02020603050405020304" pitchFamily="18" charset="0"/>
+              </a:rPr>
+              <a:t> </a:t>
+            </a:r>
+            <a:r>
+              <a:rPr lang="en-US" sz="1800" dirty="0" err="1">
+                <a:effectLst/>
+                <a:latin typeface="Raleway" pitchFamily="2" charset="0"/>
+                <a:ea typeface="Times New Roman" panose="02020603050405020304" pitchFamily="18" charset="0"/>
+                <a:cs typeface="Times New Roman" panose="02020603050405020304" pitchFamily="18" charset="0"/>
+              </a:rPr>
+              <a:t>antara</a:t>
+            </a:r>
+            <a:r>
+              <a:rPr lang="en-US" sz="1800" dirty="0">
+                <a:effectLst/>
+                <a:latin typeface="Raleway" pitchFamily="2" charset="0"/>
+                <a:ea typeface="Times New Roman" panose="02020603050405020304" pitchFamily="18" charset="0"/>
+                <a:cs typeface="Times New Roman" panose="02020603050405020304" pitchFamily="18" charset="0"/>
+              </a:rPr>
+              <a:t> </a:t>
+            </a:r>
+            <a:r>
+              <a:rPr lang="en-US" sz="1800" dirty="0" err="1">
+                <a:effectLst/>
+                <a:latin typeface="Raleway" pitchFamily="2" charset="0"/>
+                <a:ea typeface="Times New Roman" panose="02020603050405020304" pitchFamily="18" charset="0"/>
+                <a:cs typeface="Times New Roman" panose="02020603050405020304" pitchFamily="18" charset="0"/>
+              </a:rPr>
+              <a:t>antarmuka</a:t>
+            </a:r>
+            <a:r>
+              <a:rPr lang="en-US" sz="1800" dirty="0">
+                <a:effectLst/>
+                <a:latin typeface="Raleway" pitchFamily="2" charset="0"/>
+                <a:ea typeface="Times New Roman" panose="02020603050405020304" pitchFamily="18" charset="0"/>
+                <a:cs typeface="Times New Roman" panose="02020603050405020304" pitchFamily="18" charset="0"/>
+              </a:rPr>
+              <a:t> </a:t>
+            </a:r>
+            <a:r>
+              <a:rPr lang="en-US" sz="1800" dirty="0" err="1">
+                <a:effectLst/>
+                <a:latin typeface="Raleway" pitchFamily="2" charset="0"/>
+                <a:ea typeface="Times New Roman" panose="02020603050405020304" pitchFamily="18" charset="0"/>
+                <a:cs typeface="Times New Roman" panose="02020603050405020304" pitchFamily="18" charset="0"/>
+              </a:rPr>
+              <a:t>berebasis</a:t>
+            </a:r>
+            <a:r>
+              <a:rPr lang="en-US" sz="1800" dirty="0">
+                <a:effectLst/>
+                <a:latin typeface="Raleway" pitchFamily="2" charset="0"/>
+                <a:ea typeface="Times New Roman" panose="02020603050405020304" pitchFamily="18" charset="0"/>
+                <a:cs typeface="Times New Roman" panose="02020603050405020304" pitchFamily="18" charset="0"/>
+              </a:rPr>
+              <a:t> </a:t>
+            </a:r>
+            <a:r>
+              <a:rPr lang="en-US" sz="1800" dirty="0" err="1">
+                <a:effectLst/>
+                <a:latin typeface="Raleway" pitchFamily="2" charset="0"/>
+                <a:ea typeface="Times New Roman" panose="02020603050405020304" pitchFamily="18" charset="0"/>
+                <a:cs typeface="Times New Roman" panose="02020603050405020304" pitchFamily="18" charset="0"/>
+              </a:rPr>
+              <a:t>teks</a:t>
+            </a:r>
+            <a:r>
+              <a:rPr lang="en-US" sz="1800" dirty="0">
+                <a:effectLst/>
+                <a:latin typeface="Raleway" pitchFamily="2" charset="0"/>
+                <a:ea typeface="Times New Roman" panose="02020603050405020304" pitchFamily="18" charset="0"/>
+                <a:cs typeface="Times New Roman" panose="02020603050405020304" pitchFamily="18" charset="0"/>
+              </a:rPr>
+              <a:t> dan </a:t>
+            </a:r>
+            <a:r>
+              <a:rPr lang="en-US" sz="1800" dirty="0" err="1">
+                <a:effectLst/>
+                <a:latin typeface="Raleway" pitchFamily="2" charset="0"/>
+                <a:ea typeface="Times New Roman" panose="02020603050405020304" pitchFamily="18" charset="0"/>
+                <a:cs typeface="Times New Roman" panose="02020603050405020304" pitchFamily="18" charset="0"/>
+              </a:rPr>
+              <a:t>suara</a:t>
+            </a:r>
+            <a:r>
+              <a:rPr lang="en-US" sz="1800" dirty="0">
+                <a:effectLst/>
+                <a:latin typeface="Raleway" pitchFamily="2" charset="0"/>
+                <a:ea typeface="Times New Roman" panose="02020603050405020304" pitchFamily="18" charset="0"/>
+                <a:cs typeface="Times New Roman" panose="02020603050405020304" pitchFamily="18" charset="0"/>
+              </a:rPr>
+              <a:t> dan </a:t>
+            </a:r>
+            <a:r>
+              <a:rPr lang="en-US" sz="1800" dirty="0" err="1">
+                <a:effectLst/>
+                <a:latin typeface="Raleway" pitchFamily="2" charset="0"/>
+                <a:ea typeface="Times New Roman" panose="02020603050405020304" pitchFamily="18" charset="0"/>
+                <a:cs typeface="Times New Roman" panose="02020603050405020304" pitchFamily="18" charset="0"/>
+              </a:rPr>
+              <a:t>pekerjeaan</a:t>
+            </a:r>
+            <a:r>
+              <a:rPr lang="en-US" sz="1800" dirty="0">
+                <a:effectLst/>
+                <a:latin typeface="Raleway" pitchFamily="2" charset="0"/>
+                <a:ea typeface="Times New Roman" panose="02020603050405020304" pitchFamily="18" charset="0"/>
+                <a:cs typeface="Times New Roman" panose="02020603050405020304" pitchFamily="18" charset="0"/>
+              </a:rPr>
+              <a:t> </a:t>
+            </a:r>
+            <a:r>
+              <a:rPr lang="en-US" sz="1800" dirty="0" err="1">
+                <a:effectLst/>
+                <a:latin typeface="Raleway" pitchFamily="2" charset="0"/>
+                <a:ea typeface="Times New Roman" panose="02020603050405020304" pitchFamily="18" charset="0"/>
+                <a:cs typeface="Times New Roman" panose="02020603050405020304" pitchFamily="18" charset="0"/>
+              </a:rPr>
+              <a:t>menunjukkan</a:t>
+            </a:r>
+            <a:r>
+              <a:rPr lang="en-US" sz="1800" dirty="0">
+                <a:effectLst/>
+                <a:latin typeface="Raleway" pitchFamily="2" charset="0"/>
+                <a:ea typeface="Times New Roman" panose="02020603050405020304" pitchFamily="18" charset="0"/>
+                <a:cs typeface="Times New Roman" panose="02020603050405020304" pitchFamily="18" charset="0"/>
+              </a:rPr>
+              <a:t> </a:t>
+            </a:r>
+            <a:r>
+              <a:rPr lang="en-US" sz="1800" dirty="0" err="1">
+                <a:effectLst/>
+                <a:latin typeface="Raleway" pitchFamily="2" charset="0"/>
+                <a:ea typeface="Times New Roman" panose="02020603050405020304" pitchFamily="18" charset="0"/>
+                <a:cs typeface="Times New Roman" panose="02020603050405020304" pitchFamily="18" charset="0"/>
+              </a:rPr>
+              <a:t>tidak</a:t>
+            </a:r>
+            <a:r>
+              <a:rPr lang="en-US" sz="1800" dirty="0">
+                <a:effectLst/>
+                <a:latin typeface="Raleway" pitchFamily="2" charset="0"/>
+                <a:ea typeface="Times New Roman" panose="02020603050405020304" pitchFamily="18" charset="0"/>
+                <a:cs typeface="Times New Roman" panose="02020603050405020304" pitchFamily="18" charset="0"/>
+              </a:rPr>
+              <a:t> </a:t>
+            </a:r>
+            <a:r>
+              <a:rPr lang="en-US" sz="1800" dirty="0" err="1">
+                <a:effectLst/>
+                <a:latin typeface="Raleway" pitchFamily="2" charset="0"/>
+                <a:ea typeface="Times New Roman" panose="02020603050405020304" pitchFamily="18" charset="0"/>
+                <a:cs typeface="Times New Roman" panose="02020603050405020304" pitchFamily="18" charset="0"/>
+              </a:rPr>
+              <a:t>adanya</a:t>
+            </a:r>
+            <a:r>
+              <a:rPr lang="en-US" sz="1800" dirty="0">
+                <a:effectLst/>
+                <a:latin typeface="Raleway" pitchFamily="2" charset="0"/>
+                <a:ea typeface="Times New Roman" panose="02020603050405020304" pitchFamily="18" charset="0"/>
+                <a:cs typeface="Times New Roman" panose="02020603050405020304" pitchFamily="18" charset="0"/>
+              </a:rPr>
+              <a:t> </a:t>
+            </a:r>
+            <a:r>
+              <a:rPr lang="en-US" sz="1800" dirty="0" err="1">
+                <a:effectLst/>
+                <a:latin typeface="Raleway" pitchFamily="2" charset="0"/>
+                <a:ea typeface="Times New Roman" panose="02020603050405020304" pitchFamily="18" charset="0"/>
+                <a:cs typeface="Times New Roman" panose="02020603050405020304" pitchFamily="18" charset="0"/>
+              </a:rPr>
+              <a:t>signifikansi</a:t>
+            </a:r>
+            <a:r>
+              <a:rPr lang="en-US" sz="1800" dirty="0">
+                <a:effectLst/>
+                <a:latin typeface="Raleway" pitchFamily="2" charset="0"/>
+                <a:ea typeface="Times New Roman" panose="02020603050405020304" pitchFamily="18" charset="0"/>
+                <a:cs typeface="Times New Roman" panose="02020603050405020304" pitchFamily="18" charset="0"/>
+              </a:rPr>
+              <a:t> </a:t>
+            </a:r>
+            <a:r>
+              <a:rPr lang="en-US" sz="1800" dirty="0" err="1">
+                <a:effectLst/>
+                <a:latin typeface="Raleway" pitchFamily="2" charset="0"/>
+                <a:ea typeface="Times New Roman" panose="02020603050405020304" pitchFamily="18" charset="0"/>
+                <a:cs typeface="Times New Roman" panose="02020603050405020304" pitchFamily="18" charset="0"/>
+              </a:rPr>
+              <a:t>terhadap</a:t>
+            </a:r>
+            <a:r>
+              <a:rPr lang="en-US" sz="1800" dirty="0">
+                <a:effectLst/>
+                <a:latin typeface="Raleway" pitchFamily="2" charset="0"/>
+                <a:ea typeface="Times New Roman" panose="02020603050405020304" pitchFamily="18" charset="0"/>
+                <a:cs typeface="Times New Roman" panose="02020603050405020304" pitchFamily="18" charset="0"/>
+              </a:rPr>
+              <a:t> </a:t>
+            </a:r>
+            <a:r>
+              <a:rPr lang="en-US" sz="1800" dirty="0" err="1">
+                <a:effectLst/>
+                <a:latin typeface="Raleway" pitchFamily="2" charset="0"/>
+                <a:ea typeface="Times New Roman" panose="02020603050405020304" pitchFamily="18" charset="0"/>
+                <a:cs typeface="Times New Roman" panose="02020603050405020304" pitchFamily="18" charset="0"/>
+              </a:rPr>
+              <a:t>penggunaan</a:t>
+            </a:r>
+            <a:r>
+              <a:rPr lang="en-US" sz="1800" dirty="0">
+                <a:effectLst/>
+                <a:latin typeface="Raleway" pitchFamily="2" charset="0"/>
+                <a:ea typeface="Times New Roman" panose="02020603050405020304" pitchFamily="18" charset="0"/>
+                <a:cs typeface="Times New Roman" panose="02020603050405020304" pitchFamily="18" charset="0"/>
+              </a:rPr>
+              <a:t> </a:t>
+            </a:r>
+            <a:r>
+              <a:rPr lang="en-US" sz="1800" dirty="0" err="1">
+                <a:effectLst/>
+                <a:latin typeface="Raleway" pitchFamily="2" charset="0"/>
+                <a:ea typeface="Times New Roman" panose="02020603050405020304" pitchFamily="18" charset="0"/>
+                <a:cs typeface="Times New Roman" panose="02020603050405020304" pitchFamily="18" charset="0"/>
+              </a:rPr>
+              <a:t>aplikasi</a:t>
+            </a:r>
+            <a:r>
+              <a:rPr lang="en-US" sz="1800" dirty="0">
+                <a:effectLst/>
+                <a:latin typeface="Raleway" pitchFamily="2" charset="0"/>
+                <a:ea typeface="Times New Roman" panose="02020603050405020304" pitchFamily="18" charset="0"/>
+                <a:cs typeface="Times New Roman" panose="02020603050405020304" pitchFamily="18" charset="0"/>
+              </a:rPr>
+              <a:t>. </a:t>
+            </a:r>
+          </a:p>
+          <a:p>
+            <a:r>
+              <a:rPr lang="en-US" sz="1800" dirty="0" err="1">
+                <a:effectLst/>
+                <a:latin typeface="Raleway" pitchFamily="2" charset="0"/>
+                <a:ea typeface="Times New Roman" panose="02020603050405020304" pitchFamily="18" charset="0"/>
+                <a:cs typeface="Times New Roman" panose="02020603050405020304" pitchFamily="18" charset="0"/>
+              </a:rPr>
+              <a:t>faktor</a:t>
+            </a:r>
+            <a:r>
+              <a:rPr lang="en-US" sz="1800" dirty="0">
+                <a:effectLst/>
+                <a:latin typeface="Raleway" pitchFamily="2" charset="0"/>
+                <a:ea typeface="Times New Roman" panose="02020603050405020304" pitchFamily="18" charset="0"/>
+                <a:cs typeface="Times New Roman" panose="02020603050405020304" pitchFamily="18" charset="0"/>
+              </a:rPr>
+              <a:t> gender </a:t>
+            </a:r>
+            <a:r>
+              <a:rPr lang="en-US" sz="1800" dirty="0" err="1">
+                <a:effectLst/>
+                <a:latin typeface="Raleway" pitchFamily="2" charset="0"/>
+                <a:ea typeface="Times New Roman" panose="02020603050405020304" pitchFamily="18" charset="0"/>
+                <a:cs typeface="Times New Roman" panose="02020603050405020304" pitchFamily="18" charset="0"/>
+              </a:rPr>
+              <a:t>menunjukkan</a:t>
+            </a:r>
+            <a:r>
+              <a:rPr lang="en-US" sz="1800" dirty="0">
+                <a:effectLst/>
+                <a:latin typeface="Raleway" pitchFamily="2" charset="0"/>
+                <a:ea typeface="Times New Roman" panose="02020603050405020304" pitchFamily="18" charset="0"/>
+                <a:cs typeface="Times New Roman" panose="02020603050405020304" pitchFamily="18" charset="0"/>
+              </a:rPr>
+              <a:t> </a:t>
+            </a:r>
+            <a:r>
+              <a:rPr lang="en-US" sz="1800" dirty="0" err="1">
+                <a:effectLst/>
+                <a:latin typeface="Raleway" pitchFamily="2" charset="0"/>
+                <a:ea typeface="Times New Roman" panose="02020603050405020304" pitchFamily="18" charset="0"/>
+                <a:cs typeface="Times New Roman" panose="02020603050405020304" pitchFamily="18" charset="0"/>
+              </a:rPr>
+              <a:t>adanya</a:t>
+            </a:r>
+            <a:r>
+              <a:rPr lang="en-US" sz="1800" dirty="0">
+                <a:effectLst/>
+                <a:latin typeface="Raleway" pitchFamily="2" charset="0"/>
+                <a:ea typeface="Times New Roman" panose="02020603050405020304" pitchFamily="18" charset="0"/>
+                <a:cs typeface="Times New Roman" panose="02020603050405020304" pitchFamily="18" charset="0"/>
+              </a:rPr>
+              <a:t> </a:t>
+            </a:r>
+            <a:r>
+              <a:rPr lang="en-US" sz="1800" dirty="0" err="1">
+                <a:effectLst/>
+                <a:latin typeface="Raleway" pitchFamily="2" charset="0"/>
+                <a:ea typeface="Times New Roman" panose="02020603050405020304" pitchFamily="18" charset="0"/>
+                <a:cs typeface="Times New Roman" panose="02020603050405020304" pitchFamily="18" charset="0"/>
+              </a:rPr>
+              <a:t>perbedaan</a:t>
+            </a:r>
+            <a:r>
+              <a:rPr lang="en-US" sz="1800" dirty="0">
+                <a:effectLst/>
+                <a:latin typeface="Raleway" pitchFamily="2" charset="0"/>
+                <a:ea typeface="Times New Roman" panose="02020603050405020304" pitchFamily="18" charset="0"/>
+                <a:cs typeface="Times New Roman" panose="02020603050405020304" pitchFamily="18" charset="0"/>
+              </a:rPr>
+              <a:t> </a:t>
+            </a:r>
+            <a:r>
+              <a:rPr lang="en-US" sz="1800" dirty="0" err="1">
+                <a:effectLst/>
+                <a:latin typeface="Raleway" pitchFamily="2" charset="0"/>
+                <a:ea typeface="Times New Roman" panose="02020603050405020304" pitchFamily="18" charset="0"/>
+                <a:cs typeface="Times New Roman" panose="02020603050405020304" pitchFamily="18" charset="0"/>
+              </a:rPr>
+              <a:t>signifikan</a:t>
+            </a:r>
+            <a:r>
+              <a:rPr lang="en-US" sz="1800" dirty="0">
+                <a:effectLst/>
+                <a:latin typeface="Raleway" pitchFamily="2" charset="0"/>
+                <a:ea typeface="Times New Roman" panose="02020603050405020304" pitchFamily="18" charset="0"/>
+                <a:cs typeface="Times New Roman" panose="02020603050405020304" pitchFamily="18" charset="0"/>
+              </a:rPr>
+              <a:t> pada </a:t>
+            </a:r>
+            <a:r>
+              <a:rPr lang="en-US" sz="1800" dirty="0" err="1">
+                <a:effectLst/>
+                <a:latin typeface="Raleway" pitchFamily="2" charset="0"/>
+                <a:ea typeface="Times New Roman" panose="02020603050405020304" pitchFamily="18" charset="0"/>
+                <a:cs typeface="Times New Roman" panose="02020603050405020304" pitchFamily="18" charset="0"/>
+              </a:rPr>
+              <a:t>penggunaan</a:t>
+            </a:r>
+            <a:r>
+              <a:rPr lang="en-US" sz="1800" dirty="0">
+                <a:effectLst/>
+                <a:latin typeface="Raleway" pitchFamily="2" charset="0"/>
+                <a:ea typeface="Times New Roman" panose="02020603050405020304" pitchFamily="18" charset="0"/>
+                <a:cs typeface="Times New Roman" panose="02020603050405020304" pitchFamily="18" charset="0"/>
+              </a:rPr>
+              <a:t> </a:t>
+            </a:r>
+            <a:r>
+              <a:rPr lang="en-US" sz="1800" dirty="0" err="1">
+                <a:effectLst/>
+                <a:latin typeface="Raleway" pitchFamily="2" charset="0"/>
+                <a:ea typeface="Times New Roman" panose="02020603050405020304" pitchFamily="18" charset="0"/>
+                <a:cs typeface="Times New Roman" panose="02020603050405020304" pitchFamily="18" charset="0"/>
+              </a:rPr>
+              <a:t>aplikasi</a:t>
+            </a:r>
+            <a:r>
+              <a:rPr lang="en-US" sz="1800" dirty="0">
+                <a:effectLst/>
+                <a:latin typeface="Raleway" pitchFamily="2" charset="0"/>
+                <a:ea typeface="Times New Roman" panose="02020603050405020304" pitchFamily="18" charset="0"/>
+                <a:cs typeface="Times New Roman" panose="02020603050405020304" pitchFamily="18" charset="0"/>
+              </a:rPr>
+              <a:t> </a:t>
+            </a:r>
+            <a:r>
+              <a:rPr lang="en-US" sz="1800" dirty="0" err="1">
+                <a:effectLst/>
+                <a:latin typeface="Raleway" pitchFamily="2" charset="0"/>
+                <a:ea typeface="Times New Roman" panose="02020603050405020304" pitchFamily="18" charset="0"/>
+                <a:cs typeface="Times New Roman" panose="02020603050405020304" pitchFamily="18" charset="0"/>
+              </a:rPr>
+              <a:t>berdasarkan</a:t>
+            </a:r>
+            <a:r>
+              <a:rPr lang="en-US" sz="1800" dirty="0">
+                <a:effectLst/>
+                <a:latin typeface="Raleway" pitchFamily="2" charset="0"/>
+                <a:ea typeface="Times New Roman" panose="02020603050405020304" pitchFamily="18" charset="0"/>
+                <a:cs typeface="Times New Roman" panose="02020603050405020304" pitchFamily="18" charset="0"/>
+              </a:rPr>
+              <a:t> </a:t>
+            </a:r>
+            <a:r>
+              <a:rPr lang="en-US" sz="1800" dirty="0" err="1">
+                <a:effectLst/>
+                <a:latin typeface="Raleway" pitchFamily="2" charset="0"/>
+                <a:ea typeface="Times New Roman" panose="02020603050405020304" pitchFamily="18" charset="0"/>
+                <a:cs typeface="Times New Roman" panose="02020603050405020304" pitchFamily="18" charset="0"/>
+              </a:rPr>
+              <a:t>hasil</a:t>
+            </a:r>
+            <a:r>
+              <a:rPr lang="en-US" sz="1800" dirty="0">
+                <a:effectLst/>
+                <a:latin typeface="Raleway" pitchFamily="2" charset="0"/>
+                <a:ea typeface="Times New Roman" panose="02020603050405020304" pitchFamily="18" charset="0"/>
+                <a:cs typeface="Times New Roman" panose="02020603050405020304" pitchFamily="18" charset="0"/>
+              </a:rPr>
+              <a:t> uji </a:t>
+            </a:r>
+            <a:r>
+              <a:rPr lang="en-US" sz="1800" dirty="0" err="1">
+                <a:effectLst/>
+                <a:latin typeface="Raleway" pitchFamily="2" charset="0"/>
+                <a:ea typeface="Times New Roman" panose="02020603050405020304" pitchFamily="18" charset="0"/>
+                <a:cs typeface="Times New Roman" panose="02020603050405020304" pitchFamily="18" charset="0"/>
+              </a:rPr>
+              <a:t>menggunakan</a:t>
+            </a:r>
+            <a:r>
+              <a:rPr lang="en-US" sz="1800" dirty="0">
+                <a:effectLst/>
+                <a:latin typeface="Raleway" pitchFamily="2" charset="0"/>
+                <a:ea typeface="Times New Roman" panose="02020603050405020304" pitchFamily="18" charset="0"/>
+                <a:cs typeface="Times New Roman" panose="02020603050405020304" pitchFamily="18" charset="0"/>
+              </a:rPr>
+              <a:t> ANOVA. </a:t>
+            </a:r>
+          </a:p>
+          <a:p>
+            <a:r>
+              <a:rPr lang="en-US" sz="1800" dirty="0">
+                <a:effectLst/>
+                <a:latin typeface="Raleway" pitchFamily="2" charset="0"/>
+                <a:ea typeface="Times New Roman" panose="02020603050405020304" pitchFamily="18" charset="0"/>
+                <a:cs typeface="Times New Roman" panose="02020603050405020304" pitchFamily="18" charset="0"/>
+              </a:rPr>
+              <a:t>Hasil pada </a:t>
+            </a:r>
+            <a:r>
+              <a:rPr lang="en-US" sz="1800" dirty="0" err="1">
+                <a:effectLst/>
+                <a:latin typeface="Raleway" pitchFamily="2" charset="0"/>
+                <a:ea typeface="Times New Roman" panose="02020603050405020304" pitchFamily="18" charset="0"/>
+                <a:cs typeface="Times New Roman" panose="02020603050405020304" pitchFamily="18" charset="0"/>
+              </a:rPr>
+              <a:t>aplikasi</a:t>
+            </a:r>
+            <a:r>
+              <a:rPr lang="en-US" sz="1800" dirty="0">
+                <a:effectLst/>
+                <a:latin typeface="Raleway" pitchFamily="2" charset="0"/>
+                <a:ea typeface="Times New Roman" panose="02020603050405020304" pitchFamily="18" charset="0"/>
+                <a:cs typeface="Times New Roman" panose="02020603050405020304" pitchFamily="18" charset="0"/>
+              </a:rPr>
+              <a:t> </a:t>
+            </a:r>
+            <a:r>
+              <a:rPr lang="en-US" sz="1800" dirty="0" err="1">
+                <a:effectLst/>
+                <a:latin typeface="Raleway" pitchFamily="2" charset="0"/>
+                <a:ea typeface="Times New Roman" panose="02020603050405020304" pitchFamily="18" charset="0"/>
+                <a:cs typeface="Times New Roman" panose="02020603050405020304" pitchFamily="18" charset="0"/>
+              </a:rPr>
+              <a:t>usulan</a:t>
+            </a:r>
+            <a:r>
+              <a:rPr lang="en-US" sz="1800" dirty="0">
+                <a:effectLst/>
+                <a:latin typeface="Raleway" pitchFamily="2" charset="0"/>
+                <a:ea typeface="Times New Roman" panose="02020603050405020304" pitchFamily="18" charset="0"/>
+                <a:cs typeface="Times New Roman" panose="02020603050405020304" pitchFamily="18" charset="0"/>
+              </a:rPr>
+              <a:t> TO DO Voice </a:t>
+            </a:r>
+            <a:r>
+              <a:rPr lang="en-US" sz="1800" dirty="0" err="1">
+                <a:effectLst/>
+                <a:latin typeface="Raleway" pitchFamily="2" charset="0"/>
+                <a:ea typeface="Times New Roman" panose="02020603050405020304" pitchFamily="18" charset="0"/>
+                <a:cs typeface="Times New Roman" panose="02020603050405020304" pitchFamily="18" charset="0"/>
+              </a:rPr>
+              <a:t>tersebut</a:t>
+            </a:r>
+            <a:r>
+              <a:rPr lang="en-US" sz="1800" dirty="0">
+                <a:effectLst/>
+                <a:latin typeface="Raleway" pitchFamily="2" charset="0"/>
+                <a:ea typeface="Times New Roman" panose="02020603050405020304" pitchFamily="18" charset="0"/>
+                <a:cs typeface="Times New Roman" panose="02020603050405020304" pitchFamily="18" charset="0"/>
+              </a:rPr>
+              <a:t> </a:t>
+            </a:r>
+            <a:r>
+              <a:rPr lang="en-US" sz="1800" dirty="0" err="1">
+                <a:effectLst/>
+                <a:latin typeface="Raleway" pitchFamily="2" charset="0"/>
+                <a:ea typeface="Times New Roman" panose="02020603050405020304" pitchFamily="18" charset="0"/>
+                <a:cs typeface="Times New Roman" panose="02020603050405020304" pitchFamily="18" charset="0"/>
+              </a:rPr>
+              <a:t>mungkin</a:t>
+            </a:r>
+            <a:r>
+              <a:rPr lang="en-US" sz="1800" dirty="0">
+                <a:effectLst/>
+                <a:latin typeface="Raleway" pitchFamily="2" charset="0"/>
+                <a:ea typeface="Times New Roman" panose="02020603050405020304" pitchFamily="18" charset="0"/>
+                <a:cs typeface="Times New Roman" panose="02020603050405020304" pitchFamily="18" charset="0"/>
+              </a:rPr>
+              <a:t> </a:t>
+            </a:r>
+            <a:r>
+              <a:rPr lang="en-US" sz="1800" dirty="0" err="1">
+                <a:effectLst/>
+                <a:latin typeface="Raleway" pitchFamily="2" charset="0"/>
+                <a:ea typeface="Times New Roman" panose="02020603050405020304" pitchFamily="18" charset="0"/>
+                <a:cs typeface="Times New Roman" panose="02020603050405020304" pitchFamily="18" charset="0"/>
+              </a:rPr>
+              <a:t>dipengaruhi</a:t>
+            </a:r>
+            <a:r>
+              <a:rPr lang="en-US" sz="1800" dirty="0">
+                <a:effectLst/>
+                <a:latin typeface="Raleway" pitchFamily="2" charset="0"/>
+                <a:ea typeface="Times New Roman" panose="02020603050405020304" pitchFamily="18" charset="0"/>
+                <a:cs typeface="Times New Roman" panose="02020603050405020304" pitchFamily="18" charset="0"/>
+              </a:rPr>
+              <a:t> oleh </a:t>
+            </a:r>
+            <a:r>
+              <a:rPr lang="en-US" sz="1800" dirty="0" err="1">
+                <a:effectLst/>
+                <a:latin typeface="Raleway" pitchFamily="2" charset="0"/>
+                <a:ea typeface="Times New Roman" panose="02020603050405020304" pitchFamily="18" charset="0"/>
+                <a:cs typeface="Times New Roman" panose="02020603050405020304" pitchFamily="18" charset="0"/>
+              </a:rPr>
+              <a:t>penggunaan</a:t>
+            </a:r>
+            <a:r>
+              <a:rPr lang="en-US" sz="1800" dirty="0">
+                <a:effectLst/>
+                <a:latin typeface="Raleway" pitchFamily="2" charset="0"/>
+                <a:ea typeface="Times New Roman" panose="02020603050405020304" pitchFamily="18" charset="0"/>
+                <a:cs typeface="Times New Roman" panose="02020603050405020304" pitchFamily="18" charset="0"/>
+              </a:rPr>
+              <a:t> yang </a:t>
+            </a:r>
+            <a:r>
+              <a:rPr lang="en-US" sz="1800" dirty="0" err="1">
+                <a:effectLst/>
+                <a:latin typeface="Raleway" pitchFamily="2" charset="0"/>
+                <a:ea typeface="Times New Roman" panose="02020603050405020304" pitchFamily="18" charset="0"/>
+                <a:cs typeface="Times New Roman" panose="02020603050405020304" pitchFamily="18" charset="0"/>
+              </a:rPr>
+              <a:t>jarang</a:t>
+            </a:r>
+            <a:r>
+              <a:rPr lang="en-US" sz="1800" dirty="0">
+                <a:effectLst/>
+                <a:latin typeface="Raleway" pitchFamily="2" charset="0"/>
+                <a:ea typeface="Times New Roman" panose="02020603050405020304" pitchFamily="18" charset="0"/>
+                <a:cs typeface="Times New Roman" panose="02020603050405020304" pitchFamily="18" charset="0"/>
+              </a:rPr>
+              <a:t> </a:t>
+            </a:r>
+            <a:r>
+              <a:rPr lang="en-US" sz="1800" dirty="0" err="1">
+                <a:effectLst/>
+                <a:latin typeface="Raleway" pitchFamily="2" charset="0"/>
+                <a:ea typeface="Times New Roman" panose="02020603050405020304" pitchFamily="18" charset="0"/>
+                <a:cs typeface="Times New Roman" panose="02020603050405020304" pitchFamily="18" charset="0"/>
+              </a:rPr>
+              <a:t>sehingga</a:t>
+            </a:r>
+            <a:r>
+              <a:rPr lang="en-US" sz="1800" dirty="0">
+                <a:effectLst/>
+                <a:latin typeface="Raleway" pitchFamily="2" charset="0"/>
+                <a:ea typeface="Times New Roman" panose="02020603050405020304" pitchFamily="18" charset="0"/>
+                <a:cs typeface="Times New Roman" panose="02020603050405020304" pitchFamily="18" charset="0"/>
+              </a:rPr>
+              <a:t> </a:t>
+            </a:r>
+            <a:r>
+              <a:rPr lang="en-US" sz="1800" dirty="0" err="1">
+                <a:effectLst/>
+                <a:latin typeface="Raleway" pitchFamily="2" charset="0"/>
+                <a:ea typeface="Times New Roman" panose="02020603050405020304" pitchFamily="18" charset="0"/>
+                <a:cs typeface="Times New Roman" panose="02020603050405020304" pitchFamily="18" charset="0"/>
+              </a:rPr>
+              <a:t>perlu</a:t>
+            </a:r>
+            <a:r>
+              <a:rPr lang="en-US" sz="1800" dirty="0">
+                <a:effectLst/>
+                <a:latin typeface="Raleway" pitchFamily="2" charset="0"/>
+                <a:ea typeface="Times New Roman" panose="02020603050405020304" pitchFamily="18" charset="0"/>
+                <a:cs typeface="Times New Roman" panose="02020603050405020304" pitchFamily="18" charset="0"/>
+              </a:rPr>
+              <a:t> </a:t>
+            </a:r>
+            <a:r>
+              <a:rPr lang="en-US" sz="1800" dirty="0" err="1">
+                <a:effectLst/>
+                <a:latin typeface="Raleway" pitchFamily="2" charset="0"/>
+                <a:ea typeface="Times New Roman" panose="02020603050405020304" pitchFamily="18" charset="0"/>
+                <a:cs typeface="Times New Roman" panose="02020603050405020304" pitchFamily="18" charset="0"/>
+              </a:rPr>
+              <a:t>adanya</a:t>
+            </a:r>
+            <a:r>
+              <a:rPr lang="en-US" sz="1800" dirty="0">
+                <a:effectLst/>
+                <a:latin typeface="Raleway" pitchFamily="2" charset="0"/>
+                <a:ea typeface="Times New Roman" panose="02020603050405020304" pitchFamily="18" charset="0"/>
+                <a:cs typeface="Times New Roman" panose="02020603050405020304" pitchFamily="18" charset="0"/>
+              </a:rPr>
+              <a:t> </a:t>
+            </a:r>
+            <a:r>
+              <a:rPr lang="en-US" sz="1800" dirty="0" err="1">
+                <a:effectLst/>
+                <a:latin typeface="Raleway" pitchFamily="2" charset="0"/>
+                <a:ea typeface="Times New Roman" panose="02020603050405020304" pitchFamily="18" charset="0"/>
+                <a:cs typeface="Times New Roman" panose="02020603050405020304" pitchFamily="18" charset="0"/>
+              </a:rPr>
+              <a:t>kebiasaan</a:t>
+            </a:r>
+            <a:r>
+              <a:rPr lang="en-US" sz="1800" dirty="0">
+                <a:effectLst/>
+                <a:latin typeface="Raleway" pitchFamily="2" charset="0"/>
+                <a:ea typeface="Times New Roman" panose="02020603050405020304" pitchFamily="18" charset="0"/>
+                <a:cs typeface="Times New Roman" panose="02020603050405020304" pitchFamily="18" charset="0"/>
+              </a:rPr>
+              <a:t> </a:t>
+            </a:r>
+            <a:r>
+              <a:rPr lang="en-US" sz="1800" dirty="0" err="1">
+                <a:effectLst/>
+                <a:latin typeface="Raleway" pitchFamily="2" charset="0"/>
+                <a:ea typeface="Times New Roman" panose="02020603050405020304" pitchFamily="18" charset="0"/>
+                <a:cs typeface="Times New Roman" panose="02020603050405020304" pitchFamily="18" charset="0"/>
+              </a:rPr>
+              <a:t>dalam</a:t>
+            </a:r>
+            <a:r>
+              <a:rPr lang="en-US" sz="1800" dirty="0">
+                <a:effectLst/>
+                <a:latin typeface="Raleway" pitchFamily="2" charset="0"/>
+                <a:ea typeface="Times New Roman" panose="02020603050405020304" pitchFamily="18" charset="0"/>
+                <a:cs typeface="Times New Roman" panose="02020603050405020304" pitchFamily="18" charset="0"/>
+              </a:rPr>
+              <a:t> </a:t>
+            </a:r>
+            <a:r>
+              <a:rPr lang="en-US" sz="1800" dirty="0" err="1">
+                <a:effectLst/>
+                <a:latin typeface="Raleway" pitchFamily="2" charset="0"/>
+                <a:ea typeface="Times New Roman" panose="02020603050405020304" pitchFamily="18" charset="0"/>
+                <a:cs typeface="Times New Roman" panose="02020603050405020304" pitchFamily="18" charset="0"/>
+              </a:rPr>
+              <a:t>menggunakan</a:t>
+            </a:r>
+            <a:r>
+              <a:rPr lang="en-US" sz="1800" dirty="0">
+                <a:effectLst/>
+                <a:latin typeface="Raleway" pitchFamily="2" charset="0"/>
+                <a:ea typeface="Times New Roman" panose="02020603050405020304" pitchFamily="18" charset="0"/>
+                <a:cs typeface="Times New Roman" panose="02020603050405020304" pitchFamily="18" charset="0"/>
+              </a:rPr>
+              <a:t> </a:t>
+            </a:r>
+            <a:r>
+              <a:rPr lang="en-US" sz="1800" dirty="0" err="1">
+                <a:effectLst/>
+                <a:latin typeface="Raleway" pitchFamily="2" charset="0"/>
+                <a:ea typeface="Times New Roman" panose="02020603050405020304" pitchFamily="18" charset="0"/>
+                <a:cs typeface="Times New Roman" panose="02020603050405020304" pitchFamily="18" charset="0"/>
+              </a:rPr>
+              <a:t>aplikasi</a:t>
+            </a:r>
+            <a:endParaRPr lang="en-ID" dirty="0"/>
+          </a:p>
+        </p:txBody>
+      </p:sp>
+    </p:spTree>
+    <p:extLst>
+      <p:ext uri="{BB962C8B-B14F-4D97-AF65-F5344CB8AC3E}">
+        <p14:creationId xmlns:p14="http://schemas.microsoft.com/office/powerpoint/2010/main" val="263784652"/>
+      </p:ext>
+    </p:extLst>
+  </p:cSld>
+  <p:clrMapOvr>
+    <a:masterClrMapping/>
+  </p:clrMapOvr>
+</p:sld>
+</file>
+
+<file path=ppt/slides/slide16.xml><?xml version="1.0" encoding="utf-8"?>
+<p:sld xmlns:a="http://schemas.openxmlformats.org/drawingml/2006/main" xmlns:r="http://schemas.openxmlformats.org/officeDocument/2006/relationships" xmlns:p="http://schemas.openxmlformats.org/presentationml/2006/main">
+  <p:cSld>
+    <p:spTree>
+      <p:nvGrpSpPr>
+        <p:cNvPr id="1" name=""/>
+        <p:cNvGrpSpPr/>
+        <p:nvPr/>
+      </p:nvGrpSpPr>
+      <p:grpSpPr>
+        <a:xfrm>
+          <a:off x="0" y="0"/>
+          <a:ext cx="0" cy="0"/>
+          <a:chOff x="0" y="0"/>
+          <a:chExt cx="0" cy="0"/>
+        </a:xfrm>
+      </p:grpSpPr>
+      <p:sp>
+        <p:nvSpPr>
+          <p:cNvPr id="2" name="Title 1">
+            <a:extLst>
+              <a:ext uri="{FF2B5EF4-FFF2-40B4-BE49-F238E27FC236}">
+                <a16:creationId xmlns:a16="http://schemas.microsoft.com/office/drawing/2014/main" id="{5E562972-3449-42D1-8185-B4BEFD52AB44}"/>
+              </a:ext>
+            </a:extLst>
+          </p:cNvPr>
+          <p:cNvSpPr>
+            <a:spLocks noGrp="1"/>
+          </p:cNvSpPr>
+          <p:nvPr>
+            <p:ph type="title"/>
+          </p:nvPr>
+        </p:nvSpPr>
+        <p:spPr/>
+        <p:txBody>
+          <a:bodyPr/>
+          <a:lstStyle/>
+          <a:p>
+            <a:r>
+              <a:rPr lang="en-US" dirty="0"/>
               <a:t>Saran</a:t>
             </a:r>
           </a:p>
@@ -8624,6 +8824,1330 @@
 </file>
 
 <file path=ppt/slides/slide2.xml><?xml version="1.0" encoding="utf-8"?>
+<p:sld xmlns:a="http://schemas.openxmlformats.org/drawingml/2006/main" xmlns:r="http://schemas.openxmlformats.org/officeDocument/2006/relationships" xmlns:p="http://schemas.openxmlformats.org/presentationml/2006/main">
+  <p:cSld>
+    <p:spTree>
+      <p:nvGrpSpPr>
+        <p:cNvPr id="1" name=""/>
+        <p:cNvGrpSpPr/>
+        <p:nvPr/>
+      </p:nvGrpSpPr>
+      <p:grpSpPr>
+        <a:xfrm>
+          <a:off x="0" y="0"/>
+          <a:ext cx="0" cy="0"/>
+          <a:chOff x="0" y="0"/>
+          <a:chExt cx="0" cy="0"/>
+        </a:xfrm>
+      </p:grpSpPr>
+      <p:sp>
+        <p:nvSpPr>
+          <p:cNvPr id="2" name="Title 1">
+            <a:extLst>
+              <a:ext uri="{FF2B5EF4-FFF2-40B4-BE49-F238E27FC236}">
+                <a16:creationId xmlns:a16="http://schemas.microsoft.com/office/drawing/2014/main" id="{09F91042-2C31-97B7-3E51-E2A9C003A3FC}"/>
+              </a:ext>
+            </a:extLst>
+          </p:cNvPr>
+          <p:cNvSpPr>
+            <a:spLocks noGrp="1"/>
+          </p:cNvSpPr>
+          <p:nvPr>
+            <p:ph type="title"/>
+          </p:nvPr>
+        </p:nvSpPr>
+        <p:spPr/>
+        <p:txBody>
+          <a:bodyPr/>
+          <a:lstStyle/>
+          <a:p>
+            <a:r>
+              <a:rPr lang="en-US" dirty="0" err="1"/>
+              <a:t>pendahuluan</a:t>
+            </a:r>
+            <a:endParaRPr lang="en-ID" dirty="0"/>
+          </a:p>
+        </p:txBody>
+      </p:sp>
+      <p:sp>
+        <p:nvSpPr>
+          <p:cNvPr id="5" name="Content Placeholder 4">
+            <a:extLst>
+              <a:ext uri="{FF2B5EF4-FFF2-40B4-BE49-F238E27FC236}">
+                <a16:creationId xmlns:a16="http://schemas.microsoft.com/office/drawing/2014/main" id="{B64FE81C-08EF-0AE8-A2D7-2D5CFD4DDAEE}"/>
+              </a:ext>
+            </a:extLst>
+          </p:cNvPr>
+          <p:cNvSpPr>
+            <a:spLocks noGrp="1"/>
+          </p:cNvSpPr>
+          <p:nvPr>
+            <p:ph idx="1"/>
+          </p:nvPr>
+        </p:nvSpPr>
+        <p:spPr>
+          <a:xfrm>
+            <a:off x="581192" y="2182359"/>
+            <a:ext cx="10197644" cy="2847392"/>
+          </a:xfrm>
+        </p:spPr>
+        <p:txBody>
+          <a:bodyPr>
+            <a:normAutofit/>
+          </a:bodyPr>
+          <a:lstStyle/>
+          <a:p>
+            <a:pPr marL="342900" lvl="0" indent="-342900" algn="just">
+              <a:lnSpc>
+                <a:spcPct val="130000"/>
+              </a:lnSpc>
+              <a:buFont typeface="+mj-lt"/>
+              <a:buAutoNum type="arabicPeriod"/>
+            </a:pPr>
+            <a:r>
+              <a:rPr lang="en-US" sz="1800" dirty="0" err="1">
+                <a:solidFill>
+                  <a:srgbClr val="000000"/>
+                </a:solidFill>
+                <a:effectLst/>
+                <a:latin typeface="Raleway" pitchFamily="2" charset="0"/>
+                <a:ea typeface="Times New Roman" panose="02020603050405020304" pitchFamily="18" charset="0"/>
+                <a:cs typeface="Times New Roman" panose="02020603050405020304" pitchFamily="18" charset="0"/>
+              </a:rPr>
+              <a:t>todo</a:t>
+            </a:r>
+            <a:r>
+              <a:rPr lang="en-US" sz="1800" dirty="0">
+                <a:solidFill>
+                  <a:srgbClr val="000000"/>
+                </a:solidFill>
+                <a:effectLst/>
+                <a:latin typeface="Raleway" pitchFamily="2" charset="0"/>
+                <a:ea typeface="Times New Roman" panose="02020603050405020304" pitchFamily="18" charset="0"/>
+                <a:cs typeface="Times New Roman" panose="02020603050405020304" pitchFamily="18" charset="0"/>
+              </a:rPr>
+              <a:t> list </a:t>
+            </a:r>
+            <a:r>
+              <a:rPr lang="en-US" sz="1800" dirty="0" err="1">
+                <a:solidFill>
+                  <a:srgbClr val="000000"/>
+                </a:solidFill>
+                <a:effectLst/>
+                <a:latin typeface="Raleway" pitchFamily="2" charset="0"/>
+                <a:ea typeface="Times New Roman" panose="02020603050405020304" pitchFamily="18" charset="0"/>
+                <a:cs typeface="Times New Roman" panose="02020603050405020304" pitchFamily="18" charset="0"/>
+              </a:rPr>
+              <a:t>banyak</a:t>
+            </a:r>
+            <a:r>
+              <a:rPr lang="en-US" sz="1800" dirty="0">
+                <a:solidFill>
+                  <a:srgbClr val="000000"/>
+                </a:solidFill>
+                <a:effectLst/>
+                <a:latin typeface="Raleway" pitchFamily="2" charset="0"/>
+                <a:ea typeface="Times New Roman" panose="02020603050405020304" pitchFamily="18" charset="0"/>
+                <a:cs typeface="Times New Roman" panose="02020603050405020304" pitchFamily="18" charset="0"/>
+              </a:rPr>
+              <a:t> </a:t>
+            </a:r>
+            <a:r>
+              <a:rPr lang="en-US" sz="1800" dirty="0" err="1">
+                <a:solidFill>
+                  <a:srgbClr val="000000"/>
+                </a:solidFill>
+                <a:effectLst/>
+                <a:latin typeface="Raleway" pitchFamily="2" charset="0"/>
+                <a:ea typeface="Times New Roman" panose="02020603050405020304" pitchFamily="18" charset="0"/>
+                <a:cs typeface="Times New Roman" panose="02020603050405020304" pitchFamily="18" charset="0"/>
+              </a:rPr>
+              <a:t>digunakan</a:t>
+            </a:r>
+            <a:r>
+              <a:rPr lang="en-US" sz="1800" dirty="0">
+                <a:solidFill>
+                  <a:srgbClr val="000000"/>
+                </a:solidFill>
+                <a:effectLst/>
+                <a:latin typeface="Raleway" pitchFamily="2" charset="0"/>
+                <a:ea typeface="Times New Roman" panose="02020603050405020304" pitchFamily="18" charset="0"/>
+                <a:cs typeface="Times New Roman" panose="02020603050405020304" pitchFamily="18" charset="0"/>
+              </a:rPr>
+              <a:t> </a:t>
+            </a:r>
+            <a:r>
+              <a:rPr lang="en-US" sz="1800" dirty="0" err="1">
+                <a:solidFill>
+                  <a:srgbClr val="000000"/>
+                </a:solidFill>
+                <a:effectLst/>
+                <a:latin typeface="Raleway" pitchFamily="2" charset="0"/>
+                <a:ea typeface="Times New Roman" panose="02020603050405020304" pitchFamily="18" charset="0"/>
+                <a:cs typeface="Times New Roman" panose="02020603050405020304" pitchFamily="18" charset="0"/>
+              </a:rPr>
+              <a:t>sebagai</a:t>
+            </a:r>
+            <a:r>
+              <a:rPr lang="en-US" sz="1800" dirty="0">
+                <a:solidFill>
+                  <a:srgbClr val="000000"/>
+                </a:solidFill>
+                <a:effectLst/>
+                <a:latin typeface="Raleway" pitchFamily="2" charset="0"/>
+                <a:ea typeface="Times New Roman" panose="02020603050405020304" pitchFamily="18" charset="0"/>
+                <a:cs typeface="Times New Roman" panose="02020603050405020304" pitchFamily="18" charset="0"/>
+              </a:rPr>
+              <a:t> </a:t>
+            </a:r>
+            <a:r>
+              <a:rPr lang="en-US" sz="1800" dirty="0" err="1">
+                <a:solidFill>
+                  <a:srgbClr val="000000"/>
+                </a:solidFill>
+                <a:effectLst/>
+                <a:latin typeface="Raleway" pitchFamily="2" charset="0"/>
+                <a:ea typeface="Times New Roman" panose="02020603050405020304" pitchFamily="18" charset="0"/>
+                <a:cs typeface="Times New Roman" panose="02020603050405020304" pitchFamily="18" charset="0"/>
+              </a:rPr>
+              <a:t>panduan</a:t>
+            </a:r>
+            <a:r>
+              <a:rPr lang="en-US" sz="1800" dirty="0">
+                <a:solidFill>
+                  <a:srgbClr val="000000"/>
+                </a:solidFill>
+                <a:effectLst/>
+                <a:latin typeface="Raleway" pitchFamily="2" charset="0"/>
+                <a:ea typeface="Times New Roman" panose="02020603050405020304" pitchFamily="18" charset="0"/>
+                <a:cs typeface="Times New Roman" panose="02020603050405020304" pitchFamily="18" charset="0"/>
+              </a:rPr>
+              <a:t> </a:t>
+            </a:r>
+            <a:r>
+              <a:rPr lang="en-US" sz="1800" dirty="0" err="1">
+                <a:solidFill>
+                  <a:srgbClr val="000000"/>
+                </a:solidFill>
+                <a:effectLst/>
+                <a:latin typeface="Raleway" pitchFamily="2" charset="0"/>
+                <a:ea typeface="Times New Roman" panose="02020603050405020304" pitchFamily="18" charset="0"/>
+                <a:cs typeface="Times New Roman" panose="02020603050405020304" pitchFamily="18" charset="0"/>
+              </a:rPr>
+              <a:t>untuk</a:t>
+            </a:r>
+            <a:r>
+              <a:rPr lang="en-US" sz="1800" dirty="0">
+                <a:solidFill>
+                  <a:srgbClr val="000000"/>
+                </a:solidFill>
+                <a:effectLst/>
+                <a:latin typeface="Raleway" pitchFamily="2" charset="0"/>
+                <a:ea typeface="Times New Roman" panose="02020603050405020304" pitchFamily="18" charset="0"/>
+                <a:cs typeface="Times New Roman" panose="02020603050405020304" pitchFamily="18" charset="0"/>
+              </a:rPr>
+              <a:t> </a:t>
+            </a:r>
+            <a:r>
+              <a:rPr lang="en-US" sz="1800" dirty="0" err="1">
+                <a:solidFill>
+                  <a:srgbClr val="000000"/>
+                </a:solidFill>
+                <a:effectLst/>
+                <a:latin typeface="Raleway" pitchFamily="2" charset="0"/>
+                <a:ea typeface="Times New Roman" panose="02020603050405020304" pitchFamily="18" charset="0"/>
+                <a:cs typeface="Times New Roman" panose="02020603050405020304" pitchFamily="18" charset="0"/>
+              </a:rPr>
+              <a:t>efisiensi</a:t>
+            </a:r>
+            <a:r>
+              <a:rPr lang="en-US" sz="1800" dirty="0">
+                <a:solidFill>
+                  <a:srgbClr val="000000"/>
+                </a:solidFill>
+                <a:effectLst/>
+                <a:latin typeface="Raleway" pitchFamily="2" charset="0"/>
+                <a:ea typeface="Times New Roman" panose="02020603050405020304" pitchFamily="18" charset="0"/>
+                <a:cs typeface="Times New Roman" panose="02020603050405020304" pitchFamily="18" charset="0"/>
+              </a:rPr>
+              <a:t> </a:t>
+            </a:r>
+            <a:r>
+              <a:rPr lang="en-US" sz="1800" dirty="0" err="1">
+                <a:solidFill>
+                  <a:srgbClr val="000000"/>
+                </a:solidFill>
+                <a:effectLst/>
+                <a:latin typeface="Raleway" pitchFamily="2" charset="0"/>
+                <a:ea typeface="Times New Roman" panose="02020603050405020304" pitchFamily="18" charset="0"/>
+                <a:cs typeface="Times New Roman" panose="02020603050405020304" pitchFamily="18" charset="0"/>
+              </a:rPr>
+              <a:t>tugas</a:t>
+            </a:r>
+            <a:r>
+              <a:rPr lang="en-US" sz="1800" dirty="0">
+                <a:solidFill>
+                  <a:srgbClr val="000000"/>
+                </a:solidFill>
+                <a:effectLst/>
+                <a:latin typeface="Raleway" pitchFamily="2" charset="0"/>
+                <a:ea typeface="Times New Roman" panose="02020603050405020304" pitchFamily="18" charset="0"/>
+                <a:cs typeface="Times New Roman" panose="02020603050405020304" pitchFamily="18" charset="0"/>
+              </a:rPr>
+              <a:t> </a:t>
+            </a:r>
+            <a:r>
+              <a:rPr lang="en-US" sz="1800" dirty="0" err="1">
+                <a:solidFill>
+                  <a:srgbClr val="000000"/>
+                </a:solidFill>
+                <a:effectLst/>
+                <a:latin typeface="Raleway" pitchFamily="2" charset="0"/>
+                <a:ea typeface="Times New Roman" panose="02020603050405020304" pitchFamily="18" charset="0"/>
+                <a:cs typeface="Times New Roman" panose="02020603050405020304" pitchFamily="18" charset="0"/>
+              </a:rPr>
+              <a:t>sehari</a:t>
+            </a:r>
+            <a:r>
+              <a:rPr lang="en-US" sz="1800" dirty="0">
+                <a:solidFill>
+                  <a:srgbClr val="000000"/>
+                </a:solidFill>
+                <a:effectLst/>
+                <a:latin typeface="Raleway" pitchFamily="2" charset="0"/>
+                <a:ea typeface="Times New Roman" panose="02020603050405020304" pitchFamily="18" charset="0"/>
+                <a:cs typeface="Times New Roman" panose="02020603050405020304" pitchFamily="18" charset="0"/>
+              </a:rPr>
+              <a:t> </a:t>
+            </a:r>
+            <a:r>
+              <a:rPr lang="en-US" sz="1800" dirty="0" err="1">
+                <a:solidFill>
+                  <a:srgbClr val="000000"/>
+                </a:solidFill>
+                <a:effectLst/>
+                <a:latin typeface="Raleway" pitchFamily="2" charset="0"/>
+                <a:ea typeface="Times New Roman" panose="02020603050405020304" pitchFamily="18" charset="0"/>
+                <a:cs typeface="Times New Roman" panose="02020603050405020304" pitchFamily="18" charset="0"/>
+              </a:rPr>
+              <a:t>hari</a:t>
+            </a:r>
+            <a:r>
+              <a:rPr lang="en-US" sz="1800" dirty="0">
+                <a:solidFill>
+                  <a:srgbClr val="000000"/>
+                </a:solidFill>
+                <a:effectLst/>
+                <a:latin typeface="Raleway" pitchFamily="2" charset="0"/>
+                <a:ea typeface="Times New Roman" panose="02020603050405020304" pitchFamily="18" charset="0"/>
+                <a:cs typeface="Times New Roman" panose="02020603050405020304" pitchFamily="18" charset="0"/>
+              </a:rPr>
+              <a:t>.</a:t>
+            </a:r>
+          </a:p>
+          <a:p>
+            <a:pPr marL="342900" lvl="0" indent="-342900" algn="just">
+              <a:lnSpc>
+                <a:spcPct val="130000"/>
+              </a:lnSpc>
+              <a:buFont typeface="+mj-lt"/>
+              <a:buAutoNum type="arabicPeriod"/>
+            </a:pPr>
+            <a:r>
+              <a:rPr lang="en-US" sz="1800" dirty="0" err="1">
+                <a:solidFill>
+                  <a:srgbClr val="000000"/>
+                </a:solidFill>
+                <a:effectLst/>
+                <a:latin typeface="Raleway" pitchFamily="2" charset="0"/>
+                <a:ea typeface="Times New Roman" panose="02020603050405020304" pitchFamily="18" charset="0"/>
+                <a:cs typeface="Times New Roman" panose="02020603050405020304" pitchFamily="18" charset="0"/>
+              </a:rPr>
+              <a:t>berdasarkan</a:t>
+            </a:r>
+            <a:r>
+              <a:rPr lang="en-US" sz="1800" dirty="0">
+                <a:solidFill>
+                  <a:srgbClr val="000000"/>
+                </a:solidFill>
+                <a:effectLst/>
+                <a:latin typeface="Raleway" pitchFamily="2" charset="0"/>
+                <a:ea typeface="Times New Roman" panose="02020603050405020304" pitchFamily="18" charset="0"/>
+                <a:cs typeface="Times New Roman" panose="02020603050405020304" pitchFamily="18" charset="0"/>
+              </a:rPr>
+              <a:t> </a:t>
+            </a:r>
+            <a:r>
+              <a:rPr lang="en-US" sz="1800" dirty="0" err="1">
+                <a:solidFill>
+                  <a:srgbClr val="000000"/>
+                </a:solidFill>
+                <a:effectLst/>
+                <a:latin typeface="Raleway" pitchFamily="2" charset="0"/>
+                <a:ea typeface="Times New Roman" panose="02020603050405020304" pitchFamily="18" charset="0"/>
+                <a:cs typeface="Times New Roman" panose="02020603050405020304" pitchFamily="18" charset="0"/>
+              </a:rPr>
+              <a:t>kajian</a:t>
+            </a:r>
+            <a:r>
+              <a:rPr lang="en-US" sz="1800" dirty="0">
+                <a:solidFill>
+                  <a:srgbClr val="000000"/>
+                </a:solidFill>
+                <a:effectLst/>
+                <a:latin typeface="Raleway" pitchFamily="2" charset="0"/>
+                <a:ea typeface="Times New Roman" panose="02020603050405020304" pitchFamily="18" charset="0"/>
+                <a:cs typeface="Times New Roman" panose="02020603050405020304" pitchFamily="18" charset="0"/>
+              </a:rPr>
+              <a:t> </a:t>
+            </a:r>
+            <a:r>
+              <a:rPr lang="en-US" sz="1800" dirty="0" err="1">
+                <a:solidFill>
+                  <a:srgbClr val="000000"/>
+                </a:solidFill>
+                <a:effectLst/>
+                <a:latin typeface="Raleway" pitchFamily="2" charset="0"/>
+                <a:ea typeface="Times New Roman" panose="02020603050405020304" pitchFamily="18" charset="0"/>
+                <a:cs typeface="Times New Roman" panose="02020603050405020304" pitchFamily="18" charset="0"/>
+              </a:rPr>
+              <a:t>teori</a:t>
+            </a:r>
+            <a:r>
+              <a:rPr lang="en-US" sz="1800" dirty="0">
+                <a:solidFill>
+                  <a:srgbClr val="000000"/>
+                </a:solidFill>
+                <a:effectLst/>
+                <a:latin typeface="Raleway" pitchFamily="2" charset="0"/>
+                <a:ea typeface="Times New Roman" panose="02020603050405020304" pitchFamily="18" charset="0"/>
+                <a:cs typeface="Times New Roman" panose="02020603050405020304" pitchFamily="18" charset="0"/>
+              </a:rPr>
+              <a:t> </a:t>
+            </a:r>
+            <a:r>
+              <a:rPr lang="en-US" sz="1800" dirty="0" err="1">
+                <a:solidFill>
+                  <a:srgbClr val="000000"/>
+                </a:solidFill>
+                <a:effectLst/>
+                <a:latin typeface="Raleway" pitchFamily="2" charset="0"/>
+                <a:ea typeface="Times New Roman" panose="02020603050405020304" pitchFamily="18" charset="0"/>
+                <a:cs typeface="Times New Roman" panose="02020603050405020304" pitchFamily="18" charset="0"/>
+              </a:rPr>
+              <a:t>sebelumnya</a:t>
+            </a:r>
+            <a:r>
+              <a:rPr lang="en-US" sz="1800" dirty="0">
+                <a:solidFill>
+                  <a:srgbClr val="000000"/>
+                </a:solidFill>
+                <a:effectLst/>
+                <a:latin typeface="Raleway" pitchFamily="2" charset="0"/>
+                <a:ea typeface="Times New Roman" panose="02020603050405020304" pitchFamily="18" charset="0"/>
+                <a:cs typeface="Times New Roman" panose="02020603050405020304" pitchFamily="18" charset="0"/>
+              </a:rPr>
+              <a:t>, </a:t>
+            </a:r>
+            <a:r>
+              <a:rPr lang="en-US" sz="1800" dirty="0" err="1">
+                <a:solidFill>
+                  <a:srgbClr val="000000"/>
+                </a:solidFill>
+                <a:effectLst/>
+                <a:latin typeface="Raleway" pitchFamily="2" charset="0"/>
+                <a:ea typeface="Times New Roman" panose="02020603050405020304" pitchFamily="18" charset="0"/>
+                <a:cs typeface="Times New Roman" panose="02020603050405020304" pitchFamily="18" charset="0"/>
+              </a:rPr>
+              <a:t>antarmuka</a:t>
+            </a:r>
+            <a:r>
+              <a:rPr lang="en-US" sz="1800" dirty="0">
+                <a:solidFill>
+                  <a:srgbClr val="000000"/>
+                </a:solidFill>
+                <a:effectLst/>
+                <a:latin typeface="Raleway" pitchFamily="2" charset="0"/>
+                <a:ea typeface="Times New Roman" panose="02020603050405020304" pitchFamily="18" charset="0"/>
+                <a:cs typeface="Times New Roman" panose="02020603050405020304" pitchFamily="18" charset="0"/>
+              </a:rPr>
+              <a:t> </a:t>
+            </a:r>
+            <a:r>
+              <a:rPr lang="en-US" sz="1800" dirty="0" err="1">
+                <a:solidFill>
+                  <a:srgbClr val="000000"/>
+                </a:solidFill>
+                <a:effectLst/>
+                <a:latin typeface="Raleway" pitchFamily="2" charset="0"/>
+                <a:ea typeface="Times New Roman" panose="02020603050405020304" pitchFamily="18" charset="0"/>
+                <a:cs typeface="Times New Roman" panose="02020603050405020304" pitchFamily="18" charset="0"/>
+              </a:rPr>
+              <a:t>berbasis</a:t>
+            </a:r>
+            <a:r>
+              <a:rPr lang="en-US" sz="1800" dirty="0">
+                <a:solidFill>
+                  <a:srgbClr val="000000"/>
+                </a:solidFill>
+                <a:effectLst/>
+                <a:latin typeface="Raleway" pitchFamily="2" charset="0"/>
+                <a:ea typeface="Times New Roman" panose="02020603050405020304" pitchFamily="18" charset="0"/>
+                <a:cs typeface="Times New Roman" panose="02020603050405020304" pitchFamily="18" charset="0"/>
+              </a:rPr>
+              <a:t> </a:t>
+            </a:r>
+            <a:r>
+              <a:rPr lang="en-US" sz="1800" dirty="0" err="1">
+                <a:solidFill>
+                  <a:srgbClr val="000000"/>
+                </a:solidFill>
+                <a:effectLst/>
+                <a:latin typeface="Raleway" pitchFamily="2" charset="0"/>
+                <a:ea typeface="Times New Roman" panose="02020603050405020304" pitchFamily="18" charset="0"/>
+                <a:cs typeface="Times New Roman" panose="02020603050405020304" pitchFamily="18" charset="0"/>
+              </a:rPr>
+              <a:t>suara</a:t>
+            </a:r>
+            <a:r>
+              <a:rPr lang="en-US" sz="1800" dirty="0">
+                <a:solidFill>
+                  <a:srgbClr val="000000"/>
+                </a:solidFill>
+                <a:effectLst/>
+                <a:latin typeface="Raleway" pitchFamily="2" charset="0"/>
+                <a:ea typeface="Times New Roman" panose="02020603050405020304" pitchFamily="18" charset="0"/>
+                <a:cs typeface="Times New Roman" panose="02020603050405020304" pitchFamily="18" charset="0"/>
+              </a:rPr>
+              <a:t> </a:t>
+            </a:r>
+            <a:r>
+              <a:rPr lang="en-US" sz="1800" dirty="0" err="1">
+                <a:solidFill>
+                  <a:srgbClr val="000000"/>
+                </a:solidFill>
+                <a:effectLst/>
+                <a:latin typeface="Raleway" pitchFamily="2" charset="0"/>
+                <a:ea typeface="Times New Roman" panose="02020603050405020304" pitchFamily="18" charset="0"/>
+                <a:cs typeface="Times New Roman" panose="02020603050405020304" pitchFamily="18" charset="0"/>
+              </a:rPr>
+              <a:t>menawarkan</a:t>
+            </a:r>
+            <a:r>
+              <a:rPr lang="en-US" sz="1800" dirty="0">
+                <a:solidFill>
+                  <a:srgbClr val="000000"/>
+                </a:solidFill>
+                <a:effectLst/>
+                <a:latin typeface="Raleway" pitchFamily="2" charset="0"/>
+                <a:ea typeface="Times New Roman" panose="02020603050405020304" pitchFamily="18" charset="0"/>
+                <a:cs typeface="Times New Roman" panose="02020603050405020304" pitchFamily="18" charset="0"/>
+              </a:rPr>
+              <a:t> </a:t>
+            </a:r>
+            <a:r>
+              <a:rPr lang="en-US" sz="1800" dirty="0" err="1">
+                <a:solidFill>
+                  <a:srgbClr val="000000"/>
+                </a:solidFill>
+                <a:effectLst/>
+                <a:latin typeface="Raleway" pitchFamily="2" charset="0"/>
+                <a:ea typeface="Times New Roman" panose="02020603050405020304" pitchFamily="18" charset="0"/>
+                <a:cs typeface="Times New Roman" panose="02020603050405020304" pitchFamily="18" charset="0"/>
+              </a:rPr>
+              <a:t>kemudahan</a:t>
+            </a:r>
+            <a:r>
+              <a:rPr lang="en-US" sz="1800" dirty="0">
+                <a:solidFill>
+                  <a:srgbClr val="000000"/>
+                </a:solidFill>
+                <a:effectLst/>
+                <a:latin typeface="Raleway" pitchFamily="2" charset="0"/>
+                <a:ea typeface="Times New Roman" panose="02020603050405020304" pitchFamily="18" charset="0"/>
+                <a:cs typeface="Times New Roman" panose="02020603050405020304" pitchFamily="18" charset="0"/>
+              </a:rPr>
+              <a:t> </a:t>
+            </a:r>
+            <a:r>
+              <a:rPr lang="en-US" sz="1800" dirty="0" err="1">
+                <a:solidFill>
+                  <a:srgbClr val="000000"/>
+                </a:solidFill>
+                <a:effectLst/>
+                <a:latin typeface="Raleway" pitchFamily="2" charset="0"/>
+                <a:ea typeface="Times New Roman" panose="02020603050405020304" pitchFamily="18" charset="0"/>
+                <a:cs typeface="Times New Roman" panose="02020603050405020304" pitchFamily="18" charset="0"/>
+              </a:rPr>
+              <a:t>akses</a:t>
+            </a:r>
+            <a:r>
+              <a:rPr lang="en-US" sz="1800" dirty="0">
+                <a:solidFill>
+                  <a:srgbClr val="000000"/>
+                </a:solidFill>
+                <a:effectLst/>
+                <a:latin typeface="Raleway" pitchFamily="2" charset="0"/>
+                <a:ea typeface="Times New Roman" panose="02020603050405020304" pitchFamily="18" charset="0"/>
+                <a:cs typeface="Times New Roman" panose="02020603050405020304" pitchFamily="18" charset="0"/>
+              </a:rPr>
+              <a:t> dan </a:t>
+            </a:r>
+            <a:r>
+              <a:rPr lang="en-US" sz="1800" dirty="0" err="1">
+                <a:solidFill>
+                  <a:srgbClr val="000000"/>
+                </a:solidFill>
+                <a:effectLst/>
+                <a:latin typeface="Raleway" pitchFamily="2" charset="0"/>
+                <a:ea typeface="Times New Roman" panose="02020603050405020304" pitchFamily="18" charset="0"/>
+                <a:cs typeface="Times New Roman" panose="02020603050405020304" pitchFamily="18" charset="0"/>
+              </a:rPr>
+              <a:t>interaksi</a:t>
+            </a:r>
+            <a:r>
+              <a:rPr lang="en-US" sz="1800" dirty="0">
+                <a:solidFill>
+                  <a:srgbClr val="000000"/>
+                </a:solidFill>
+                <a:effectLst/>
+                <a:latin typeface="Raleway" pitchFamily="2" charset="0"/>
+                <a:ea typeface="Times New Roman" panose="02020603050405020304" pitchFamily="18" charset="0"/>
+                <a:cs typeface="Times New Roman" panose="02020603050405020304" pitchFamily="18" charset="0"/>
+              </a:rPr>
+              <a:t> yang </a:t>
+            </a:r>
+            <a:r>
+              <a:rPr lang="en-US" sz="1800" dirty="0" err="1">
+                <a:solidFill>
+                  <a:srgbClr val="000000"/>
+                </a:solidFill>
+                <a:effectLst/>
+                <a:latin typeface="Raleway" pitchFamily="2" charset="0"/>
+                <a:ea typeface="Times New Roman" panose="02020603050405020304" pitchFamily="18" charset="0"/>
+                <a:cs typeface="Times New Roman" panose="02020603050405020304" pitchFamily="18" charset="0"/>
+              </a:rPr>
+              <a:t>lebih</a:t>
+            </a:r>
+            <a:r>
+              <a:rPr lang="en-US" sz="1800" dirty="0">
+                <a:solidFill>
+                  <a:srgbClr val="000000"/>
+                </a:solidFill>
+                <a:effectLst/>
+                <a:latin typeface="Raleway" pitchFamily="2" charset="0"/>
+                <a:ea typeface="Times New Roman" panose="02020603050405020304" pitchFamily="18" charset="0"/>
+                <a:cs typeface="Times New Roman" panose="02020603050405020304" pitchFamily="18" charset="0"/>
+              </a:rPr>
+              <a:t> </a:t>
+            </a:r>
+            <a:r>
+              <a:rPr lang="en-US" sz="1800" dirty="0" err="1">
+                <a:solidFill>
+                  <a:srgbClr val="000000"/>
+                </a:solidFill>
+                <a:effectLst/>
+                <a:latin typeface="Raleway" pitchFamily="2" charset="0"/>
+                <a:ea typeface="Times New Roman" panose="02020603050405020304" pitchFamily="18" charset="0"/>
+                <a:cs typeface="Times New Roman" panose="02020603050405020304" pitchFamily="18" charset="0"/>
+              </a:rPr>
+              <a:t>langsung</a:t>
+            </a:r>
+            <a:r>
+              <a:rPr lang="en-US" sz="1800" dirty="0">
+                <a:solidFill>
+                  <a:srgbClr val="000000"/>
+                </a:solidFill>
+                <a:effectLst/>
+                <a:latin typeface="Raleway" pitchFamily="2" charset="0"/>
+                <a:ea typeface="Times New Roman" panose="02020603050405020304" pitchFamily="18" charset="0"/>
+                <a:cs typeface="Times New Roman" panose="02020603050405020304" pitchFamily="18" charset="0"/>
+              </a:rPr>
+              <a:t> </a:t>
+            </a:r>
+            <a:r>
+              <a:rPr lang="en-US" sz="1800" dirty="0" err="1">
+                <a:solidFill>
+                  <a:srgbClr val="000000"/>
+                </a:solidFill>
+                <a:effectLst/>
+                <a:latin typeface="Raleway" pitchFamily="2" charset="0"/>
+                <a:ea typeface="Times New Roman" panose="02020603050405020304" pitchFamily="18" charset="0"/>
+                <a:cs typeface="Times New Roman" panose="02020603050405020304" pitchFamily="18" charset="0"/>
+              </a:rPr>
+              <a:t>dibandingkan</a:t>
+            </a:r>
+            <a:r>
+              <a:rPr lang="en-US" sz="1800" dirty="0">
+                <a:solidFill>
+                  <a:srgbClr val="000000"/>
+                </a:solidFill>
+                <a:effectLst/>
+                <a:latin typeface="Raleway" pitchFamily="2" charset="0"/>
+                <a:ea typeface="Times New Roman" panose="02020603050405020304" pitchFamily="18" charset="0"/>
+                <a:cs typeface="Times New Roman" panose="02020603050405020304" pitchFamily="18" charset="0"/>
+              </a:rPr>
+              <a:t> yang </a:t>
+            </a:r>
+            <a:r>
+              <a:rPr lang="en-US" sz="1800" dirty="0" err="1">
+                <a:solidFill>
+                  <a:srgbClr val="000000"/>
+                </a:solidFill>
+                <a:effectLst/>
+                <a:latin typeface="Raleway" pitchFamily="2" charset="0"/>
+                <a:ea typeface="Times New Roman" panose="02020603050405020304" pitchFamily="18" charset="0"/>
+                <a:cs typeface="Times New Roman" panose="02020603050405020304" pitchFamily="18" charset="0"/>
+              </a:rPr>
+              <a:t>konvensional</a:t>
+            </a:r>
+            <a:r>
+              <a:rPr lang="en-US" sz="1800" dirty="0">
+                <a:solidFill>
+                  <a:srgbClr val="000000"/>
+                </a:solidFill>
+                <a:effectLst/>
+                <a:latin typeface="Raleway" pitchFamily="2" charset="0"/>
+                <a:ea typeface="Times New Roman" panose="02020603050405020304" pitchFamily="18" charset="0"/>
+                <a:cs typeface="Times New Roman" panose="02020603050405020304" pitchFamily="18" charset="0"/>
+              </a:rPr>
+              <a:t>. </a:t>
+            </a:r>
+          </a:p>
+          <a:p>
+            <a:pPr marL="342900" lvl="0" indent="-342900" algn="just">
+              <a:lnSpc>
+                <a:spcPct val="130000"/>
+              </a:lnSpc>
+              <a:buFont typeface="+mj-lt"/>
+              <a:buAutoNum type="arabicPeriod"/>
+            </a:pPr>
+            <a:r>
+              <a:rPr lang="en-US" sz="1800" dirty="0" err="1">
+                <a:solidFill>
+                  <a:srgbClr val="000000"/>
+                </a:solidFill>
+                <a:effectLst/>
+                <a:latin typeface="Raleway" pitchFamily="2" charset="0"/>
+                <a:ea typeface="Times New Roman" panose="02020603050405020304" pitchFamily="18" charset="0"/>
+                <a:cs typeface="Times New Roman" panose="02020603050405020304" pitchFamily="18" charset="0"/>
+              </a:rPr>
+              <a:t>maka</a:t>
+            </a:r>
+            <a:r>
+              <a:rPr lang="en-US" sz="1800" dirty="0">
+                <a:solidFill>
+                  <a:srgbClr val="000000"/>
+                </a:solidFill>
+                <a:effectLst/>
+                <a:latin typeface="Raleway" pitchFamily="2" charset="0"/>
+                <a:ea typeface="Times New Roman" panose="02020603050405020304" pitchFamily="18" charset="0"/>
+                <a:cs typeface="Times New Roman" panose="02020603050405020304" pitchFamily="18" charset="0"/>
+              </a:rPr>
+              <a:t> </a:t>
+            </a:r>
+            <a:r>
+              <a:rPr lang="en-US" sz="1800" dirty="0" err="1">
+                <a:solidFill>
+                  <a:srgbClr val="000000"/>
+                </a:solidFill>
+                <a:effectLst/>
+                <a:latin typeface="Raleway" pitchFamily="2" charset="0"/>
+                <a:ea typeface="Times New Roman" panose="02020603050405020304" pitchFamily="18" charset="0"/>
+                <a:cs typeface="Times New Roman" panose="02020603050405020304" pitchFamily="18" charset="0"/>
+              </a:rPr>
+              <a:t>dari</a:t>
+            </a:r>
+            <a:r>
+              <a:rPr lang="en-US" sz="1800" dirty="0">
+                <a:solidFill>
+                  <a:srgbClr val="000000"/>
+                </a:solidFill>
+                <a:effectLst/>
+                <a:latin typeface="Raleway" pitchFamily="2" charset="0"/>
+                <a:ea typeface="Times New Roman" panose="02020603050405020304" pitchFamily="18" charset="0"/>
+                <a:cs typeface="Times New Roman" panose="02020603050405020304" pitchFamily="18" charset="0"/>
+              </a:rPr>
+              <a:t> </a:t>
+            </a:r>
+            <a:r>
+              <a:rPr lang="en-US" sz="1800" dirty="0" err="1">
+                <a:solidFill>
+                  <a:srgbClr val="000000"/>
+                </a:solidFill>
+                <a:effectLst/>
+                <a:latin typeface="Raleway" pitchFamily="2" charset="0"/>
+                <a:ea typeface="Times New Roman" panose="02020603050405020304" pitchFamily="18" charset="0"/>
+                <a:cs typeface="Times New Roman" panose="02020603050405020304" pitchFamily="18" charset="0"/>
+              </a:rPr>
+              <a:t>itu</a:t>
+            </a:r>
+            <a:r>
+              <a:rPr lang="en-US" sz="1800" dirty="0">
+                <a:solidFill>
+                  <a:srgbClr val="000000"/>
+                </a:solidFill>
+                <a:effectLst/>
+                <a:latin typeface="Raleway" pitchFamily="2" charset="0"/>
+                <a:ea typeface="Times New Roman" panose="02020603050405020304" pitchFamily="18" charset="0"/>
+                <a:cs typeface="Times New Roman" panose="02020603050405020304" pitchFamily="18" charset="0"/>
+              </a:rPr>
+              <a:t> </a:t>
+            </a:r>
+            <a:r>
+              <a:rPr lang="en-US" sz="1800" dirty="0" err="1">
+                <a:solidFill>
+                  <a:srgbClr val="000000"/>
+                </a:solidFill>
+                <a:effectLst/>
+                <a:latin typeface="Raleway" pitchFamily="2" charset="0"/>
+                <a:ea typeface="Times New Roman" panose="02020603050405020304" pitchFamily="18" charset="0"/>
+                <a:cs typeface="Times New Roman" panose="02020603050405020304" pitchFamily="18" charset="0"/>
+              </a:rPr>
+              <a:t>saya</a:t>
+            </a:r>
+            <a:r>
+              <a:rPr lang="en-US" sz="1800" dirty="0">
+                <a:solidFill>
+                  <a:srgbClr val="000000"/>
+                </a:solidFill>
+                <a:effectLst/>
+                <a:latin typeface="Raleway" pitchFamily="2" charset="0"/>
+                <a:ea typeface="Times New Roman" panose="02020603050405020304" pitchFamily="18" charset="0"/>
+                <a:cs typeface="Times New Roman" panose="02020603050405020304" pitchFamily="18" charset="0"/>
+              </a:rPr>
+              <a:t> </a:t>
+            </a:r>
+            <a:r>
+              <a:rPr lang="en-US" sz="1800" dirty="0" err="1">
+                <a:solidFill>
+                  <a:srgbClr val="000000"/>
+                </a:solidFill>
+                <a:effectLst/>
+                <a:latin typeface="Raleway" pitchFamily="2" charset="0"/>
+                <a:ea typeface="Times New Roman" panose="02020603050405020304" pitchFamily="18" charset="0"/>
+                <a:cs typeface="Times New Roman" panose="02020603050405020304" pitchFamily="18" charset="0"/>
+              </a:rPr>
+              <a:t>ingin</a:t>
+            </a:r>
+            <a:r>
+              <a:rPr lang="en-US" sz="1800" dirty="0">
+                <a:solidFill>
+                  <a:srgbClr val="000000"/>
+                </a:solidFill>
+                <a:effectLst/>
+                <a:latin typeface="Raleway" pitchFamily="2" charset="0"/>
+                <a:ea typeface="Times New Roman" panose="02020603050405020304" pitchFamily="18" charset="0"/>
+                <a:cs typeface="Times New Roman" panose="02020603050405020304" pitchFamily="18" charset="0"/>
+              </a:rPr>
+              <a:t> </a:t>
+            </a:r>
+            <a:r>
+              <a:rPr lang="en-US" sz="1800" dirty="0" err="1">
+                <a:solidFill>
+                  <a:srgbClr val="000000"/>
+                </a:solidFill>
+                <a:effectLst/>
+                <a:latin typeface="Raleway" pitchFamily="2" charset="0"/>
+                <a:ea typeface="Times New Roman" panose="02020603050405020304" pitchFamily="18" charset="0"/>
+                <a:cs typeface="Times New Roman" panose="02020603050405020304" pitchFamily="18" charset="0"/>
+              </a:rPr>
+              <a:t>melihat</a:t>
+            </a:r>
+            <a:r>
+              <a:rPr lang="en-US" sz="1800" dirty="0">
+                <a:solidFill>
+                  <a:srgbClr val="000000"/>
+                </a:solidFill>
+                <a:effectLst/>
+                <a:latin typeface="Raleway" pitchFamily="2" charset="0"/>
+                <a:ea typeface="Times New Roman" panose="02020603050405020304" pitchFamily="18" charset="0"/>
+                <a:cs typeface="Times New Roman" panose="02020603050405020304" pitchFamily="18" charset="0"/>
+              </a:rPr>
+              <a:t> </a:t>
+            </a:r>
+            <a:r>
+              <a:rPr lang="en-US" sz="1800" dirty="0" err="1">
+                <a:solidFill>
+                  <a:srgbClr val="000000"/>
+                </a:solidFill>
+                <a:effectLst/>
+                <a:latin typeface="Raleway" pitchFamily="2" charset="0"/>
+                <a:ea typeface="Times New Roman" panose="02020603050405020304" pitchFamily="18" charset="0"/>
+                <a:cs typeface="Times New Roman" panose="02020603050405020304" pitchFamily="18" charset="0"/>
+              </a:rPr>
+              <a:t>antarmuka</a:t>
+            </a:r>
+            <a:r>
+              <a:rPr lang="en-US" sz="1800" dirty="0">
+                <a:solidFill>
+                  <a:srgbClr val="000000"/>
+                </a:solidFill>
+                <a:effectLst/>
+                <a:latin typeface="Raleway" pitchFamily="2" charset="0"/>
+                <a:ea typeface="Times New Roman" panose="02020603050405020304" pitchFamily="18" charset="0"/>
+                <a:cs typeface="Times New Roman" panose="02020603050405020304" pitchFamily="18" charset="0"/>
+              </a:rPr>
+              <a:t> mana yang </a:t>
+            </a:r>
+            <a:r>
+              <a:rPr lang="en-US" sz="1800" dirty="0" err="1">
+                <a:solidFill>
+                  <a:srgbClr val="000000"/>
+                </a:solidFill>
+                <a:effectLst/>
+                <a:latin typeface="Raleway" pitchFamily="2" charset="0"/>
+                <a:ea typeface="Times New Roman" panose="02020603050405020304" pitchFamily="18" charset="0"/>
+                <a:cs typeface="Times New Roman" panose="02020603050405020304" pitchFamily="18" charset="0"/>
+              </a:rPr>
+              <a:t>memberikan</a:t>
+            </a:r>
+            <a:r>
+              <a:rPr lang="en-US" sz="1800" dirty="0">
+                <a:solidFill>
+                  <a:srgbClr val="000000"/>
+                </a:solidFill>
+                <a:effectLst/>
+                <a:latin typeface="Raleway" pitchFamily="2" charset="0"/>
+                <a:ea typeface="Times New Roman" panose="02020603050405020304" pitchFamily="18" charset="0"/>
+                <a:cs typeface="Times New Roman" panose="02020603050405020304" pitchFamily="18" charset="0"/>
+              </a:rPr>
+              <a:t> </a:t>
+            </a:r>
+            <a:r>
+              <a:rPr lang="en-US" sz="1800" dirty="0" err="1">
+                <a:solidFill>
+                  <a:srgbClr val="000000"/>
+                </a:solidFill>
+                <a:effectLst/>
+                <a:latin typeface="Raleway" pitchFamily="2" charset="0"/>
+                <a:ea typeface="Times New Roman" panose="02020603050405020304" pitchFamily="18" charset="0"/>
+                <a:cs typeface="Times New Roman" panose="02020603050405020304" pitchFamily="18" charset="0"/>
+              </a:rPr>
+              <a:t>perubahan</a:t>
+            </a:r>
+            <a:r>
+              <a:rPr lang="en-US" sz="1800" dirty="0">
+                <a:solidFill>
+                  <a:srgbClr val="000000"/>
+                </a:solidFill>
+                <a:effectLst/>
+                <a:latin typeface="Raleway" pitchFamily="2" charset="0"/>
+                <a:ea typeface="Times New Roman" panose="02020603050405020304" pitchFamily="18" charset="0"/>
+                <a:cs typeface="Times New Roman" panose="02020603050405020304" pitchFamily="18" charset="0"/>
+              </a:rPr>
+              <a:t> </a:t>
+            </a:r>
+            <a:r>
+              <a:rPr lang="en-US" sz="1800" dirty="0" err="1">
+                <a:solidFill>
+                  <a:srgbClr val="000000"/>
+                </a:solidFill>
+                <a:effectLst/>
+                <a:latin typeface="Raleway" pitchFamily="2" charset="0"/>
+                <a:ea typeface="Times New Roman" panose="02020603050405020304" pitchFamily="18" charset="0"/>
+                <a:cs typeface="Times New Roman" panose="02020603050405020304" pitchFamily="18" charset="0"/>
+              </a:rPr>
+              <a:t>signifikan</a:t>
+            </a:r>
+            <a:r>
+              <a:rPr lang="en-US" sz="1800" dirty="0">
+                <a:solidFill>
+                  <a:srgbClr val="000000"/>
+                </a:solidFill>
+                <a:effectLst/>
+                <a:latin typeface="Raleway" pitchFamily="2" charset="0"/>
+                <a:ea typeface="Times New Roman" panose="02020603050405020304" pitchFamily="18" charset="0"/>
+                <a:cs typeface="Times New Roman" panose="02020603050405020304" pitchFamily="18" charset="0"/>
+              </a:rPr>
+              <a:t> </a:t>
+            </a:r>
+            <a:r>
+              <a:rPr lang="en-US" sz="1800" dirty="0" err="1">
+                <a:solidFill>
+                  <a:srgbClr val="000000"/>
+                </a:solidFill>
+                <a:effectLst/>
+                <a:latin typeface="Raleway" pitchFamily="2" charset="0"/>
+                <a:ea typeface="Times New Roman" panose="02020603050405020304" pitchFamily="18" charset="0"/>
+                <a:cs typeface="Times New Roman" panose="02020603050405020304" pitchFamily="18" charset="0"/>
+              </a:rPr>
+              <a:t>dalam</a:t>
+            </a:r>
+            <a:r>
+              <a:rPr lang="en-US" sz="1800" dirty="0">
+                <a:solidFill>
+                  <a:srgbClr val="000000"/>
+                </a:solidFill>
+                <a:effectLst/>
+                <a:latin typeface="Raleway" pitchFamily="2" charset="0"/>
+                <a:ea typeface="Times New Roman" panose="02020603050405020304" pitchFamily="18" charset="0"/>
+                <a:cs typeface="Times New Roman" panose="02020603050405020304" pitchFamily="18" charset="0"/>
+              </a:rPr>
+              <a:t> </a:t>
+            </a:r>
+            <a:r>
+              <a:rPr lang="en-US" sz="1800" dirty="0" err="1">
+                <a:solidFill>
+                  <a:srgbClr val="000000"/>
+                </a:solidFill>
+                <a:effectLst/>
+                <a:latin typeface="Raleway" pitchFamily="2" charset="0"/>
+                <a:ea typeface="Times New Roman" panose="02020603050405020304" pitchFamily="18" charset="0"/>
+                <a:cs typeface="Times New Roman" panose="02020603050405020304" pitchFamily="18" charset="0"/>
+              </a:rPr>
+              <a:t>interaksi</a:t>
+            </a:r>
+            <a:r>
+              <a:rPr lang="en-US" sz="1800" dirty="0">
+                <a:solidFill>
+                  <a:srgbClr val="000000"/>
+                </a:solidFill>
+                <a:effectLst/>
+                <a:latin typeface="Raleway" pitchFamily="2" charset="0"/>
+                <a:ea typeface="Times New Roman" panose="02020603050405020304" pitchFamily="18" charset="0"/>
+                <a:cs typeface="Times New Roman" panose="02020603050405020304" pitchFamily="18" charset="0"/>
+              </a:rPr>
+              <a:t> pada </a:t>
+            </a:r>
+            <a:r>
+              <a:rPr lang="en-US" sz="1800" dirty="0" err="1">
+                <a:solidFill>
+                  <a:srgbClr val="000000"/>
+                </a:solidFill>
+                <a:effectLst/>
+                <a:latin typeface="Raleway" pitchFamily="2" charset="0"/>
+                <a:ea typeface="Times New Roman" panose="02020603050405020304" pitchFamily="18" charset="0"/>
+                <a:cs typeface="Times New Roman" panose="02020603050405020304" pitchFamily="18" charset="0"/>
+              </a:rPr>
+              <a:t>aplikasi</a:t>
+            </a:r>
+            <a:r>
+              <a:rPr lang="en-US" sz="1800" dirty="0">
+                <a:solidFill>
+                  <a:srgbClr val="000000"/>
+                </a:solidFill>
+                <a:effectLst/>
+                <a:latin typeface="Raleway" pitchFamily="2" charset="0"/>
+                <a:ea typeface="Times New Roman" panose="02020603050405020304" pitchFamily="18" charset="0"/>
+                <a:cs typeface="Times New Roman" panose="02020603050405020304" pitchFamily="18" charset="0"/>
+              </a:rPr>
+              <a:t> </a:t>
+            </a:r>
+            <a:r>
+              <a:rPr lang="en-US" sz="1800" dirty="0" err="1">
+                <a:solidFill>
+                  <a:srgbClr val="000000"/>
+                </a:solidFill>
+                <a:effectLst/>
+                <a:latin typeface="Raleway" pitchFamily="2" charset="0"/>
+                <a:ea typeface="Times New Roman" panose="02020603050405020304" pitchFamily="18" charset="0"/>
+                <a:cs typeface="Times New Roman" panose="02020603050405020304" pitchFamily="18" charset="0"/>
+              </a:rPr>
+              <a:t>todo</a:t>
+            </a:r>
+            <a:r>
+              <a:rPr lang="en-US" sz="1800" dirty="0">
+                <a:solidFill>
+                  <a:srgbClr val="000000"/>
+                </a:solidFill>
+                <a:effectLst/>
+                <a:latin typeface="Raleway" pitchFamily="2" charset="0"/>
+                <a:ea typeface="Times New Roman" panose="02020603050405020304" pitchFamily="18" charset="0"/>
+                <a:cs typeface="Times New Roman" panose="02020603050405020304" pitchFamily="18" charset="0"/>
+              </a:rPr>
+              <a:t> list </a:t>
+            </a:r>
+            <a:r>
+              <a:rPr lang="en-US" sz="1800" dirty="0" err="1">
+                <a:solidFill>
+                  <a:srgbClr val="000000"/>
+                </a:solidFill>
+                <a:effectLst/>
+                <a:latin typeface="Raleway" pitchFamily="2" charset="0"/>
+                <a:ea typeface="Times New Roman" panose="02020603050405020304" pitchFamily="18" charset="0"/>
+                <a:cs typeface="Times New Roman" panose="02020603050405020304" pitchFamily="18" charset="0"/>
+              </a:rPr>
+              <a:t>berbasis</a:t>
+            </a:r>
+            <a:r>
+              <a:rPr lang="en-US" sz="1800" dirty="0">
+                <a:solidFill>
+                  <a:srgbClr val="000000"/>
+                </a:solidFill>
+                <a:effectLst/>
+                <a:latin typeface="Raleway" pitchFamily="2" charset="0"/>
+                <a:ea typeface="Times New Roman" panose="02020603050405020304" pitchFamily="18" charset="0"/>
+                <a:cs typeface="Times New Roman" panose="02020603050405020304" pitchFamily="18" charset="0"/>
+              </a:rPr>
+              <a:t> </a:t>
+            </a:r>
+            <a:r>
+              <a:rPr lang="en-US" sz="1800" dirty="0" err="1">
+                <a:solidFill>
+                  <a:srgbClr val="000000"/>
+                </a:solidFill>
+                <a:effectLst/>
+                <a:latin typeface="Raleway" pitchFamily="2" charset="0"/>
+                <a:ea typeface="Times New Roman" panose="02020603050405020304" pitchFamily="18" charset="0"/>
+                <a:cs typeface="Times New Roman" panose="02020603050405020304" pitchFamily="18" charset="0"/>
+              </a:rPr>
+              <a:t>teks</a:t>
+            </a:r>
+            <a:r>
+              <a:rPr lang="en-US" sz="1800" dirty="0">
+                <a:solidFill>
+                  <a:srgbClr val="000000"/>
+                </a:solidFill>
+                <a:effectLst/>
+                <a:latin typeface="Raleway" pitchFamily="2" charset="0"/>
+                <a:ea typeface="Times New Roman" panose="02020603050405020304" pitchFamily="18" charset="0"/>
+                <a:cs typeface="Times New Roman" panose="02020603050405020304" pitchFamily="18" charset="0"/>
+              </a:rPr>
+              <a:t> ka </a:t>
+            </a:r>
+            <a:r>
+              <a:rPr lang="en-US" sz="1800" dirty="0" err="1">
+                <a:solidFill>
+                  <a:srgbClr val="000000"/>
+                </a:solidFill>
+                <a:effectLst/>
+                <a:latin typeface="Raleway" pitchFamily="2" charset="0"/>
+                <a:ea typeface="Times New Roman" panose="02020603050405020304" pitchFamily="18" charset="0"/>
+                <a:cs typeface="Times New Roman" panose="02020603050405020304" pitchFamily="18" charset="0"/>
+              </a:rPr>
+              <a:t>atau</a:t>
+            </a:r>
+            <a:r>
+              <a:rPr lang="en-US" sz="1800" dirty="0">
+                <a:solidFill>
+                  <a:srgbClr val="000000"/>
+                </a:solidFill>
+                <a:effectLst/>
+                <a:latin typeface="Raleway" pitchFamily="2" charset="0"/>
+                <a:ea typeface="Times New Roman" panose="02020603050405020304" pitchFamily="18" charset="0"/>
+                <a:cs typeface="Times New Roman" panose="02020603050405020304" pitchFamily="18" charset="0"/>
+              </a:rPr>
+              <a:t> </a:t>
+            </a:r>
+            <a:r>
+              <a:rPr lang="en-US" sz="1800" dirty="0" err="1">
+                <a:solidFill>
+                  <a:srgbClr val="000000"/>
+                </a:solidFill>
+                <a:effectLst/>
+                <a:latin typeface="Raleway" pitchFamily="2" charset="0"/>
+                <a:ea typeface="Times New Roman" panose="02020603050405020304" pitchFamily="18" charset="0"/>
+                <a:cs typeface="Times New Roman" panose="02020603050405020304" pitchFamily="18" charset="0"/>
+              </a:rPr>
+              <a:t>suara</a:t>
+            </a:r>
+            <a:r>
+              <a:rPr lang="en-US" sz="1800" dirty="0">
+                <a:solidFill>
+                  <a:srgbClr val="000000"/>
+                </a:solidFill>
+                <a:effectLst/>
+                <a:latin typeface="Raleway" pitchFamily="2" charset="0"/>
+                <a:ea typeface="Times New Roman" panose="02020603050405020304" pitchFamily="18" charset="0"/>
+                <a:cs typeface="Times New Roman" panose="02020603050405020304" pitchFamily="18" charset="0"/>
+              </a:rPr>
+              <a:t> pada </a:t>
+            </a:r>
+            <a:r>
+              <a:rPr lang="en-US" sz="1800" dirty="0" err="1">
+                <a:solidFill>
+                  <a:srgbClr val="000000"/>
+                </a:solidFill>
+                <a:effectLst/>
+                <a:latin typeface="Raleway" pitchFamily="2" charset="0"/>
+                <a:ea typeface="Times New Roman" panose="02020603050405020304" pitchFamily="18" charset="0"/>
+                <a:cs typeface="Times New Roman" panose="02020603050405020304" pitchFamily="18" charset="0"/>
+              </a:rPr>
+              <a:t>aplikasi</a:t>
+            </a:r>
+            <a:r>
+              <a:rPr lang="en-US" sz="1800" dirty="0">
+                <a:solidFill>
+                  <a:srgbClr val="000000"/>
+                </a:solidFill>
+                <a:effectLst/>
+                <a:latin typeface="Raleway" pitchFamily="2" charset="0"/>
+                <a:ea typeface="Times New Roman" panose="02020603050405020304" pitchFamily="18" charset="0"/>
+                <a:cs typeface="Times New Roman" panose="02020603050405020304" pitchFamily="18" charset="0"/>
+              </a:rPr>
+              <a:t> </a:t>
+            </a:r>
+            <a:r>
+              <a:rPr lang="en-US" sz="1800" dirty="0" err="1">
+                <a:solidFill>
+                  <a:srgbClr val="000000"/>
+                </a:solidFill>
+                <a:effectLst/>
+                <a:latin typeface="Raleway" pitchFamily="2" charset="0"/>
+                <a:ea typeface="Times New Roman" panose="02020603050405020304" pitchFamily="18" charset="0"/>
+                <a:cs typeface="Times New Roman" panose="02020603050405020304" pitchFamily="18" charset="0"/>
+              </a:rPr>
+              <a:t>todo</a:t>
+            </a:r>
+            <a:r>
+              <a:rPr lang="en-US" sz="1800" dirty="0">
+                <a:solidFill>
+                  <a:srgbClr val="000000"/>
+                </a:solidFill>
+                <a:effectLst/>
+                <a:latin typeface="Raleway" pitchFamily="2" charset="0"/>
+                <a:ea typeface="Times New Roman" panose="02020603050405020304" pitchFamily="18" charset="0"/>
+                <a:cs typeface="Times New Roman" panose="02020603050405020304" pitchFamily="18" charset="0"/>
+              </a:rPr>
+              <a:t> voice </a:t>
+            </a:r>
+            <a:r>
+              <a:rPr lang="en-US" sz="1800" dirty="0" err="1">
+                <a:solidFill>
+                  <a:srgbClr val="000000"/>
+                </a:solidFill>
+                <a:effectLst/>
+                <a:latin typeface="Raleway" pitchFamily="2" charset="0"/>
+                <a:ea typeface="Times New Roman" panose="02020603050405020304" pitchFamily="18" charset="0"/>
+                <a:cs typeface="Times New Roman" panose="02020603050405020304" pitchFamily="18" charset="0"/>
+              </a:rPr>
+              <a:t>usulan</a:t>
+            </a:r>
+            <a:r>
+              <a:rPr lang="en-US" sz="1800" dirty="0">
+                <a:solidFill>
+                  <a:srgbClr val="000000"/>
+                </a:solidFill>
+                <a:effectLst/>
+                <a:latin typeface="Raleway" pitchFamily="2" charset="0"/>
+                <a:ea typeface="Times New Roman" panose="02020603050405020304" pitchFamily="18" charset="0"/>
+                <a:cs typeface="Times New Roman" panose="02020603050405020304" pitchFamily="18" charset="0"/>
+              </a:rPr>
+              <a:t> </a:t>
+            </a:r>
+            <a:r>
+              <a:rPr lang="en-US" sz="1800" dirty="0" err="1">
+                <a:solidFill>
+                  <a:srgbClr val="000000"/>
+                </a:solidFill>
+                <a:effectLst/>
+                <a:latin typeface="Raleway" pitchFamily="2" charset="0"/>
+                <a:ea typeface="Times New Roman" panose="02020603050405020304" pitchFamily="18" charset="0"/>
+                <a:cs typeface="Times New Roman" panose="02020603050405020304" pitchFamily="18" charset="0"/>
+              </a:rPr>
+              <a:t>saya</a:t>
+            </a:r>
+            <a:r>
+              <a:rPr lang="en-US" sz="1800" dirty="0">
+                <a:solidFill>
+                  <a:srgbClr val="000000"/>
+                </a:solidFill>
+                <a:effectLst/>
+                <a:latin typeface="Raleway" pitchFamily="2" charset="0"/>
+                <a:ea typeface="Times New Roman" panose="02020603050405020304" pitchFamily="18" charset="0"/>
+                <a:cs typeface="Times New Roman" panose="02020603050405020304" pitchFamily="18" charset="0"/>
+              </a:rPr>
+              <a:t> </a:t>
+            </a:r>
+            <a:r>
+              <a:rPr lang="en-US" sz="1800" dirty="0" err="1">
+                <a:solidFill>
+                  <a:srgbClr val="000000"/>
+                </a:solidFill>
+                <a:effectLst/>
+                <a:latin typeface="Raleway" pitchFamily="2" charset="0"/>
+                <a:ea typeface="Times New Roman" panose="02020603050405020304" pitchFamily="18" charset="0"/>
+                <a:cs typeface="Times New Roman" panose="02020603050405020304" pitchFamily="18" charset="0"/>
+              </a:rPr>
+              <a:t>dengan</a:t>
+            </a:r>
+            <a:r>
+              <a:rPr lang="en-US" sz="1800" dirty="0">
+                <a:solidFill>
+                  <a:srgbClr val="000000"/>
+                </a:solidFill>
+                <a:effectLst/>
+                <a:latin typeface="Raleway" pitchFamily="2" charset="0"/>
+                <a:ea typeface="Times New Roman" panose="02020603050405020304" pitchFamily="18" charset="0"/>
+                <a:cs typeface="Times New Roman" panose="02020603050405020304" pitchFamily="18" charset="0"/>
+              </a:rPr>
+              <a:t> </a:t>
+            </a:r>
+            <a:r>
+              <a:rPr lang="en-US" sz="1800" dirty="0" err="1">
+                <a:solidFill>
+                  <a:srgbClr val="000000"/>
+                </a:solidFill>
+                <a:effectLst/>
+                <a:latin typeface="Raleway" pitchFamily="2" charset="0"/>
+                <a:ea typeface="Times New Roman" panose="02020603050405020304" pitchFamily="18" charset="0"/>
+                <a:cs typeface="Times New Roman" panose="02020603050405020304" pitchFamily="18" charset="0"/>
+              </a:rPr>
+              <a:t>exisiting</a:t>
+            </a:r>
+            <a:r>
+              <a:rPr lang="en-US" sz="1800" dirty="0">
+                <a:solidFill>
+                  <a:srgbClr val="000000"/>
+                </a:solidFill>
+                <a:effectLst/>
+                <a:latin typeface="Raleway" pitchFamily="2" charset="0"/>
+                <a:ea typeface="Times New Roman" panose="02020603050405020304" pitchFamily="18" charset="0"/>
+                <a:cs typeface="Times New Roman" panose="02020603050405020304" pitchFamily="18" charset="0"/>
+              </a:rPr>
+              <a:t> app </a:t>
+            </a:r>
+            <a:r>
+              <a:rPr lang="en-US" sz="1800" dirty="0" err="1">
+                <a:solidFill>
+                  <a:srgbClr val="000000"/>
+                </a:solidFill>
+                <a:effectLst/>
+                <a:latin typeface="Raleway" pitchFamily="2" charset="0"/>
+                <a:ea typeface="Times New Roman" panose="02020603050405020304" pitchFamily="18" charset="0"/>
+                <a:cs typeface="Times New Roman" panose="02020603050405020304" pitchFamily="18" charset="0"/>
+              </a:rPr>
+              <a:t>todo_docket</a:t>
+            </a:r>
+            <a:r>
+              <a:rPr lang="en-US" sz="1800" dirty="0">
+                <a:solidFill>
+                  <a:srgbClr val="000000"/>
+                </a:solidFill>
+                <a:effectLst/>
+                <a:latin typeface="Raleway" pitchFamily="2" charset="0"/>
+                <a:ea typeface="Times New Roman" panose="02020603050405020304" pitchFamily="18" charset="0"/>
+                <a:cs typeface="Times New Roman" panose="02020603050405020304" pitchFamily="18" charset="0"/>
+              </a:rPr>
+              <a:t>.</a:t>
+            </a:r>
+            <a:endParaRPr lang="en-ID" sz="1800" dirty="0">
+              <a:solidFill>
+                <a:srgbClr val="000000"/>
+              </a:solidFill>
+              <a:effectLst/>
+              <a:latin typeface="Raleway" pitchFamily="2" charset="0"/>
+              <a:ea typeface="Times New Roman" panose="02020603050405020304" pitchFamily="18" charset="0"/>
+              <a:cs typeface="Times New Roman" panose="02020603050405020304" pitchFamily="18" charset="0"/>
+            </a:endParaRPr>
+          </a:p>
+        </p:txBody>
+      </p:sp>
+    </p:spTree>
+    <p:extLst>
+      <p:ext uri="{BB962C8B-B14F-4D97-AF65-F5344CB8AC3E}">
+        <p14:creationId xmlns:p14="http://schemas.microsoft.com/office/powerpoint/2010/main" val="3751179440"/>
+      </p:ext>
+    </p:extLst>
+  </p:cSld>
+  <p:clrMapOvr>
+    <a:masterClrMapping/>
+  </p:clrMapOvr>
+</p:sld>
+</file>
+
+<file path=ppt/slides/slide3.xml><?xml version="1.0" encoding="utf-8"?>
 <p:sld xmlns:a="http://schemas.openxmlformats.org/drawingml/2006/main" xmlns:r="http://schemas.openxmlformats.org/officeDocument/2006/relationships" xmlns:p="http://schemas.openxmlformats.org/presentationml/2006/main">
   <p:cSld>
     <p:spTree>
@@ -8752,7 +10276,7 @@
 </p:sld>
 </file>
 
-<file path=ppt/slides/slide3.xml><?xml version="1.0" encoding="utf-8"?>
+<file path=ppt/slides/slide4.xml><?xml version="1.0" encoding="utf-8"?>
 <p:sld xmlns:a="http://schemas.openxmlformats.org/drawingml/2006/main" xmlns:r="http://schemas.openxmlformats.org/officeDocument/2006/relationships" xmlns:p="http://schemas.openxmlformats.org/presentationml/2006/main">
   <p:cSld>
     <p:spTree>
@@ -8856,11 +10380,7 @@
             </a:r>
             <a:r>
               <a:rPr lang="en-US" dirty="0"/>
-              <a:t> (</a:t>
-            </a:r>
-            <a:r>
-              <a:rPr lang="en-US"/>
-              <a:t>ANOVA)</a:t>
+              <a:t> (ANOVA)</a:t>
             </a:r>
             <a:endParaRPr lang="en-ID" dirty="0"/>
           </a:p>
@@ -8917,7 +10437,7 @@
 </p:sld>
 </file>
 
-<file path=ppt/slides/slide4.xml><?xml version="1.0" encoding="utf-8"?>
+<file path=ppt/slides/slide5.xml><?xml version="1.0" encoding="utf-8"?>
 <p:sld xmlns:a="http://schemas.openxmlformats.org/drawingml/2006/main" xmlns:r="http://schemas.openxmlformats.org/officeDocument/2006/relationships" xmlns:p="http://schemas.openxmlformats.org/presentationml/2006/main">
   <p:cSld>
     <p:spTree>
@@ -10039,7 +11559,7 @@
 </p:sld>
 </file>
 
-<file path=ppt/slides/slide5.xml><?xml version="1.0" encoding="utf-8"?>
+<file path=ppt/slides/slide6.xml><?xml version="1.0" encoding="utf-8"?>
 <p:sld xmlns:a="http://schemas.openxmlformats.org/drawingml/2006/main" xmlns:r="http://schemas.openxmlformats.org/officeDocument/2006/relationships" xmlns:p="http://schemas.openxmlformats.org/presentationml/2006/main">
   <p:cSld>
     <p:spTree>
@@ -11375,7 +12895,7 @@
 </p:sld>
 </file>
 
-<file path=ppt/slides/slide6.xml><?xml version="1.0" encoding="utf-8"?>
+<file path=ppt/slides/slide7.xml><?xml version="1.0" encoding="utf-8"?>
 <p:sld xmlns:a="http://schemas.openxmlformats.org/drawingml/2006/main" xmlns:r="http://schemas.openxmlformats.org/officeDocument/2006/relationships" xmlns:p="http://schemas.openxmlformats.org/presentationml/2006/main">
   <p:cSld>
     <p:spTree>
@@ -12108,7 +13628,7 @@
 </p:sld>
 </file>
 
-<file path=ppt/slides/slide7.xml><?xml version="1.0" encoding="utf-8"?>
+<file path=ppt/slides/slide8.xml><?xml version="1.0" encoding="utf-8"?>
 <p:sld xmlns:a="http://schemas.openxmlformats.org/drawingml/2006/main" xmlns:r="http://schemas.openxmlformats.org/officeDocument/2006/relationships" xmlns:p="http://schemas.openxmlformats.org/presentationml/2006/main">
   <p:cSld>
     <p:spTree>
@@ -12210,7 +13730,7 @@
 </p:sld>
 </file>
 
-<file path=ppt/slides/slide8.xml><?xml version="1.0" encoding="utf-8"?>
+<file path=ppt/slides/slide9.xml><?xml version="1.0" encoding="utf-8"?>
 <p:sld xmlns:a="http://schemas.openxmlformats.org/drawingml/2006/main" xmlns:r="http://schemas.openxmlformats.org/officeDocument/2006/relationships" xmlns:p="http://schemas.openxmlformats.org/presentationml/2006/main">
   <p:cSld>
     <p:spTree>
@@ -12396,205 +13916,6 @@
     <p:extLst>
       <p:ext uri="{BB962C8B-B14F-4D97-AF65-F5344CB8AC3E}">
         <p14:creationId xmlns:p14="http://schemas.microsoft.com/office/powerpoint/2010/main" val="3369031095"/>
-      </p:ext>
-    </p:extLst>
-  </p:cSld>
-  <p:clrMapOvr>
-    <a:masterClrMapping/>
-  </p:clrMapOvr>
-</p:sld>
-</file>
-
-<file path=ppt/slides/slide9.xml><?xml version="1.0" encoding="utf-8"?>
-<p:sld xmlns:a="http://schemas.openxmlformats.org/drawingml/2006/main" xmlns:r="http://schemas.openxmlformats.org/officeDocument/2006/relationships" xmlns:p="http://schemas.openxmlformats.org/presentationml/2006/main">
-  <p:cSld>
-    <p:spTree>
-      <p:nvGrpSpPr>
-        <p:cNvPr id="1" name=""/>
-        <p:cNvGrpSpPr/>
-        <p:nvPr/>
-      </p:nvGrpSpPr>
-      <p:grpSpPr>
-        <a:xfrm>
-          <a:off x="0" y="0"/>
-          <a:ext cx="0" cy="0"/>
-          <a:chOff x="0" y="0"/>
-          <a:chExt cx="0" cy="0"/>
-        </a:xfrm>
-      </p:grpSpPr>
-      <p:sp>
-        <p:nvSpPr>
-          <p:cNvPr id="2" name="Title 1">
-            <a:extLst>
-              <a:ext uri="{FF2B5EF4-FFF2-40B4-BE49-F238E27FC236}">
-                <a16:creationId xmlns:a16="http://schemas.microsoft.com/office/drawing/2014/main" id="{BDA8BBBF-9D0F-C9A0-5DF7-7E76A778E67A}"/>
-              </a:ext>
-            </a:extLst>
-          </p:cNvPr>
-          <p:cNvSpPr>
-            <a:spLocks noGrp="1"/>
-          </p:cNvSpPr>
-          <p:nvPr>
-            <p:ph type="title"/>
-          </p:nvPr>
-        </p:nvSpPr>
-        <p:spPr>
-          <a:xfrm>
-            <a:off x="767856" y="933450"/>
-            <a:ext cx="3388507" cy="1722419"/>
-          </a:xfrm>
-        </p:spPr>
-        <p:txBody>
-          <a:bodyPr/>
-          <a:lstStyle/>
-          <a:p>
-            <a:r>
-              <a:rPr lang="en-US" dirty="0"/>
-              <a:t>Hasil </a:t>
-            </a:r>
-            <a:r>
-              <a:rPr lang="en-US" dirty="0" err="1"/>
-              <a:t>perhitungan</a:t>
-            </a:r>
-            <a:r>
-              <a:rPr lang="en-US" dirty="0"/>
-              <a:t> </a:t>
-            </a:r>
-            <a:endParaRPr lang="en-ID" dirty="0"/>
-          </a:p>
-        </p:txBody>
-      </p:sp>
-      <p:sp>
-        <p:nvSpPr>
-          <p:cNvPr id="3" name="Content Placeholder 2">
-            <a:extLst>
-              <a:ext uri="{FF2B5EF4-FFF2-40B4-BE49-F238E27FC236}">
-                <a16:creationId xmlns:a16="http://schemas.microsoft.com/office/drawing/2014/main" id="{2C150F28-56AB-7F19-8632-597910CD1710}"/>
-              </a:ext>
-            </a:extLst>
-          </p:cNvPr>
-          <p:cNvSpPr>
-            <a:spLocks noGrp="1"/>
-          </p:cNvSpPr>
-          <p:nvPr>
-            <p:ph idx="1"/>
-          </p:nvPr>
-        </p:nvSpPr>
-        <p:spPr/>
-        <p:txBody>
-          <a:bodyPr/>
-          <a:lstStyle/>
-          <a:p>
-            <a:endParaRPr lang="en-ID" dirty="0"/>
-          </a:p>
-        </p:txBody>
-      </p:sp>
-      <p:sp>
-        <p:nvSpPr>
-          <p:cNvPr id="4" name="Text Placeholder 3">
-            <a:extLst>
-              <a:ext uri="{FF2B5EF4-FFF2-40B4-BE49-F238E27FC236}">
-                <a16:creationId xmlns:a16="http://schemas.microsoft.com/office/drawing/2014/main" id="{CE4D8452-F392-DD44-B0CF-6FBAE6CB2D97}"/>
-              </a:ext>
-            </a:extLst>
-          </p:cNvPr>
-          <p:cNvSpPr>
-            <a:spLocks noGrp="1"/>
-          </p:cNvSpPr>
-          <p:nvPr>
-            <p:ph type="body" sz="half" idx="2"/>
-          </p:nvPr>
-        </p:nvSpPr>
-        <p:spPr/>
-        <p:txBody>
-          <a:bodyPr>
-            <a:normAutofit/>
-          </a:bodyPr>
-          <a:lstStyle/>
-          <a:p>
-            <a:r>
-              <a:rPr lang="en-US" sz="2400" dirty="0" err="1"/>
-              <a:t>Aplikasi</a:t>
-            </a:r>
-            <a:r>
-              <a:rPr lang="en-US" sz="2400" dirty="0"/>
-              <a:t> </a:t>
-            </a:r>
-            <a:r>
-              <a:rPr lang="en-US" sz="2400" dirty="0" err="1"/>
-              <a:t>todo_docket</a:t>
-            </a:r>
-            <a:endParaRPr lang="en-ID" sz="2400" dirty="0"/>
-          </a:p>
-        </p:txBody>
-      </p:sp>
-      <p:graphicFrame>
-        <p:nvGraphicFramePr>
-          <p:cNvPr id="7" name="Object 6">
-            <a:extLst>
-              <a:ext uri="{FF2B5EF4-FFF2-40B4-BE49-F238E27FC236}">
-                <a16:creationId xmlns:a16="http://schemas.microsoft.com/office/drawing/2014/main" id="{65080ED3-9F40-92C1-192C-621CFA742599}"/>
-              </a:ext>
-            </a:extLst>
-          </p:cNvPr>
-          <p:cNvGraphicFramePr>
-            <a:graphicFrameLocks noChangeAspect="1"/>
-          </p:cNvGraphicFramePr>
-          <p:nvPr>
-            <p:extLst>
-              <p:ext uri="{D42A27DB-BD31-4B8C-83A1-F6EECF244321}">
-                <p14:modId xmlns:p14="http://schemas.microsoft.com/office/powerpoint/2010/main" val="2238018171"/>
-              </p:ext>
-            </p:extLst>
-          </p:nvPr>
-        </p:nvGraphicFramePr>
-        <p:xfrm>
-          <a:off x="4356154" y="1036002"/>
-          <a:ext cx="7331259" cy="5359516"/>
-        </p:xfrm>
-        <a:graphic>
-          <a:graphicData uri="http://schemas.openxmlformats.org/presentationml/2006/ole">
-            <mc:AlternateContent xmlns:mc="http://schemas.openxmlformats.org/markup-compatibility/2006">
-              <mc:Choice xmlns:v="urn:schemas-microsoft-com:vml" Requires="v">
-                <p:oleObj name="Document" r:id="rId2" imgW="6073149" imgH="6498210" progId="Word.Document.12">
-                  <p:embed/>
-                </p:oleObj>
-              </mc:Choice>
-              <mc:Fallback>
-                <p:oleObj name="Document" r:id="rId2" imgW="6073149" imgH="6498210" progId="Word.Document.12">
-                  <p:embed/>
-                  <p:pic>
-                    <p:nvPicPr>
-                      <p:cNvPr id="0" name=""/>
-                      <p:cNvPicPr/>
-                      <p:nvPr/>
-                    </p:nvPicPr>
-                    <p:blipFill>
-                      <a:blip r:embed="rId3"/>
-                      <a:stretch>
-                        <a:fillRect/>
-                      </a:stretch>
-                    </p:blipFill>
-                    <p:spPr>
-                      <a:xfrm>
-                        <a:off x="4356154" y="1036002"/>
-                        <a:ext cx="7331259" cy="5359516"/>
-                      </a:xfrm>
-                      <a:prstGeom prst="rect">
-                        <a:avLst/>
-                      </a:prstGeom>
-                    </p:spPr>
-                  </p:pic>
-                </p:oleObj>
-              </mc:Fallback>
-            </mc:AlternateContent>
-          </a:graphicData>
-        </a:graphic>
-      </p:graphicFrame>
-    </p:spTree>
-    <p:extLst>
-      <p:ext uri="{BB962C8B-B14F-4D97-AF65-F5344CB8AC3E}">
-        <p14:creationId xmlns:p14="http://schemas.microsoft.com/office/powerpoint/2010/main" val="1215141560"/>
       </p:ext>
     </p:extLst>
   </p:cSld>

--- a/Final Project IMK/ppt tugas lapor empirik IMK.pptx
+++ b/Final Project IMK/ppt tugas lapor empirik IMK.pptx
@@ -3976,7 +3976,15 @@
             </a:r>
             <a:r>
               <a:rPr lang="en-US" dirty="0"/>
-              <a:t> </a:t>
+              <a:t> pada </a:t>
+            </a:r>
+            <a:r>
+              <a:rPr lang="en-US" dirty="0" err="1"/>
+              <a:t>aplikasi</a:t>
+            </a:r>
+            <a:r>
+              <a:rPr lang="en-US" dirty="0"/>
+              <a:t> to-do list </a:t>
             </a:r>
             <a:r>
               <a:rPr lang="en-US" dirty="0" err="1"/>
@@ -14195,21 +14203,21 @@
 </file>
 
 <file path=customXml/item1.xml><?xml version="1.0" encoding="utf-8"?>
+<p:properties xmlns:p="http://schemas.microsoft.com/office/2006/metadata/properties" xmlns:xsi="http://www.w3.org/2001/XMLSchema-instance" xmlns:pc="http://schemas.microsoft.com/office/infopath/2007/PartnerControls">
+  <documentManagement>
+    <Status xmlns="71af3243-3dd4-4a8d-8c0d-dd76da1f02a5">Not started</Status>
+    <MediaServiceKeyPoints xmlns="71af3243-3dd4-4a8d-8c0d-dd76da1f02a5" xsi:nil="true"/>
+  </documentManagement>
+</p:properties>
+</file>
+
+<file path=customXml/item2.xml><?xml version="1.0" encoding="utf-8"?>
 <?mso-contentType ?>
 <FormTemplates xmlns="http://schemas.microsoft.com/sharepoint/v3/contenttype/forms">
   <Display>DocumentLibraryForm</Display>
   <Edit>DocumentLibraryForm</Edit>
   <New>DocumentLibraryForm</New>
 </FormTemplates>
-</file>
-
-<file path=customXml/item2.xml><?xml version="1.0" encoding="utf-8"?>
-<p:properties xmlns:p="http://schemas.microsoft.com/office/2006/metadata/properties" xmlns:xsi="http://www.w3.org/2001/XMLSchema-instance" xmlns:pc="http://schemas.microsoft.com/office/infopath/2007/PartnerControls">
-  <documentManagement>
-    <Status xmlns="71af3243-3dd4-4a8d-8c0d-dd76da1f02a5">Not started</Status>
-    <MediaServiceKeyPoints xmlns="71af3243-3dd4-4a8d-8c0d-dd76da1f02a5" xsi:nil="true"/>
-  </documentManagement>
-</p:properties>
 </file>
 
 <file path=customXml/item3.xml><?xml version="1.0" encoding="utf-8"?>
@@ -14434,19 +14442,19 @@
 </file>
 
 <file path=customXml/itemProps1.xml><?xml version="1.0" encoding="utf-8"?>
-<ds:datastoreItem xmlns:ds="http://schemas.openxmlformats.org/officeDocument/2006/customXml" ds:itemID="{927BD4C1-B6B1-4715-ABF9-E660A51A4EA0}">
+<ds:datastoreItem xmlns:ds="http://schemas.openxmlformats.org/officeDocument/2006/customXml" ds:itemID="{8D289AE2-D2AE-49D1-AFAC-3A79F6794255}">
   <ds:schemaRefs>
-    <ds:schemaRef ds:uri="http://schemas.microsoft.com/sharepoint/v3/contenttype/forms"/>
+    <ds:schemaRef ds:uri="http://schemas.microsoft.com/office/2006/metadata/properties"/>
+    <ds:schemaRef ds:uri="http://schemas.microsoft.com/office/infopath/2007/PartnerControls"/>
+    <ds:schemaRef ds:uri="71af3243-3dd4-4a8d-8c0d-dd76da1f02a5"/>
   </ds:schemaRefs>
 </ds:datastoreItem>
 </file>
 
 <file path=customXml/itemProps2.xml><?xml version="1.0" encoding="utf-8"?>
-<ds:datastoreItem xmlns:ds="http://schemas.openxmlformats.org/officeDocument/2006/customXml" ds:itemID="{8D289AE2-D2AE-49D1-AFAC-3A79F6794255}">
+<ds:datastoreItem xmlns:ds="http://schemas.openxmlformats.org/officeDocument/2006/customXml" ds:itemID="{927BD4C1-B6B1-4715-ABF9-E660A51A4EA0}">
   <ds:schemaRefs>
-    <ds:schemaRef ds:uri="http://schemas.microsoft.com/office/2006/metadata/properties"/>
-    <ds:schemaRef ds:uri="http://schemas.microsoft.com/office/infopath/2007/PartnerControls"/>
-    <ds:schemaRef ds:uri="71af3243-3dd4-4a8d-8c0d-dd76da1f02a5"/>
+    <ds:schemaRef ds:uri="http://schemas.microsoft.com/sharepoint/v3/contenttype/forms"/>
   </ds:schemaRefs>
 </ds:datastoreItem>
 </file>
